--- a/2023/Диплом/Алина/Презентация.pptx
+++ b/2023/Диплом/Алина/Презентация.pptx
@@ -1693,7 +1693,7 @@
           <a:p>
             <a:fld id="{21307E79-EC31-48CD-9E48-653B106E2268}" type="datetimeFigureOut">
               <a:rPr lang="ru-RU" smtClean="0"/>
-              <a:t>04.06.2023</a:t>
+              <a:t>19.06.2023</a:t>
             </a:fld>
             <a:endParaRPr lang="ru-RU"/>
           </a:p>
@@ -1944,7 +1944,7 @@
           <a:p>
             <a:fld id="{21307E79-EC31-48CD-9E48-653B106E2268}" type="datetimeFigureOut">
               <a:rPr lang="ru-RU" smtClean="0"/>
-              <a:t>04.06.2023</a:t>
+              <a:t>19.06.2023</a:t>
             </a:fld>
             <a:endParaRPr lang="ru-RU"/>
           </a:p>
@@ -2258,7 +2258,7 @@
           <a:p>
             <a:fld id="{21307E79-EC31-48CD-9E48-653B106E2268}" type="datetimeFigureOut">
               <a:rPr lang="ru-RU" smtClean="0"/>
-              <a:t>04.06.2023</a:t>
+              <a:t>19.06.2023</a:t>
             </a:fld>
             <a:endParaRPr lang="ru-RU"/>
           </a:p>
@@ -2599,7 +2599,7 @@
           <a:p>
             <a:fld id="{21307E79-EC31-48CD-9E48-653B106E2268}" type="datetimeFigureOut">
               <a:rPr lang="ru-RU" smtClean="0"/>
-              <a:t>04.06.2023</a:t>
+              <a:t>19.06.2023</a:t>
             </a:fld>
             <a:endParaRPr lang="ru-RU"/>
           </a:p>
@@ -2913,7 +2913,7 @@
           <a:p>
             <a:fld id="{21307E79-EC31-48CD-9E48-653B106E2268}" type="datetimeFigureOut">
               <a:rPr lang="ru-RU" smtClean="0"/>
-              <a:t>04.06.2023</a:t>
+              <a:t>19.06.2023</a:t>
             </a:fld>
             <a:endParaRPr lang="ru-RU"/>
           </a:p>
@@ -3306,7 +3306,7 @@
           <a:p>
             <a:fld id="{21307E79-EC31-48CD-9E48-653B106E2268}" type="datetimeFigureOut">
               <a:rPr lang="ru-RU" smtClean="0"/>
-              <a:t>04.06.2023</a:t>
+              <a:t>19.06.2023</a:t>
             </a:fld>
             <a:endParaRPr lang="ru-RU"/>
           </a:p>
@@ -3476,7 +3476,7 @@
           <a:p>
             <a:fld id="{21307E79-EC31-48CD-9E48-653B106E2268}" type="datetimeFigureOut">
               <a:rPr lang="ru-RU" smtClean="0"/>
-              <a:t>04.06.2023</a:t>
+              <a:t>19.06.2023</a:t>
             </a:fld>
             <a:endParaRPr lang="ru-RU"/>
           </a:p>
@@ -3656,7 +3656,7 @@
           <a:p>
             <a:fld id="{21307E79-EC31-48CD-9E48-653B106E2268}" type="datetimeFigureOut">
               <a:rPr lang="ru-RU" smtClean="0"/>
-              <a:t>04.06.2023</a:t>
+              <a:t>19.06.2023</a:t>
             </a:fld>
             <a:endParaRPr lang="ru-RU"/>
           </a:p>
@@ -3832,7 +3832,7 @@
           <a:p>
             <a:fld id="{21307E79-EC31-48CD-9E48-653B106E2268}" type="datetimeFigureOut">
               <a:rPr lang="ru-RU" smtClean="0"/>
-              <a:t>04.06.2023</a:t>
+              <a:t>19.06.2023</a:t>
             </a:fld>
             <a:endParaRPr lang="ru-RU"/>
           </a:p>
@@ -4079,7 +4079,7 @@
           <a:p>
             <a:fld id="{21307E79-EC31-48CD-9E48-653B106E2268}" type="datetimeFigureOut">
               <a:rPr lang="ru-RU" smtClean="0"/>
-              <a:t>04.06.2023</a:t>
+              <a:t>19.06.2023</a:t>
             </a:fld>
             <a:endParaRPr lang="ru-RU"/>
           </a:p>
@@ -4311,7 +4311,7 @@
           <a:p>
             <a:fld id="{21307E79-EC31-48CD-9E48-653B106E2268}" type="datetimeFigureOut">
               <a:rPr lang="ru-RU" smtClean="0"/>
-              <a:t>04.06.2023</a:t>
+              <a:t>19.06.2023</a:t>
             </a:fld>
             <a:endParaRPr lang="ru-RU"/>
           </a:p>
@@ -4685,7 +4685,7 @@
           <a:p>
             <a:fld id="{21307E79-EC31-48CD-9E48-653B106E2268}" type="datetimeFigureOut">
               <a:rPr lang="ru-RU" smtClean="0"/>
-              <a:t>04.06.2023</a:t>
+              <a:t>19.06.2023</a:t>
             </a:fld>
             <a:endParaRPr lang="ru-RU"/>
           </a:p>
@@ -4808,7 +4808,7 @@
           <a:p>
             <a:fld id="{21307E79-EC31-48CD-9E48-653B106E2268}" type="datetimeFigureOut">
               <a:rPr lang="ru-RU" smtClean="0"/>
-              <a:t>04.06.2023</a:t>
+              <a:t>19.06.2023</a:t>
             </a:fld>
             <a:endParaRPr lang="ru-RU"/>
           </a:p>
@@ -4903,7 +4903,7 @@
           <a:p>
             <a:fld id="{21307E79-EC31-48CD-9E48-653B106E2268}" type="datetimeFigureOut">
               <a:rPr lang="ru-RU" smtClean="0"/>
-              <a:t>04.06.2023</a:t>
+              <a:t>19.06.2023</a:t>
             </a:fld>
             <a:endParaRPr lang="ru-RU"/>
           </a:p>
@@ -5158,7 +5158,7 @@
           <a:p>
             <a:fld id="{21307E79-EC31-48CD-9E48-653B106E2268}" type="datetimeFigureOut">
               <a:rPr lang="ru-RU" smtClean="0"/>
-              <a:t>04.06.2023</a:t>
+              <a:t>19.06.2023</a:t>
             </a:fld>
             <a:endParaRPr lang="ru-RU"/>
           </a:p>
@@ -5421,7 +5421,7 @@
           <a:p>
             <a:fld id="{21307E79-EC31-48CD-9E48-653B106E2268}" type="datetimeFigureOut">
               <a:rPr lang="ru-RU" smtClean="0"/>
-              <a:t>04.06.2023</a:t>
+              <a:t>19.06.2023</a:t>
             </a:fld>
             <a:endParaRPr lang="ru-RU"/>
           </a:p>
@@ -6164,7 +6164,7 @@
           <a:p>
             <a:fld id="{21307E79-EC31-48CD-9E48-653B106E2268}" type="datetimeFigureOut">
               <a:rPr lang="ru-RU" smtClean="0"/>
-              <a:t>04.06.2023</a:t>
+              <a:t>19.06.2023</a:t>
             </a:fld>
             <a:endParaRPr lang="ru-RU"/>
           </a:p>
@@ -6719,14 +6719,6 @@
               </a:rPr>
               <a:t>Дипломный проект:</a:t>
             </a:r>
-            <a:r>
-              <a:rPr lang="ru-RU" dirty="0">
-                <a:solidFill>
-                  <a:schemeClr val="tx1"/>
-                </a:solidFill>
-              </a:rPr>
-              <a:t/>
-            </a:r>
             <a:br>
               <a:rPr lang="ru-RU" dirty="0">
                 <a:solidFill>
@@ -6780,25 +6772,68 @@
           </a:bodyPr>
           <a:lstStyle/>
           <a:p>
-            <a:pPr algn="r"/>
-            <a:r>
-              <a:rPr lang="ru-RU" sz="3200" dirty="0" smtClean="0">
+            <a:r>
+              <a:rPr lang="ru-RU" sz="3200" dirty="0">
                 <a:solidFill>
                   <a:schemeClr val="tx1"/>
                 </a:solidFill>
               </a:rPr>
-              <a:t>Выполнила: …</a:t>
-            </a:r>
-          </a:p>
-          <a:p>
-            <a:pPr algn="r"/>
-            <a:r>
-              <a:rPr lang="ru-RU" sz="3200" dirty="0" smtClean="0">
+              <a:t>Выполнила: </a:t>
+            </a:r>
+            <a:r>
+              <a:rPr lang="ru-RU" sz="3200" dirty="0">
                 <a:solidFill>
                   <a:schemeClr val="tx1"/>
                 </a:solidFill>
               </a:rPr>
-              <a:t>Проверила: …</a:t>
+              <a:t>Архипова Алина </a:t>
+            </a:r>
+            <a:r>
+              <a:rPr lang="ru-RU" sz="3200" dirty="0" err="1">
+                <a:solidFill>
+                  <a:schemeClr val="tx1"/>
+                </a:solidFill>
+              </a:rPr>
+              <a:t>Айратовна</a:t>
+            </a:r>
+            <a:endParaRPr lang="ru-RU" sz="3200" dirty="0">
+              <a:solidFill>
+                <a:schemeClr val="tx1"/>
+              </a:solidFill>
+            </a:endParaRPr>
+          </a:p>
+          <a:p>
+            <a:r>
+              <a:rPr lang="ru-RU" sz="3200" dirty="0">
+                <a:solidFill>
+                  <a:schemeClr val="tx1"/>
+                </a:solidFill>
+              </a:rPr>
+              <a:t>Проверила: </a:t>
+            </a:r>
+            <a:r>
+              <a:rPr lang="ru-RU" sz="3200" dirty="0" err="1">
+                <a:solidFill>
+                  <a:schemeClr val="tx1"/>
+                </a:solidFill>
+              </a:rPr>
+              <a:t>Барышкова</a:t>
+            </a:r>
+            <a:r>
+              <a:rPr lang="ru-RU" sz="3200" dirty="0">
+                <a:solidFill>
+                  <a:schemeClr val="tx1"/>
+                </a:solidFill>
+              </a:rPr>
+              <a:t> Светлана </a:t>
+            </a:r>
+            <a:r>
+              <a:rPr lang="ru-RU" sz="3200" dirty="0" err="1">
+                <a:solidFill>
+                  <a:schemeClr val="tx1"/>
+                </a:solidFill>
+              </a:rPr>
+              <a:t>Загитовна</a:t>
             </a:r>
             <a:endParaRPr lang="ru-RU" sz="3200" dirty="0">
               <a:solidFill>
@@ -6920,54 +6955,16 @@
               <a:t>ОПИСАНИЕ </a:t>
             </a:r>
             <a:r>
-              <a:rPr lang="ru-RU" sz="3600" dirty="0">
+              <a:rPr lang="ru-RU" sz="3600" dirty="0" smtClean="0">
                 <a:latin typeface="Times New Roman" panose="02020603050405020304" pitchFamily="18" charset="0"/>
                 <a:cs typeface="Times New Roman" panose="02020603050405020304" pitchFamily="18" charset="0"/>
               </a:rPr>
-              <a:t>РЕСТОРАНА «</a:t>
-            </a:r>
-            <a:r>
-              <a:rPr lang="ru-RU" sz="3600" dirty="0" err="1">
-                <a:latin typeface="Times New Roman" panose="02020603050405020304" pitchFamily="18" charset="0"/>
-                <a:cs typeface="Times New Roman" panose="02020603050405020304" pitchFamily="18" charset="0"/>
-              </a:rPr>
-              <a:t>Sapori</a:t>
-            </a:r>
-            <a:r>
-              <a:rPr lang="ru-RU" sz="3600" dirty="0">
-                <a:latin typeface="Times New Roman" panose="02020603050405020304" pitchFamily="18" charset="0"/>
-                <a:cs typeface="Times New Roman" panose="02020603050405020304" pitchFamily="18" charset="0"/>
-              </a:rPr>
-              <a:t> </a:t>
-            </a:r>
-            <a:r>
-              <a:rPr lang="ru-RU" sz="3600" dirty="0" err="1">
-                <a:latin typeface="Times New Roman" panose="02020603050405020304" pitchFamily="18" charset="0"/>
-                <a:cs typeface="Times New Roman" panose="02020603050405020304" pitchFamily="18" charset="0"/>
-              </a:rPr>
-              <a:t>di</a:t>
-            </a:r>
-            <a:r>
-              <a:rPr lang="ru-RU" sz="3600" dirty="0">
-                <a:latin typeface="Times New Roman" panose="02020603050405020304" pitchFamily="18" charset="0"/>
-                <a:cs typeface="Times New Roman" panose="02020603050405020304" pitchFamily="18" charset="0"/>
-              </a:rPr>
-              <a:t> </a:t>
-            </a:r>
-            <a:r>
-              <a:rPr lang="ru-RU" sz="3600" dirty="0" err="1">
-                <a:latin typeface="Times New Roman" panose="02020603050405020304" pitchFamily="18" charset="0"/>
-                <a:cs typeface="Times New Roman" panose="02020603050405020304" pitchFamily="18" charset="0"/>
-              </a:rPr>
-              <a:t>Italia</a:t>
-            </a:r>
-            <a:r>
-              <a:rPr lang="ru-RU" sz="3600" dirty="0">
-                <a:latin typeface="Times New Roman" panose="02020603050405020304" pitchFamily="18" charset="0"/>
-                <a:cs typeface="Times New Roman" panose="02020603050405020304" pitchFamily="18" charset="0"/>
-              </a:rPr>
-              <a:t>»</a:t>
-            </a:r>
+              <a:t>КАФЕ-ПИЦЦЕРИИ «Фиеста Пицца»</a:t>
+            </a:r>
+            <a:endParaRPr lang="ru-RU" sz="3600" dirty="0">
+              <a:latin typeface="Times New Roman" panose="02020603050405020304" pitchFamily="18" charset="0"/>
+              <a:cs typeface="Times New Roman" panose="02020603050405020304" pitchFamily="18" charset="0"/>
+            </a:endParaRPr>
           </a:p>
           <a:p>
             <a:pPr marL="285750" indent="-285750">
@@ -7083,17 +7080,16 @@
         </p:nvSpPr>
         <p:spPr>
           <a:xfrm>
-            <a:off x="1141413" y="618518"/>
-            <a:ext cx="9905998" cy="1141009"/>
+            <a:off x="396517" y="405846"/>
+            <a:ext cx="11698501" cy="1141009"/>
           </a:xfrm>
         </p:spPr>
         <p:txBody>
           <a:bodyPr>
-            <a:normAutofit/>
+            <a:normAutofit fontScale="90000"/>
           </a:bodyPr>
           <a:lstStyle/>
           <a:p>
-            <a:pPr algn="ctr"/>
             <a:r>
               <a:rPr lang="ru-RU" sz="4400" dirty="0">
                 <a:solidFill>
@@ -7102,67 +7098,7 @@
                 <a:latin typeface="Times New Roman" panose="02020603050405020304" pitchFamily="18" charset="0"/>
                 <a:cs typeface="Times New Roman" panose="02020603050405020304" pitchFamily="18" charset="0"/>
               </a:rPr>
-              <a:t>Ресторан «</a:t>
-            </a:r>
-            <a:r>
-              <a:rPr lang="ru-RU" sz="4400" dirty="0" err="1">
-                <a:solidFill>
-                  <a:schemeClr val="tx1"/>
-                </a:solidFill>
-                <a:latin typeface="Times New Roman" panose="02020603050405020304" pitchFamily="18" charset="0"/>
-                <a:cs typeface="Times New Roman" panose="02020603050405020304" pitchFamily="18" charset="0"/>
-              </a:rPr>
-              <a:t>Sapori</a:t>
-            </a:r>
-            <a:r>
-              <a:rPr lang="ru-RU" sz="4400" dirty="0">
-                <a:solidFill>
-                  <a:schemeClr val="tx1"/>
-                </a:solidFill>
-                <a:latin typeface="Times New Roman" panose="02020603050405020304" pitchFamily="18" charset="0"/>
-                <a:cs typeface="Times New Roman" panose="02020603050405020304" pitchFamily="18" charset="0"/>
-              </a:rPr>
-              <a:t> </a:t>
-            </a:r>
-            <a:r>
-              <a:rPr lang="ru-RU" sz="4400" dirty="0" err="1">
-                <a:solidFill>
-                  <a:schemeClr val="tx1"/>
-                </a:solidFill>
-                <a:latin typeface="Times New Roman" panose="02020603050405020304" pitchFamily="18" charset="0"/>
-                <a:cs typeface="Times New Roman" panose="02020603050405020304" pitchFamily="18" charset="0"/>
-              </a:rPr>
-              <a:t>di</a:t>
-            </a:r>
-            <a:r>
-              <a:rPr lang="ru-RU" sz="4400" dirty="0">
-                <a:solidFill>
-                  <a:schemeClr val="tx1"/>
-                </a:solidFill>
-                <a:latin typeface="Times New Roman" panose="02020603050405020304" pitchFamily="18" charset="0"/>
-                <a:cs typeface="Times New Roman" panose="02020603050405020304" pitchFamily="18" charset="0"/>
-              </a:rPr>
-              <a:t> </a:t>
-            </a:r>
-            <a:r>
-              <a:rPr lang="ru-RU" sz="4400" dirty="0" err="1">
-                <a:solidFill>
-                  <a:schemeClr val="tx1"/>
-                </a:solidFill>
-                <a:latin typeface="Times New Roman" panose="02020603050405020304" pitchFamily="18" charset="0"/>
-                <a:cs typeface="Times New Roman" panose="02020603050405020304" pitchFamily="18" charset="0"/>
-              </a:rPr>
-              <a:t>Italia</a:t>
-            </a:r>
-            <a:r>
-              <a:rPr lang="ru-RU" sz="4400" dirty="0">
-                <a:solidFill>
-                  <a:schemeClr val="tx1"/>
-                </a:solidFill>
-                <a:latin typeface="Times New Roman" panose="02020603050405020304" pitchFamily="18" charset="0"/>
-                <a:cs typeface="Times New Roman" panose="02020603050405020304" pitchFamily="18" charset="0"/>
-              </a:rPr>
-              <a:t>»</a:t>
+              <a:t>ОПИСАНИЕ КАФЕ-ПИЦЦЕРИИ «Фиеста Пицца»</a:t>
             </a:r>
             <a:endParaRPr lang="ru-RU" sz="4400" dirty="0">
               <a:solidFill>
@@ -7219,7 +7155,7 @@
       </p:pic>
       <p:pic>
         <p:nvPicPr>
-          <p:cNvPr id="1030" name="Picture 6" descr="https://static.tildacdn.com/tild3537-6632-4830-a361-376430633239/DARK_LOGO.png"/>
+          <p:cNvPr id="1026" name="Picture 2" descr="https://cdn.arora.pro/r/upload/59a0412a-0361-41a3-af2c-92d9ea986bc9/file_manager/theme/logo-new.png?webp&amp;avif&amp;i=20230310&amp;version=P801.41"/>
           <p:cNvPicPr>
             <a:picLocks noChangeAspect="1" noChangeArrowheads="1"/>
           </p:cNvPicPr>
@@ -7240,8 +7176,8 @@
         </p:blipFill>
         <p:spPr bwMode="auto">
           <a:xfrm>
-            <a:off x="133281" y="2849886"/>
-            <a:ext cx="5103737" cy="1638988"/>
+            <a:off x="396517" y="2244436"/>
+            <a:ext cx="4724400" cy="2580408"/>
           </a:xfrm>
           <a:prstGeom prst="rect">
             <a:avLst/>
@@ -7360,7 +7296,7 @@
         <p:spPr bwMode="auto">
           <a:xfrm>
             <a:off x="396759" y="1930832"/>
-            <a:ext cx="3842731" cy="3692640"/>
+            <a:ext cx="2942186" cy="2668877"/>
           </a:xfrm>
           <a:prstGeom prst="rect">
             <a:avLst/>
@@ -7392,8 +7328,41 @@
         </p:blipFill>
         <p:spPr bwMode="auto">
           <a:xfrm>
-            <a:off x="5105315" y="1773382"/>
-            <a:ext cx="4440468" cy="3692640"/>
+            <a:off x="3758002" y="1773382"/>
+            <a:ext cx="3207412" cy="2826327"/>
+          </a:xfrm>
+          <a:prstGeom prst="rect">
+            <a:avLst/>
+          </a:prstGeom>
+          <a:noFill/>
+          <a:ln>
+            <a:noFill/>
+          </a:ln>
+        </p:spPr>
+      </p:pic>
+      <p:pic>
+        <p:nvPicPr>
+          <p:cNvPr id="5" name="Рисунок 4" descr="https://www.russkayaferma.ru/upload/iblock/b76/w4rx4toz1n67ezgup8albifdwvw7fdiw/MC_500A.jpg"/>
+          <p:cNvPicPr/>
+          <p:nvPr/>
+        </p:nvPicPr>
+        <p:blipFill>
+          <a:blip r:embed="rId4" cstate="print">
+            <a:extLst>
+              <a:ext uri="{28A0092B-C50C-407E-A947-70E740481C1C}">
+                <a14:useLocalDpi xmlns:a14="http://schemas.microsoft.com/office/drawing/2010/main" val="0"/>
+              </a:ext>
+            </a:extLst>
+          </a:blip>
+          <a:srcRect/>
+          <a:stretch>
+            <a:fillRect/>
+          </a:stretch>
+        </p:blipFill>
+        <p:spPr bwMode="auto">
+          <a:xfrm>
+            <a:off x="7237000" y="1773382"/>
+            <a:ext cx="3538825" cy="3089563"/>
           </a:xfrm>
           <a:prstGeom prst="rect">
             <a:avLst/>

--- a/2023/Диплом/Алина/Презентация.pptx
+++ b/2023/Диплом/Алина/Презентация.pptx
@@ -4,15 +4,26 @@
   <p:sldMasterIdLst>
     <p:sldMasterId id="2147483678" r:id="rId1"/>
   </p:sldMasterIdLst>
+  <p:notesMasterIdLst>
+    <p:notesMasterId r:id="rId18"/>
+  </p:notesMasterIdLst>
   <p:sldIdLst>
     <p:sldId id="256" r:id="rId2"/>
     <p:sldId id="257" r:id="rId3"/>
-    <p:sldId id="258" r:id="rId4"/>
-    <p:sldId id="259" r:id="rId5"/>
-    <p:sldId id="260" r:id="rId6"/>
-    <p:sldId id="261" r:id="rId7"/>
-    <p:sldId id="262" r:id="rId8"/>
-    <p:sldId id="263" r:id="rId9"/>
+    <p:sldId id="264" r:id="rId4"/>
+    <p:sldId id="258" r:id="rId5"/>
+    <p:sldId id="265" r:id="rId6"/>
+    <p:sldId id="266" r:id="rId7"/>
+    <p:sldId id="267" r:id="rId8"/>
+    <p:sldId id="268" r:id="rId9"/>
+    <p:sldId id="259" r:id="rId10"/>
+    <p:sldId id="260" r:id="rId11"/>
+    <p:sldId id="269" r:id="rId12"/>
+    <p:sldId id="261" r:id="rId13"/>
+    <p:sldId id="270" r:id="rId14"/>
+    <p:sldId id="262" r:id="rId15"/>
+    <p:sldId id="271" r:id="rId16"/>
+    <p:sldId id="263" r:id="rId17"/>
   </p:sldIdLst>
   <p:sldSz cx="12192000" cy="6858000"/>
   <p:notesSz cx="6858000" cy="9144000"/>
@@ -969,6 +980,440 @@
     </cs:spPr>
   </cs:wall>
 </cs:chartStyle>
+</file>
+
+<file path=ppt/notesMasters/notesMaster1.xml><?xml version="1.0" encoding="utf-8"?>
+<p:notesMaster xmlns:a="http://schemas.openxmlformats.org/drawingml/2006/main" xmlns:r="http://schemas.openxmlformats.org/officeDocument/2006/relationships" xmlns:p="http://schemas.openxmlformats.org/presentationml/2006/main">
+  <p:cSld>
+    <p:bg>
+      <p:bgRef idx="1001">
+        <a:schemeClr val="bg1"/>
+      </p:bgRef>
+    </p:bg>
+    <p:spTree>
+      <p:nvGrpSpPr>
+        <p:cNvPr id="1" name=""/>
+        <p:cNvGrpSpPr/>
+        <p:nvPr/>
+      </p:nvGrpSpPr>
+      <p:grpSpPr>
+        <a:xfrm>
+          <a:off x="0" y="0"/>
+          <a:ext cx="0" cy="0"/>
+          <a:chOff x="0" y="0"/>
+          <a:chExt cx="0" cy="0"/>
+        </a:xfrm>
+      </p:grpSpPr>
+      <p:sp>
+        <p:nvSpPr>
+          <p:cNvPr id="2" name="Верхний колонтитул 1"/>
+          <p:cNvSpPr>
+            <a:spLocks noGrp="1"/>
+          </p:cNvSpPr>
+          <p:nvPr>
+            <p:ph type="hdr" sz="quarter"/>
+          </p:nvPr>
+        </p:nvSpPr>
+        <p:spPr>
+          <a:xfrm>
+            <a:off x="0" y="0"/>
+            <a:ext cx="2971800" cy="458788"/>
+          </a:xfrm>
+          <a:prstGeom prst="rect">
+            <a:avLst/>
+          </a:prstGeom>
+        </p:spPr>
+        <p:txBody>
+          <a:bodyPr vert="horz" lIns="91440" tIns="45720" rIns="91440" bIns="45720" rtlCol="0"/>
+          <a:lstStyle>
+            <a:lvl1pPr algn="l">
+              <a:defRPr sz="1200"/>
+            </a:lvl1pPr>
+          </a:lstStyle>
+          <a:p>
+            <a:endParaRPr lang="ru-RU"/>
+          </a:p>
+        </p:txBody>
+      </p:sp>
+      <p:sp>
+        <p:nvSpPr>
+          <p:cNvPr id="3" name="Дата 2"/>
+          <p:cNvSpPr>
+            <a:spLocks noGrp="1"/>
+          </p:cNvSpPr>
+          <p:nvPr>
+            <p:ph type="dt" idx="1"/>
+          </p:nvPr>
+        </p:nvSpPr>
+        <p:spPr>
+          <a:xfrm>
+            <a:off x="3884613" y="0"/>
+            <a:ext cx="2971800" cy="458788"/>
+          </a:xfrm>
+          <a:prstGeom prst="rect">
+            <a:avLst/>
+          </a:prstGeom>
+        </p:spPr>
+        <p:txBody>
+          <a:bodyPr vert="horz" lIns="91440" tIns="45720" rIns="91440" bIns="45720" rtlCol="0"/>
+          <a:lstStyle>
+            <a:lvl1pPr algn="r">
+              <a:defRPr sz="1200"/>
+            </a:lvl1pPr>
+          </a:lstStyle>
+          <a:p>
+            <a:fld id="{08BFFBC6-AA79-4CC3-A733-C16E11EA0709}" type="datetimeFigureOut">
+              <a:rPr lang="ru-RU" smtClean="0"/>
+              <a:t>20.06.2023</a:t>
+            </a:fld>
+            <a:endParaRPr lang="ru-RU"/>
+          </a:p>
+        </p:txBody>
+      </p:sp>
+      <p:sp>
+        <p:nvSpPr>
+          <p:cNvPr id="4" name="Образ слайда 3"/>
+          <p:cNvSpPr>
+            <a:spLocks noGrp="1" noRot="1" noChangeAspect="1"/>
+          </p:cNvSpPr>
+          <p:nvPr>
+            <p:ph type="sldImg" idx="2"/>
+          </p:nvPr>
+        </p:nvSpPr>
+        <p:spPr>
+          <a:xfrm>
+            <a:off x="685800" y="1143000"/>
+            <a:ext cx="5486400" cy="3086100"/>
+          </a:xfrm>
+          <a:prstGeom prst="rect">
+            <a:avLst/>
+          </a:prstGeom>
+          <a:noFill/>
+          <a:ln w="12700">
+            <a:solidFill>
+              <a:prstClr val="black"/>
+            </a:solidFill>
+          </a:ln>
+        </p:spPr>
+        <p:txBody>
+          <a:bodyPr vert="horz" lIns="91440" tIns="45720" rIns="91440" bIns="45720" rtlCol="0" anchor="ctr"/>
+          <a:lstStyle/>
+          <a:p>
+            <a:endParaRPr lang="ru-RU"/>
+          </a:p>
+        </p:txBody>
+      </p:sp>
+      <p:sp>
+        <p:nvSpPr>
+          <p:cNvPr id="5" name="Заметки 4"/>
+          <p:cNvSpPr>
+            <a:spLocks noGrp="1"/>
+          </p:cNvSpPr>
+          <p:nvPr>
+            <p:ph type="body" sz="quarter" idx="3"/>
+          </p:nvPr>
+        </p:nvSpPr>
+        <p:spPr>
+          <a:xfrm>
+            <a:off x="685800" y="4400550"/>
+            <a:ext cx="5486400" cy="3600450"/>
+          </a:xfrm>
+          <a:prstGeom prst="rect">
+            <a:avLst/>
+          </a:prstGeom>
+        </p:spPr>
+        <p:txBody>
+          <a:bodyPr vert="horz" lIns="91440" tIns="45720" rIns="91440" bIns="45720" rtlCol="0"/>
+          <a:lstStyle/>
+          <a:p>
+            <a:pPr lvl="0"/>
+            <a:r>
+              <a:rPr lang="ru-RU" smtClean="0"/>
+              <a:t>Образец текста</a:t>
+            </a:r>
+          </a:p>
+          <a:p>
+            <a:pPr lvl="1"/>
+            <a:r>
+              <a:rPr lang="ru-RU" smtClean="0"/>
+              <a:t>Второй уровень</a:t>
+            </a:r>
+          </a:p>
+          <a:p>
+            <a:pPr lvl="2"/>
+            <a:r>
+              <a:rPr lang="ru-RU" smtClean="0"/>
+              <a:t>Третий уровень</a:t>
+            </a:r>
+          </a:p>
+          <a:p>
+            <a:pPr lvl="3"/>
+            <a:r>
+              <a:rPr lang="ru-RU" smtClean="0"/>
+              <a:t>Четвертый уровень</a:t>
+            </a:r>
+          </a:p>
+          <a:p>
+            <a:pPr lvl="4"/>
+            <a:r>
+              <a:rPr lang="ru-RU" smtClean="0"/>
+              <a:t>Пятый уровень</a:t>
+            </a:r>
+            <a:endParaRPr lang="ru-RU"/>
+          </a:p>
+        </p:txBody>
+      </p:sp>
+      <p:sp>
+        <p:nvSpPr>
+          <p:cNvPr id="6" name="Нижний колонтитул 5"/>
+          <p:cNvSpPr>
+            <a:spLocks noGrp="1"/>
+          </p:cNvSpPr>
+          <p:nvPr>
+            <p:ph type="ftr" sz="quarter" idx="4"/>
+          </p:nvPr>
+        </p:nvSpPr>
+        <p:spPr>
+          <a:xfrm>
+            <a:off x="0" y="8685213"/>
+            <a:ext cx="2971800" cy="458787"/>
+          </a:xfrm>
+          <a:prstGeom prst="rect">
+            <a:avLst/>
+          </a:prstGeom>
+        </p:spPr>
+        <p:txBody>
+          <a:bodyPr vert="horz" lIns="91440" tIns="45720" rIns="91440" bIns="45720" rtlCol="0" anchor="b"/>
+          <a:lstStyle>
+            <a:lvl1pPr algn="l">
+              <a:defRPr sz="1200"/>
+            </a:lvl1pPr>
+          </a:lstStyle>
+          <a:p>
+            <a:endParaRPr lang="ru-RU"/>
+          </a:p>
+        </p:txBody>
+      </p:sp>
+      <p:sp>
+        <p:nvSpPr>
+          <p:cNvPr id="7" name="Номер слайда 6"/>
+          <p:cNvSpPr>
+            <a:spLocks noGrp="1"/>
+          </p:cNvSpPr>
+          <p:nvPr>
+            <p:ph type="sldNum" sz="quarter" idx="5"/>
+          </p:nvPr>
+        </p:nvSpPr>
+        <p:spPr>
+          <a:xfrm>
+            <a:off x="3884613" y="8685213"/>
+            <a:ext cx="2971800" cy="458787"/>
+          </a:xfrm>
+          <a:prstGeom prst="rect">
+            <a:avLst/>
+          </a:prstGeom>
+        </p:spPr>
+        <p:txBody>
+          <a:bodyPr vert="horz" lIns="91440" tIns="45720" rIns="91440" bIns="45720" rtlCol="0" anchor="b"/>
+          <a:lstStyle>
+            <a:lvl1pPr algn="r">
+              <a:defRPr sz="1200"/>
+            </a:lvl1pPr>
+          </a:lstStyle>
+          <a:p>
+            <a:fld id="{1C327A4D-D625-419F-AB75-7C2EC0828C51}" type="slidenum">
+              <a:rPr lang="ru-RU" smtClean="0"/>
+              <a:t>‹#›</a:t>
+            </a:fld>
+            <a:endParaRPr lang="ru-RU"/>
+          </a:p>
+        </p:txBody>
+      </p:sp>
+    </p:spTree>
+    <p:extLst>
+      <p:ext uri="{BB962C8B-B14F-4D97-AF65-F5344CB8AC3E}">
+        <p14:creationId xmlns:p14="http://schemas.microsoft.com/office/powerpoint/2010/main" val="2137868252"/>
+      </p:ext>
+    </p:extLst>
+  </p:cSld>
+  <p:clrMap bg1="lt1" tx1="dk1" bg2="lt2" tx2="dk2" accent1="accent1" accent2="accent2" accent3="accent3" accent4="accent4" accent5="accent5" accent6="accent6" hlink="hlink" folHlink="folHlink"/>
+  <p:notesStyle>
+    <a:lvl1pPr marL="0" algn="l" defTabSz="914400" rtl="0" eaLnBrk="1" latinLnBrk="0" hangingPunct="1">
+      <a:defRPr sz="1200" kern="1200">
+        <a:solidFill>
+          <a:schemeClr val="tx1"/>
+        </a:solidFill>
+        <a:latin typeface="+mn-lt"/>
+        <a:ea typeface="+mn-ea"/>
+        <a:cs typeface="+mn-cs"/>
+      </a:defRPr>
+    </a:lvl1pPr>
+    <a:lvl2pPr marL="457200" algn="l" defTabSz="914400" rtl="0" eaLnBrk="1" latinLnBrk="0" hangingPunct="1">
+      <a:defRPr sz="1200" kern="1200">
+        <a:solidFill>
+          <a:schemeClr val="tx1"/>
+        </a:solidFill>
+        <a:latin typeface="+mn-lt"/>
+        <a:ea typeface="+mn-ea"/>
+        <a:cs typeface="+mn-cs"/>
+      </a:defRPr>
+    </a:lvl2pPr>
+    <a:lvl3pPr marL="914400" algn="l" defTabSz="914400" rtl="0" eaLnBrk="1" latinLnBrk="0" hangingPunct="1">
+      <a:defRPr sz="1200" kern="1200">
+        <a:solidFill>
+          <a:schemeClr val="tx1"/>
+        </a:solidFill>
+        <a:latin typeface="+mn-lt"/>
+        <a:ea typeface="+mn-ea"/>
+        <a:cs typeface="+mn-cs"/>
+      </a:defRPr>
+    </a:lvl3pPr>
+    <a:lvl4pPr marL="1371600" algn="l" defTabSz="914400" rtl="0" eaLnBrk="1" latinLnBrk="0" hangingPunct="1">
+      <a:defRPr sz="1200" kern="1200">
+        <a:solidFill>
+          <a:schemeClr val="tx1"/>
+        </a:solidFill>
+        <a:latin typeface="+mn-lt"/>
+        <a:ea typeface="+mn-ea"/>
+        <a:cs typeface="+mn-cs"/>
+      </a:defRPr>
+    </a:lvl4pPr>
+    <a:lvl5pPr marL="1828800" algn="l" defTabSz="914400" rtl="0" eaLnBrk="1" latinLnBrk="0" hangingPunct="1">
+      <a:defRPr sz="1200" kern="1200">
+        <a:solidFill>
+          <a:schemeClr val="tx1"/>
+        </a:solidFill>
+        <a:latin typeface="+mn-lt"/>
+        <a:ea typeface="+mn-ea"/>
+        <a:cs typeface="+mn-cs"/>
+      </a:defRPr>
+    </a:lvl5pPr>
+    <a:lvl6pPr marL="2286000" algn="l" defTabSz="914400" rtl="0" eaLnBrk="1" latinLnBrk="0" hangingPunct="1">
+      <a:defRPr sz="1200" kern="1200">
+        <a:solidFill>
+          <a:schemeClr val="tx1"/>
+        </a:solidFill>
+        <a:latin typeface="+mn-lt"/>
+        <a:ea typeface="+mn-ea"/>
+        <a:cs typeface="+mn-cs"/>
+      </a:defRPr>
+    </a:lvl6pPr>
+    <a:lvl7pPr marL="2743200" algn="l" defTabSz="914400" rtl="0" eaLnBrk="1" latinLnBrk="0" hangingPunct="1">
+      <a:defRPr sz="1200" kern="1200">
+        <a:solidFill>
+          <a:schemeClr val="tx1"/>
+        </a:solidFill>
+        <a:latin typeface="+mn-lt"/>
+        <a:ea typeface="+mn-ea"/>
+        <a:cs typeface="+mn-cs"/>
+      </a:defRPr>
+    </a:lvl7pPr>
+    <a:lvl8pPr marL="3200400" algn="l" defTabSz="914400" rtl="0" eaLnBrk="1" latinLnBrk="0" hangingPunct="1">
+      <a:defRPr sz="1200" kern="1200">
+        <a:solidFill>
+          <a:schemeClr val="tx1"/>
+        </a:solidFill>
+        <a:latin typeface="+mn-lt"/>
+        <a:ea typeface="+mn-ea"/>
+        <a:cs typeface="+mn-cs"/>
+      </a:defRPr>
+    </a:lvl8pPr>
+    <a:lvl9pPr marL="3657600" algn="l" defTabSz="914400" rtl="0" eaLnBrk="1" latinLnBrk="0" hangingPunct="1">
+      <a:defRPr sz="1200" kern="1200">
+        <a:solidFill>
+          <a:schemeClr val="tx1"/>
+        </a:solidFill>
+        <a:latin typeface="+mn-lt"/>
+        <a:ea typeface="+mn-ea"/>
+        <a:cs typeface="+mn-cs"/>
+      </a:defRPr>
+    </a:lvl9pPr>
+  </p:notesStyle>
+</p:notesMaster>
+</file>
+
+<file path=ppt/notesSlides/notesSlide1.xml><?xml version="1.0" encoding="utf-8"?>
+<p:notes xmlns:a="http://schemas.openxmlformats.org/drawingml/2006/main" xmlns:r="http://schemas.openxmlformats.org/officeDocument/2006/relationships" xmlns:p="http://schemas.openxmlformats.org/presentationml/2006/main">
+  <p:cSld>
+    <p:spTree>
+      <p:nvGrpSpPr>
+        <p:cNvPr id="1" name=""/>
+        <p:cNvGrpSpPr/>
+        <p:nvPr/>
+      </p:nvGrpSpPr>
+      <p:grpSpPr>
+        <a:xfrm>
+          <a:off x="0" y="0"/>
+          <a:ext cx="0" cy="0"/>
+          <a:chOff x="0" y="0"/>
+          <a:chExt cx="0" cy="0"/>
+        </a:xfrm>
+      </p:grpSpPr>
+      <p:sp>
+        <p:nvSpPr>
+          <p:cNvPr id="2" name="Образ слайда 1"/>
+          <p:cNvSpPr>
+            <a:spLocks noGrp="1" noRot="1" noChangeAspect="1"/>
+          </p:cNvSpPr>
+          <p:nvPr>
+            <p:ph type="sldImg"/>
+          </p:nvPr>
+        </p:nvSpPr>
+        <p:spPr/>
+      </p:sp>
+      <p:sp>
+        <p:nvSpPr>
+          <p:cNvPr id="3" name="Заметки 2"/>
+          <p:cNvSpPr>
+            <a:spLocks noGrp="1"/>
+          </p:cNvSpPr>
+          <p:nvPr>
+            <p:ph type="body" idx="1"/>
+          </p:nvPr>
+        </p:nvSpPr>
+        <p:spPr/>
+        <p:txBody>
+          <a:bodyPr/>
+          <a:lstStyle/>
+          <a:p>
+            <a:endParaRPr lang="ru-RU" dirty="0"/>
+          </a:p>
+        </p:txBody>
+      </p:sp>
+      <p:sp>
+        <p:nvSpPr>
+          <p:cNvPr id="4" name="Номер слайда 3"/>
+          <p:cNvSpPr>
+            <a:spLocks noGrp="1"/>
+          </p:cNvSpPr>
+          <p:nvPr>
+            <p:ph type="sldNum" sz="quarter" idx="10"/>
+          </p:nvPr>
+        </p:nvSpPr>
+        <p:spPr/>
+        <p:txBody>
+          <a:bodyPr/>
+          <a:lstStyle/>
+          <a:p>
+            <a:fld id="{1C327A4D-D625-419F-AB75-7C2EC0828C51}" type="slidenum">
+              <a:rPr lang="ru-RU" smtClean="0"/>
+              <a:t>13</a:t>
+            </a:fld>
+            <a:endParaRPr lang="ru-RU"/>
+          </a:p>
+        </p:txBody>
+      </p:sp>
+    </p:spTree>
+    <p:extLst>
+      <p:ext uri="{BB962C8B-B14F-4D97-AF65-F5344CB8AC3E}">
+        <p14:creationId xmlns:p14="http://schemas.microsoft.com/office/powerpoint/2010/main" val="2804164699"/>
+      </p:ext>
+    </p:extLst>
+  </p:cSld>
+  <p:clrMapOvr>
+    <a:masterClrMapping/>
+  </p:clrMapOvr>
+</p:notes>
 </file>
 
 <file path=ppt/slideLayouts/slideLayout1.xml><?xml version="1.0" encoding="utf-8"?>
@@ -6712,12 +7157,20 @@
           <a:p>
             <a:pPr algn="l"/>
             <a:r>
+              <a:rPr lang="ru-RU" dirty="0" smtClean="0">
+                <a:solidFill>
+                  <a:schemeClr val="tx1"/>
+                </a:solidFill>
+              </a:rPr>
+              <a:t>Дипломная работа:</a:t>
+            </a:r>
+            <a:r>
               <a:rPr lang="ru-RU" dirty="0">
                 <a:solidFill>
                   <a:schemeClr val="tx1"/>
                 </a:solidFill>
               </a:rPr>
-              <a:t>Дипломный проект:</a:t>
+              <a:t/>
             </a:r>
             <a:br>
               <a:rPr lang="ru-RU" dirty="0">
@@ -6727,12 +7180,20 @@
               </a:rPr>
             </a:br>
             <a:r>
+              <a:rPr lang="ru-RU" dirty="0" smtClean="0">
+                <a:solidFill>
+                  <a:schemeClr val="tx1"/>
+                </a:solidFill>
+              </a:rPr>
+              <a:t>«Технология </a:t>
+            </a:r>
+            <a:r>
               <a:rPr lang="ru-RU" dirty="0">
                 <a:solidFill>
                   <a:schemeClr val="tx1"/>
                 </a:solidFill>
               </a:rPr>
-              <a:t>технология приготовления блюд для кафе </a:t>
+              <a:t>приготовления блюд для кафе </a:t>
             </a:r>
             <a:r>
               <a:rPr lang="ru-RU" dirty="0" smtClean="0">
@@ -6740,7 +7201,7 @@
                   <a:schemeClr val="tx1"/>
                 </a:solidFill>
               </a:rPr>
-              <a:t>пиццерии</a:t>
+              <a:t>пиццерии»</a:t>
             </a:r>
             <a:endParaRPr lang="ru-RU" dirty="0">
               <a:solidFill>
@@ -6778,15 +7239,7 @@
                   <a:schemeClr val="tx1"/>
                 </a:solidFill>
               </a:rPr>
-              <a:t>Выполнила: </a:t>
-            </a:r>
-            <a:r>
-              <a:rPr lang="ru-RU" sz="3200" dirty="0">
-                <a:solidFill>
-                  <a:schemeClr val="tx1"/>
-                </a:solidFill>
-              </a:rPr>
-              <a:t>Архипова Алина </a:t>
+              <a:t>Выполнила: Архипова Алина </a:t>
             </a:r>
             <a:r>
               <a:rPr lang="ru-RU" sz="3200" dirty="0" err="1">
@@ -6860,6 +7313,4325 @@
       </p:par>
     </p:tnLst>
   </p:timing>
+</p:sld>
+</file>
+
+<file path=ppt/slides/slide10.xml><?xml version="1.0" encoding="utf-8"?>
+<p:sld xmlns:a="http://schemas.openxmlformats.org/drawingml/2006/main" xmlns:r="http://schemas.openxmlformats.org/officeDocument/2006/relationships" xmlns:p="http://schemas.openxmlformats.org/presentationml/2006/main">
+  <p:cSld>
+    <p:spTree>
+      <p:nvGrpSpPr>
+        <p:cNvPr id="1" name=""/>
+        <p:cNvGrpSpPr/>
+        <p:nvPr/>
+      </p:nvGrpSpPr>
+      <p:grpSpPr>
+        <a:xfrm>
+          <a:off x="0" y="0"/>
+          <a:ext cx="0" cy="0"/>
+          <a:chOff x="0" y="0"/>
+          <a:chExt cx="0" cy="0"/>
+        </a:xfrm>
+      </p:grpSpPr>
+      <p:sp>
+        <p:nvSpPr>
+          <p:cNvPr id="2" name="Заголовок 1"/>
+          <p:cNvSpPr>
+            <a:spLocks noGrp="1"/>
+          </p:cNvSpPr>
+          <p:nvPr>
+            <p:ph type="title"/>
+          </p:nvPr>
+        </p:nvSpPr>
+        <p:spPr>
+          <a:xfrm>
+            <a:off x="756154" y="299865"/>
+            <a:ext cx="10676514" cy="822354"/>
+          </a:xfrm>
+        </p:spPr>
+        <p:txBody>
+          <a:bodyPr>
+            <a:normAutofit/>
+          </a:bodyPr>
+          <a:lstStyle/>
+          <a:p>
+            <a:pPr algn="ctr"/>
+            <a:r>
+              <a:rPr lang="ru-RU" sz="4000" dirty="0" smtClean="0">
+                <a:solidFill>
+                  <a:schemeClr val="tx1"/>
+                </a:solidFill>
+                <a:latin typeface="Times New Roman" panose="02020603050405020304" pitchFamily="18" charset="0"/>
+                <a:cs typeface="Times New Roman" panose="02020603050405020304" pitchFamily="18" charset="0"/>
+              </a:rPr>
+              <a:t>РАЗРАБОТКА АССОРТИМЕНТА</a:t>
+            </a:r>
+            <a:endParaRPr lang="ru-RU" sz="4000" dirty="0">
+              <a:solidFill>
+                <a:schemeClr val="tx1"/>
+              </a:solidFill>
+              <a:latin typeface="Times New Roman" panose="02020603050405020304" pitchFamily="18" charset="0"/>
+              <a:cs typeface="Times New Roman" panose="02020603050405020304" pitchFamily="18" charset="0"/>
+            </a:endParaRPr>
+          </a:p>
+        </p:txBody>
+      </p:sp>
+      <p:pic>
+        <p:nvPicPr>
+          <p:cNvPr id="2050" name="Picture 2" descr="https://lh3.googleusercontent.com/YImPpq575ulvsdkchCW0knf68xj5WlJl-prdUBInbmJ_L6ykuU635DrDJdYQLVVYYvvDojre7bjoooyhiBNefSvsACS7Z9EBDdVVDYg"/>
+          <p:cNvPicPr>
+            <a:picLocks noGrp="1" noChangeAspect="1" noChangeArrowheads="1"/>
+          </p:cNvPicPr>
+          <p:nvPr>
+            <p:ph idx="1"/>
+          </p:nvPr>
+        </p:nvPicPr>
+        <p:blipFill>
+          <a:blip r:embed="rId2">
+            <a:extLst>
+              <a:ext uri="{28A0092B-C50C-407E-A947-70E740481C1C}">
+                <a14:useLocalDpi xmlns:a14="http://schemas.microsoft.com/office/drawing/2010/main" val="0"/>
+              </a:ext>
+            </a:extLst>
+          </a:blip>
+          <a:srcRect/>
+          <a:stretch>
+            <a:fillRect/>
+          </a:stretch>
+        </p:blipFill>
+        <p:spPr bwMode="auto">
+          <a:xfrm>
+            <a:off x="756154" y="1288473"/>
+            <a:ext cx="4228162" cy="5252284"/>
+          </a:xfrm>
+          <a:prstGeom prst="rect">
+            <a:avLst/>
+          </a:prstGeom>
+          <a:noFill/>
+          <a:extLst>
+            <a:ext uri="{909E8E84-426E-40DD-AFC4-6F175D3DCCD1}">
+              <a14:hiddenFill xmlns:a14="http://schemas.microsoft.com/office/drawing/2010/main">
+                <a:solidFill>
+                  <a:srgbClr val="FFFFFF"/>
+                </a:solidFill>
+              </a14:hiddenFill>
+            </a:ext>
+          </a:extLst>
+        </p:spPr>
+      </p:pic>
+      <p:pic>
+        <p:nvPicPr>
+          <p:cNvPr id="2052" name="Picture 4" descr="https://lh3.googleusercontent.com/S-CIIJUtPH80g6Apk6L_XQ-_7mz-yM13VIbyJGMNaENtcPfIzhBgTAx1ZMCxkZkrFaoBwY3Luw1pPhzzjq8tXdUMv42F4AgbyYRFUmYS"/>
+          <p:cNvPicPr>
+            <a:picLocks noChangeAspect="1" noChangeArrowheads="1"/>
+          </p:cNvPicPr>
+          <p:nvPr/>
+        </p:nvPicPr>
+        <p:blipFill>
+          <a:blip r:embed="rId3">
+            <a:extLst>
+              <a:ext uri="{28A0092B-C50C-407E-A947-70E740481C1C}">
+                <a14:useLocalDpi xmlns:a14="http://schemas.microsoft.com/office/drawing/2010/main" val="0"/>
+              </a:ext>
+            </a:extLst>
+          </a:blip>
+          <a:srcRect/>
+          <a:stretch>
+            <a:fillRect/>
+          </a:stretch>
+        </p:blipFill>
+        <p:spPr bwMode="auto">
+          <a:xfrm>
+            <a:off x="7041284" y="1288473"/>
+            <a:ext cx="4214794" cy="5252284"/>
+          </a:xfrm>
+          <a:prstGeom prst="rect">
+            <a:avLst/>
+          </a:prstGeom>
+          <a:noFill/>
+          <a:extLst>
+            <a:ext uri="{909E8E84-426E-40DD-AFC4-6F175D3DCCD1}">
+              <a14:hiddenFill xmlns:a14="http://schemas.microsoft.com/office/drawing/2010/main">
+                <a:solidFill>
+                  <a:srgbClr val="FFFFFF"/>
+                </a:solidFill>
+              </a14:hiddenFill>
+            </a:ext>
+          </a:extLst>
+        </p:spPr>
+      </p:pic>
+    </p:spTree>
+    <p:extLst>
+      <p:ext uri="{BB962C8B-B14F-4D97-AF65-F5344CB8AC3E}">
+        <p14:creationId xmlns:p14="http://schemas.microsoft.com/office/powerpoint/2010/main" val="1986027248"/>
+      </p:ext>
+    </p:extLst>
+  </p:cSld>
+  <p:clrMapOvr>
+    <a:masterClrMapping/>
+  </p:clrMapOvr>
+</p:sld>
+</file>
+
+<file path=ppt/slides/slide11.xml><?xml version="1.0" encoding="utf-8"?>
+<p:sld xmlns:a="http://schemas.openxmlformats.org/drawingml/2006/main" xmlns:r="http://schemas.openxmlformats.org/officeDocument/2006/relationships" xmlns:p="http://schemas.openxmlformats.org/presentationml/2006/main">
+  <p:cSld>
+    <p:spTree>
+      <p:nvGrpSpPr>
+        <p:cNvPr id="1" name=""/>
+        <p:cNvGrpSpPr/>
+        <p:nvPr/>
+      </p:nvGrpSpPr>
+      <p:grpSpPr>
+        <a:xfrm>
+          <a:off x="0" y="0"/>
+          <a:ext cx="0" cy="0"/>
+          <a:chOff x="0" y="0"/>
+          <a:chExt cx="0" cy="0"/>
+        </a:xfrm>
+      </p:grpSpPr>
+      <p:sp>
+        <p:nvSpPr>
+          <p:cNvPr id="2" name="Заголовок 1"/>
+          <p:cNvSpPr>
+            <a:spLocks noGrp="1"/>
+          </p:cNvSpPr>
+          <p:nvPr>
+            <p:ph type="title"/>
+          </p:nvPr>
+        </p:nvSpPr>
+        <p:spPr>
+          <a:xfrm>
+            <a:off x="0" y="0"/>
+            <a:ext cx="12192000" cy="1108364"/>
+          </a:xfrm>
+        </p:spPr>
+        <p:txBody>
+          <a:bodyPr>
+            <a:normAutofit fontScale="90000"/>
+          </a:bodyPr>
+          <a:lstStyle/>
+          <a:p>
+            <a:r>
+              <a:rPr lang="ru-RU" sz="4000" dirty="0" smtClean="0">
+                <a:solidFill>
+                  <a:schemeClr val="tx1"/>
+                </a:solidFill>
+                <a:latin typeface="Times New Roman" panose="02020603050405020304" pitchFamily="18" charset="0"/>
+                <a:cs typeface="Times New Roman" panose="02020603050405020304" pitchFamily="18" charset="0"/>
+              </a:rPr>
+              <a:t>РАЗРАБОТКА ТЕХНИКО-ТЕХНОЛОГИЧЕСКИХ КАРТ В КАФЕ-ПИЦЦЕРИИ</a:t>
+            </a:r>
+            <a:endParaRPr lang="ru-RU" sz="4000" dirty="0">
+              <a:solidFill>
+                <a:schemeClr val="tx1"/>
+              </a:solidFill>
+              <a:latin typeface="Times New Roman" panose="02020603050405020304" pitchFamily="18" charset="0"/>
+              <a:cs typeface="Times New Roman" panose="02020603050405020304" pitchFamily="18" charset="0"/>
+            </a:endParaRPr>
+          </a:p>
+        </p:txBody>
+      </p:sp>
+      <p:graphicFrame>
+        <p:nvGraphicFramePr>
+          <p:cNvPr id="6" name="Объект 5"/>
+          <p:cNvGraphicFramePr>
+            <a:graphicFrameLocks noGrp="1"/>
+          </p:cNvGraphicFramePr>
+          <p:nvPr>
+            <p:ph idx="1"/>
+            <p:extLst>
+              <p:ext uri="{D42A27DB-BD31-4B8C-83A1-F6EECF244321}">
+                <p14:modId xmlns:p14="http://schemas.microsoft.com/office/powerpoint/2010/main" val="3321784259"/>
+              </p:ext>
+            </p:extLst>
+          </p:nvPr>
+        </p:nvGraphicFramePr>
+        <p:xfrm>
+          <a:off x="498763" y="1122219"/>
+          <a:ext cx="10086110" cy="5677438"/>
+        </p:xfrm>
+        <a:graphic>
+          <a:graphicData uri="http://schemas.openxmlformats.org/drawingml/2006/table">
+            <a:tbl>
+              <a:tblPr firstRow="1" firstCol="1" bandRow="1">
+                <a:tableStyleId>{7DF18680-E054-41AD-8BC1-D1AEF772440D}</a:tableStyleId>
+              </a:tblPr>
+              <a:tblGrid>
+                <a:gridCol w="2070323">
+                  <a:extLst>
+                    <a:ext uri="{9D8B030D-6E8A-4147-A177-3AD203B41FA5}">
+                      <a16:colId xmlns:a16="http://schemas.microsoft.com/office/drawing/2014/main" val="1686555288"/>
+                    </a:ext>
+                  </a:extLst>
+                </a:gridCol>
+                <a:gridCol w="2007107">
+                  <a:extLst>
+                    <a:ext uri="{9D8B030D-6E8A-4147-A177-3AD203B41FA5}">
+                      <a16:colId xmlns:a16="http://schemas.microsoft.com/office/drawing/2014/main" val="477886611"/>
+                    </a:ext>
+                  </a:extLst>
+                </a:gridCol>
+                <a:gridCol w="2007107">
+                  <a:extLst>
+                    <a:ext uri="{9D8B030D-6E8A-4147-A177-3AD203B41FA5}">
+                      <a16:colId xmlns:a16="http://schemas.microsoft.com/office/drawing/2014/main" val="2719744419"/>
+                    </a:ext>
+                  </a:extLst>
+                </a:gridCol>
+                <a:gridCol w="2001839">
+                  <a:extLst>
+                    <a:ext uri="{9D8B030D-6E8A-4147-A177-3AD203B41FA5}">
+                      <a16:colId xmlns:a16="http://schemas.microsoft.com/office/drawing/2014/main" val="2642739882"/>
+                    </a:ext>
+                  </a:extLst>
+                </a:gridCol>
+                <a:gridCol w="1999734">
+                  <a:extLst>
+                    <a:ext uri="{9D8B030D-6E8A-4147-A177-3AD203B41FA5}">
+                      <a16:colId xmlns:a16="http://schemas.microsoft.com/office/drawing/2014/main" val="1871308523"/>
+                    </a:ext>
+                  </a:extLst>
+                </a:gridCol>
+              </a:tblGrid>
+              <a:tr h="382761">
+                <a:tc rowSpan="2">
+                  <a:txBody>
+                    <a:bodyPr/>
+                    <a:lstStyle/>
+                    <a:p>
+                      <a:pPr indent="540385" algn="just">
+                        <a:lnSpc>
+                          <a:spcPct val="150000"/>
+                        </a:lnSpc>
+                        <a:spcAft>
+                          <a:spcPts val="0"/>
+                        </a:spcAft>
+                      </a:pPr>
+                      <a:r>
+                        <a:rPr lang="ru-RU" sz="2000" kern="1200" dirty="0">
+                          <a:effectLst/>
+                        </a:rPr>
+                        <a:t>Наименование продукта</a:t>
+                      </a:r>
+                      <a:endParaRPr lang="ru-RU" sz="2000" b="1" kern="1200" dirty="0">
+                        <a:solidFill>
+                          <a:schemeClr val="lt1"/>
+                        </a:solidFill>
+                        <a:effectLst/>
+                        <a:latin typeface="Times New Roman" panose="02020603050405020304" pitchFamily="18" charset="0"/>
+                        <a:ea typeface="+mn-ea"/>
+                        <a:cs typeface="Times New Roman" panose="02020603050405020304" pitchFamily="18" charset="0"/>
+                      </a:endParaRPr>
+                    </a:p>
+                  </a:txBody>
+                  <a:tcPr marL="55449" marR="55449" marT="0" marB="0"/>
+                </a:tc>
+                <a:tc gridSpan="2">
+                  <a:txBody>
+                    <a:bodyPr/>
+                    <a:lstStyle/>
+                    <a:p>
+                      <a:pPr indent="540385" algn="just">
+                        <a:lnSpc>
+                          <a:spcPct val="150000"/>
+                        </a:lnSpc>
+                        <a:spcAft>
+                          <a:spcPts val="0"/>
+                        </a:spcAft>
+                      </a:pPr>
+                      <a:r>
+                        <a:rPr lang="ru-RU" sz="2000" kern="1200" dirty="0">
+                          <a:effectLst/>
+                        </a:rPr>
+                        <a:t>На 1 порцию, г</a:t>
+                      </a:r>
+                      <a:endParaRPr lang="ru-RU" sz="2000" b="1" kern="1200" dirty="0">
+                        <a:solidFill>
+                          <a:schemeClr val="lt1"/>
+                        </a:solidFill>
+                        <a:effectLst/>
+                        <a:latin typeface="Times New Roman" panose="02020603050405020304" pitchFamily="18" charset="0"/>
+                        <a:ea typeface="+mn-ea"/>
+                        <a:cs typeface="Times New Roman" panose="02020603050405020304" pitchFamily="18" charset="0"/>
+                      </a:endParaRPr>
+                    </a:p>
+                  </a:txBody>
+                  <a:tcPr marL="55449" marR="55449" marT="0" marB="0"/>
+                </a:tc>
+                <a:tc hMerge="1">
+                  <a:txBody>
+                    <a:bodyPr/>
+                    <a:lstStyle/>
+                    <a:p>
+                      <a:endParaRPr lang="ru-RU"/>
+                    </a:p>
+                  </a:txBody>
+                  <a:tcPr/>
+                </a:tc>
+                <a:tc gridSpan="2">
+                  <a:txBody>
+                    <a:bodyPr/>
+                    <a:lstStyle/>
+                    <a:p>
+                      <a:pPr indent="540385" algn="just">
+                        <a:lnSpc>
+                          <a:spcPct val="150000"/>
+                        </a:lnSpc>
+                        <a:spcAft>
+                          <a:spcPts val="0"/>
+                        </a:spcAft>
+                      </a:pPr>
+                      <a:r>
+                        <a:rPr lang="ru-RU" sz="2000" kern="1200" dirty="0">
+                          <a:effectLst/>
+                        </a:rPr>
+                        <a:t>На 100 порций, г</a:t>
+                      </a:r>
+                      <a:endParaRPr lang="ru-RU" sz="2000" b="1" kern="1200" dirty="0">
+                        <a:solidFill>
+                          <a:schemeClr val="lt1"/>
+                        </a:solidFill>
+                        <a:effectLst/>
+                        <a:latin typeface="Times New Roman" panose="02020603050405020304" pitchFamily="18" charset="0"/>
+                        <a:ea typeface="+mn-ea"/>
+                        <a:cs typeface="Times New Roman" panose="02020603050405020304" pitchFamily="18" charset="0"/>
+                      </a:endParaRPr>
+                    </a:p>
+                  </a:txBody>
+                  <a:tcPr marL="55449" marR="55449" marT="0" marB="0"/>
+                </a:tc>
+                <a:tc hMerge="1">
+                  <a:txBody>
+                    <a:bodyPr/>
+                    <a:lstStyle/>
+                    <a:p>
+                      <a:endParaRPr lang="ru-RU"/>
+                    </a:p>
+                  </a:txBody>
+                  <a:tcPr/>
+                </a:tc>
+                <a:extLst>
+                  <a:ext uri="{0D108BD9-81ED-4DB2-BD59-A6C34878D82A}">
+                    <a16:rowId xmlns:a16="http://schemas.microsoft.com/office/drawing/2014/main" val="131052458"/>
+                  </a:ext>
+                </a:extLst>
+              </a:tr>
+              <a:tr h="665586">
+                <a:tc vMerge="1">
+                  <a:txBody>
+                    <a:bodyPr/>
+                    <a:lstStyle/>
+                    <a:p>
+                      <a:endParaRPr lang="ru-RU"/>
+                    </a:p>
+                  </a:txBody>
+                  <a:tcPr/>
+                </a:tc>
+                <a:tc>
+                  <a:txBody>
+                    <a:bodyPr/>
+                    <a:lstStyle/>
+                    <a:p>
+                      <a:pPr indent="540385" algn="just">
+                        <a:lnSpc>
+                          <a:spcPct val="150000"/>
+                        </a:lnSpc>
+                        <a:spcAft>
+                          <a:spcPts val="0"/>
+                        </a:spcAft>
+                      </a:pPr>
+                      <a:r>
+                        <a:rPr lang="ru-RU" sz="2000" dirty="0">
+                          <a:effectLst/>
+                        </a:rPr>
+                        <a:t>Брутто</a:t>
+                      </a:r>
+                      <a:endParaRPr lang="ru-RU" sz="2000" dirty="0">
+                        <a:effectLst/>
+                        <a:latin typeface="Times New Roman" panose="02020603050405020304" pitchFamily="18" charset="0"/>
+                        <a:ea typeface="Calibri" panose="020F0502020204030204" pitchFamily="34" charset="0"/>
+                        <a:cs typeface="Times New Roman" panose="02020603050405020304" pitchFamily="18" charset="0"/>
+                      </a:endParaRPr>
+                    </a:p>
+                  </a:txBody>
+                  <a:tcPr marL="55449" marR="55449" marT="0" marB="0"/>
+                </a:tc>
+                <a:tc>
+                  <a:txBody>
+                    <a:bodyPr/>
+                    <a:lstStyle/>
+                    <a:p>
+                      <a:pPr indent="540385" algn="just">
+                        <a:lnSpc>
+                          <a:spcPct val="150000"/>
+                        </a:lnSpc>
+                        <a:spcAft>
+                          <a:spcPts val="0"/>
+                        </a:spcAft>
+                      </a:pPr>
+                      <a:r>
+                        <a:rPr lang="ru-RU" sz="2000" dirty="0">
+                          <a:effectLst/>
+                        </a:rPr>
+                        <a:t>Нетто</a:t>
+                      </a:r>
+                      <a:endParaRPr lang="ru-RU" sz="2000" dirty="0">
+                        <a:effectLst/>
+                        <a:latin typeface="Times New Roman" panose="02020603050405020304" pitchFamily="18" charset="0"/>
+                        <a:ea typeface="Calibri" panose="020F0502020204030204" pitchFamily="34" charset="0"/>
+                        <a:cs typeface="Times New Roman" panose="02020603050405020304" pitchFamily="18" charset="0"/>
+                      </a:endParaRPr>
+                    </a:p>
+                  </a:txBody>
+                  <a:tcPr marL="55449" marR="55449" marT="0" marB="0"/>
+                </a:tc>
+                <a:tc>
+                  <a:txBody>
+                    <a:bodyPr/>
+                    <a:lstStyle/>
+                    <a:p>
+                      <a:pPr indent="540385" algn="just">
+                        <a:lnSpc>
+                          <a:spcPct val="150000"/>
+                        </a:lnSpc>
+                        <a:spcAft>
+                          <a:spcPts val="0"/>
+                        </a:spcAft>
+                      </a:pPr>
+                      <a:r>
+                        <a:rPr lang="ru-RU" sz="2000">
+                          <a:effectLst/>
+                        </a:rPr>
+                        <a:t>Брутто</a:t>
+                      </a:r>
+                      <a:endParaRPr lang="ru-RU" sz="2000">
+                        <a:effectLst/>
+                        <a:latin typeface="Times New Roman" panose="02020603050405020304" pitchFamily="18" charset="0"/>
+                        <a:ea typeface="Calibri" panose="020F0502020204030204" pitchFamily="34" charset="0"/>
+                        <a:cs typeface="Times New Roman" panose="02020603050405020304" pitchFamily="18" charset="0"/>
+                      </a:endParaRPr>
+                    </a:p>
+                  </a:txBody>
+                  <a:tcPr marL="55449" marR="55449" marT="0" marB="0"/>
+                </a:tc>
+                <a:tc>
+                  <a:txBody>
+                    <a:bodyPr/>
+                    <a:lstStyle/>
+                    <a:p>
+                      <a:pPr indent="540385" algn="just">
+                        <a:lnSpc>
+                          <a:spcPct val="150000"/>
+                        </a:lnSpc>
+                        <a:spcAft>
+                          <a:spcPts val="0"/>
+                        </a:spcAft>
+                      </a:pPr>
+                      <a:r>
+                        <a:rPr lang="ru-RU" sz="2000" dirty="0">
+                          <a:effectLst/>
+                        </a:rPr>
+                        <a:t>Нетто</a:t>
+                      </a:r>
+                      <a:endParaRPr lang="ru-RU" sz="2000" dirty="0">
+                        <a:effectLst/>
+                        <a:latin typeface="Times New Roman" panose="02020603050405020304" pitchFamily="18" charset="0"/>
+                        <a:ea typeface="Calibri" panose="020F0502020204030204" pitchFamily="34" charset="0"/>
+                        <a:cs typeface="Times New Roman" panose="02020603050405020304" pitchFamily="18" charset="0"/>
+                      </a:endParaRPr>
+                    </a:p>
+                  </a:txBody>
+                  <a:tcPr marL="55449" marR="55449" marT="0" marB="0"/>
+                </a:tc>
+                <a:extLst>
+                  <a:ext uri="{0D108BD9-81ED-4DB2-BD59-A6C34878D82A}">
+                    <a16:rowId xmlns:a16="http://schemas.microsoft.com/office/drawing/2014/main" val="1086873488"/>
+                  </a:ext>
+                </a:extLst>
+              </a:tr>
+              <a:tr h="382761">
+                <a:tc>
+                  <a:txBody>
+                    <a:bodyPr/>
+                    <a:lstStyle/>
+                    <a:p>
+                      <a:pPr indent="540385" algn="just">
+                        <a:lnSpc>
+                          <a:spcPct val="150000"/>
+                        </a:lnSpc>
+                        <a:spcAft>
+                          <a:spcPts val="0"/>
+                        </a:spcAft>
+                      </a:pPr>
+                      <a:r>
+                        <a:rPr lang="ru-RU" sz="2000" kern="1200" dirty="0">
+                          <a:effectLst/>
+                        </a:rPr>
+                        <a:t>Мука</a:t>
+                      </a:r>
+                      <a:endParaRPr lang="ru-RU" sz="2000" b="1" kern="1200" dirty="0">
+                        <a:solidFill>
+                          <a:schemeClr val="lt1"/>
+                        </a:solidFill>
+                        <a:effectLst/>
+                        <a:latin typeface="Times New Roman" panose="02020603050405020304" pitchFamily="18" charset="0"/>
+                        <a:ea typeface="+mn-ea"/>
+                        <a:cs typeface="Times New Roman" panose="02020603050405020304" pitchFamily="18" charset="0"/>
+                      </a:endParaRPr>
+                    </a:p>
+                  </a:txBody>
+                  <a:tcPr marL="55449" marR="55449" marT="0" marB="0"/>
+                </a:tc>
+                <a:tc>
+                  <a:txBody>
+                    <a:bodyPr/>
+                    <a:lstStyle/>
+                    <a:p>
+                      <a:pPr indent="540385" algn="just">
+                        <a:lnSpc>
+                          <a:spcPct val="150000"/>
+                        </a:lnSpc>
+                        <a:spcAft>
+                          <a:spcPts val="0"/>
+                        </a:spcAft>
+                      </a:pPr>
+                      <a:r>
+                        <a:rPr lang="ru-RU" sz="2000" dirty="0">
+                          <a:effectLst/>
+                        </a:rPr>
+                        <a:t>500</a:t>
+                      </a:r>
+                      <a:endParaRPr lang="ru-RU" sz="2000" dirty="0">
+                        <a:effectLst/>
+                        <a:latin typeface="Times New Roman" panose="02020603050405020304" pitchFamily="18" charset="0"/>
+                        <a:ea typeface="Calibri" panose="020F0502020204030204" pitchFamily="34" charset="0"/>
+                        <a:cs typeface="Times New Roman" panose="02020603050405020304" pitchFamily="18" charset="0"/>
+                      </a:endParaRPr>
+                    </a:p>
+                  </a:txBody>
+                  <a:tcPr marL="55449" marR="55449" marT="0" marB="0"/>
+                </a:tc>
+                <a:tc>
+                  <a:txBody>
+                    <a:bodyPr/>
+                    <a:lstStyle/>
+                    <a:p>
+                      <a:pPr indent="540385" algn="just">
+                        <a:lnSpc>
+                          <a:spcPct val="150000"/>
+                        </a:lnSpc>
+                        <a:spcAft>
+                          <a:spcPts val="0"/>
+                        </a:spcAft>
+                      </a:pPr>
+                      <a:r>
+                        <a:rPr lang="en-US" sz="2000">
+                          <a:effectLst/>
+                        </a:rPr>
+                        <a:t>498</a:t>
+                      </a:r>
+                      <a:endParaRPr lang="ru-RU" sz="2000">
+                        <a:effectLst/>
+                        <a:latin typeface="Times New Roman" panose="02020603050405020304" pitchFamily="18" charset="0"/>
+                        <a:ea typeface="Calibri" panose="020F0502020204030204" pitchFamily="34" charset="0"/>
+                        <a:cs typeface="Times New Roman" panose="02020603050405020304" pitchFamily="18" charset="0"/>
+                      </a:endParaRPr>
+                    </a:p>
+                  </a:txBody>
+                  <a:tcPr marL="55449" marR="55449" marT="0" marB="0"/>
+                </a:tc>
+                <a:tc>
+                  <a:txBody>
+                    <a:bodyPr/>
+                    <a:lstStyle/>
+                    <a:p>
+                      <a:pPr indent="540385" algn="just">
+                        <a:lnSpc>
+                          <a:spcPct val="150000"/>
+                        </a:lnSpc>
+                        <a:spcAft>
+                          <a:spcPts val="0"/>
+                        </a:spcAft>
+                      </a:pPr>
+                      <a:r>
+                        <a:rPr lang="ru-RU" sz="2000">
+                          <a:effectLst/>
+                        </a:rPr>
+                        <a:t>50000</a:t>
+                      </a:r>
+                      <a:endParaRPr lang="ru-RU" sz="2000">
+                        <a:effectLst/>
+                        <a:latin typeface="Times New Roman" panose="02020603050405020304" pitchFamily="18" charset="0"/>
+                        <a:ea typeface="Calibri" panose="020F0502020204030204" pitchFamily="34" charset="0"/>
+                        <a:cs typeface="Times New Roman" panose="02020603050405020304" pitchFamily="18" charset="0"/>
+                      </a:endParaRPr>
+                    </a:p>
+                  </a:txBody>
+                  <a:tcPr marL="55449" marR="55449" marT="0" marB="0"/>
+                </a:tc>
+                <a:tc>
+                  <a:txBody>
+                    <a:bodyPr/>
+                    <a:lstStyle/>
+                    <a:p>
+                      <a:pPr indent="540385" algn="just">
+                        <a:lnSpc>
+                          <a:spcPct val="150000"/>
+                        </a:lnSpc>
+                        <a:spcAft>
+                          <a:spcPts val="0"/>
+                        </a:spcAft>
+                      </a:pPr>
+                      <a:r>
+                        <a:rPr lang="ru-RU" sz="2000">
+                          <a:effectLst/>
+                        </a:rPr>
+                        <a:t>49800</a:t>
+                      </a:r>
+                      <a:endParaRPr lang="ru-RU" sz="2000">
+                        <a:effectLst/>
+                        <a:latin typeface="Times New Roman" panose="02020603050405020304" pitchFamily="18" charset="0"/>
+                        <a:ea typeface="Calibri" panose="020F0502020204030204" pitchFamily="34" charset="0"/>
+                        <a:cs typeface="Times New Roman" panose="02020603050405020304" pitchFamily="18" charset="0"/>
+                      </a:endParaRPr>
+                    </a:p>
+                  </a:txBody>
+                  <a:tcPr marL="55449" marR="55449" marT="0" marB="0"/>
+                </a:tc>
+                <a:extLst>
+                  <a:ext uri="{0D108BD9-81ED-4DB2-BD59-A6C34878D82A}">
+                    <a16:rowId xmlns:a16="http://schemas.microsoft.com/office/drawing/2014/main" val="2828214681"/>
+                  </a:ext>
+                </a:extLst>
+              </a:tr>
+              <a:tr h="817648">
+                <a:tc>
+                  <a:txBody>
+                    <a:bodyPr/>
+                    <a:lstStyle/>
+                    <a:p>
+                      <a:pPr indent="540385" algn="just">
+                        <a:lnSpc>
+                          <a:spcPct val="150000"/>
+                        </a:lnSpc>
+                        <a:spcAft>
+                          <a:spcPts val="0"/>
+                        </a:spcAft>
+                      </a:pPr>
+                      <a:r>
+                        <a:rPr lang="ru-RU" sz="2000" kern="1200" dirty="0">
+                          <a:effectLst/>
+                        </a:rPr>
+                        <a:t>Соус томатный</a:t>
+                      </a:r>
+                      <a:endParaRPr lang="ru-RU" sz="2000" b="1" kern="1200" dirty="0">
+                        <a:solidFill>
+                          <a:schemeClr val="lt1"/>
+                        </a:solidFill>
+                        <a:effectLst/>
+                        <a:latin typeface="Times New Roman" panose="02020603050405020304" pitchFamily="18" charset="0"/>
+                        <a:ea typeface="+mn-ea"/>
+                        <a:cs typeface="Times New Roman" panose="02020603050405020304" pitchFamily="18" charset="0"/>
+                      </a:endParaRPr>
+                    </a:p>
+                  </a:txBody>
+                  <a:tcPr marL="55449" marR="55449" marT="0" marB="0"/>
+                </a:tc>
+                <a:tc>
+                  <a:txBody>
+                    <a:bodyPr/>
+                    <a:lstStyle/>
+                    <a:p>
+                      <a:pPr indent="540385" algn="just">
+                        <a:lnSpc>
+                          <a:spcPct val="150000"/>
+                        </a:lnSpc>
+                        <a:spcAft>
+                          <a:spcPts val="0"/>
+                        </a:spcAft>
+                      </a:pPr>
+                      <a:r>
+                        <a:rPr lang="ru-RU" sz="2000" dirty="0">
+                          <a:effectLst/>
+                        </a:rPr>
+                        <a:t>100</a:t>
+                      </a:r>
+                      <a:endParaRPr lang="ru-RU" sz="2000" dirty="0">
+                        <a:effectLst/>
+                        <a:latin typeface="Times New Roman" panose="02020603050405020304" pitchFamily="18" charset="0"/>
+                        <a:ea typeface="Calibri" panose="020F0502020204030204" pitchFamily="34" charset="0"/>
+                        <a:cs typeface="Times New Roman" panose="02020603050405020304" pitchFamily="18" charset="0"/>
+                      </a:endParaRPr>
+                    </a:p>
+                  </a:txBody>
+                  <a:tcPr marL="55449" marR="55449" marT="0" marB="0"/>
+                </a:tc>
+                <a:tc>
+                  <a:txBody>
+                    <a:bodyPr/>
+                    <a:lstStyle/>
+                    <a:p>
+                      <a:pPr indent="540385" algn="just">
+                        <a:lnSpc>
+                          <a:spcPct val="150000"/>
+                        </a:lnSpc>
+                        <a:spcAft>
+                          <a:spcPts val="0"/>
+                        </a:spcAft>
+                      </a:pPr>
+                      <a:r>
+                        <a:rPr lang="en-US" sz="2000" dirty="0">
+                          <a:effectLst/>
+                        </a:rPr>
+                        <a:t>98</a:t>
+                      </a:r>
+                      <a:endParaRPr lang="ru-RU" sz="2000" dirty="0">
+                        <a:effectLst/>
+                        <a:latin typeface="Times New Roman" panose="02020603050405020304" pitchFamily="18" charset="0"/>
+                        <a:ea typeface="Calibri" panose="020F0502020204030204" pitchFamily="34" charset="0"/>
+                        <a:cs typeface="Times New Roman" panose="02020603050405020304" pitchFamily="18" charset="0"/>
+                      </a:endParaRPr>
+                    </a:p>
+                  </a:txBody>
+                  <a:tcPr marL="55449" marR="55449" marT="0" marB="0"/>
+                </a:tc>
+                <a:tc>
+                  <a:txBody>
+                    <a:bodyPr/>
+                    <a:lstStyle/>
+                    <a:p>
+                      <a:pPr indent="540385" algn="just">
+                        <a:lnSpc>
+                          <a:spcPct val="150000"/>
+                        </a:lnSpc>
+                        <a:spcAft>
+                          <a:spcPts val="0"/>
+                        </a:spcAft>
+                      </a:pPr>
+                      <a:r>
+                        <a:rPr lang="ru-RU" sz="2000">
+                          <a:effectLst/>
+                        </a:rPr>
+                        <a:t>10000</a:t>
+                      </a:r>
+                      <a:endParaRPr lang="ru-RU" sz="2000">
+                        <a:effectLst/>
+                        <a:latin typeface="Times New Roman" panose="02020603050405020304" pitchFamily="18" charset="0"/>
+                        <a:ea typeface="Calibri" panose="020F0502020204030204" pitchFamily="34" charset="0"/>
+                        <a:cs typeface="Times New Roman" panose="02020603050405020304" pitchFamily="18" charset="0"/>
+                      </a:endParaRPr>
+                    </a:p>
+                  </a:txBody>
+                  <a:tcPr marL="55449" marR="55449" marT="0" marB="0"/>
+                </a:tc>
+                <a:tc>
+                  <a:txBody>
+                    <a:bodyPr/>
+                    <a:lstStyle/>
+                    <a:p>
+                      <a:pPr indent="540385" algn="just">
+                        <a:lnSpc>
+                          <a:spcPct val="150000"/>
+                        </a:lnSpc>
+                        <a:spcAft>
+                          <a:spcPts val="0"/>
+                        </a:spcAft>
+                      </a:pPr>
+                      <a:r>
+                        <a:rPr lang="ru-RU" sz="2000">
+                          <a:effectLst/>
+                        </a:rPr>
+                        <a:t>9800</a:t>
+                      </a:r>
+                      <a:endParaRPr lang="ru-RU" sz="2000">
+                        <a:effectLst/>
+                        <a:latin typeface="Times New Roman" panose="02020603050405020304" pitchFamily="18" charset="0"/>
+                        <a:ea typeface="Calibri" panose="020F0502020204030204" pitchFamily="34" charset="0"/>
+                        <a:cs typeface="Times New Roman" panose="02020603050405020304" pitchFamily="18" charset="0"/>
+                      </a:endParaRPr>
+                    </a:p>
+                  </a:txBody>
+                  <a:tcPr marL="55449" marR="55449" marT="0" marB="0"/>
+                </a:tc>
+                <a:extLst>
+                  <a:ext uri="{0D108BD9-81ED-4DB2-BD59-A6C34878D82A}">
+                    <a16:rowId xmlns:a16="http://schemas.microsoft.com/office/drawing/2014/main" val="1129527520"/>
+                  </a:ext>
+                </a:extLst>
+              </a:tr>
+              <a:tr h="661737">
+                <a:tc>
+                  <a:txBody>
+                    <a:bodyPr/>
+                    <a:lstStyle/>
+                    <a:p>
+                      <a:pPr indent="540385" algn="just">
+                        <a:lnSpc>
+                          <a:spcPct val="150000"/>
+                        </a:lnSpc>
+                        <a:spcAft>
+                          <a:spcPts val="0"/>
+                        </a:spcAft>
+                      </a:pPr>
+                      <a:r>
+                        <a:rPr lang="ru-RU" sz="2000" kern="1200" dirty="0" err="1">
+                          <a:effectLst/>
+                        </a:rPr>
+                        <a:t>Моцарелла</a:t>
+                      </a:r>
+                      <a:endParaRPr lang="ru-RU" sz="2000" b="1" kern="1200" dirty="0">
+                        <a:solidFill>
+                          <a:schemeClr val="lt1"/>
+                        </a:solidFill>
+                        <a:effectLst/>
+                        <a:latin typeface="Times New Roman" panose="02020603050405020304" pitchFamily="18" charset="0"/>
+                        <a:ea typeface="+mn-ea"/>
+                        <a:cs typeface="Times New Roman" panose="02020603050405020304" pitchFamily="18" charset="0"/>
+                      </a:endParaRPr>
+                    </a:p>
+                  </a:txBody>
+                  <a:tcPr marL="55449" marR="55449" marT="0" marB="0"/>
+                </a:tc>
+                <a:tc>
+                  <a:txBody>
+                    <a:bodyPr/>
+                    <a:lstStyle/>
+                    <a:p>
+                      <a:pPr indent="540385" algn="just">
+                        <a:lnSpc>
+                          <a:spcPct val="150000"/>
+                        </a:lnSpc>
+                        <a:spcAft>
+                          <a:spcPts val="0"/>
+                        </a:spcAft>
+                      </a:pPr>
+                      <a:r>
+                        <a:rPr lang="ru-RU" sz="2000" dirty="0">
+                          <a:effectLst/>
+                        </a:rPr>
+                        <a:t>180</a:t>
+                      </a:r>
+                      <a:endParaRPr lang="ru-RU" sz="2000" dirty="0">
+                        <a:effectLst/>
+                        <a:latin typeface="Times New Roman" panose="02020603050405020304" pitchFamily="18" charset="0"/>
+                        <a:ea typeface="Calibri" panose="020F0502020204030204" pitchFamily="34" charset="0"/>
+                        <a:cs typeface="Times New Roman" panose="02020603050405020304" pitchFamily="18" charset="0"/>
+                      </a:endParaRPr>
+                    </a:p>
+                  </a:txBody>
+                  <a:tcPr marL="55449" marR="55449" marT="0" marB="0"/>
+                </a:tc>
+                <a:tc>
+                  <a:txBody>
+                    <a:bodyPr/>
+                    <a:lstStyle/>
+                    <a:p>
+                      <a:pPr indent="540385" algn="just">
+                        <a:lnSpc>
+                          <a:spcPct val="150000"/>
+                        </a:lnSpc>
+                        <a:spcAft>
+                          <a:spcPts val="0"/>
+                        </a:spcAft>
+                      </a:pPr>
+                      <a:r>
+                        <a:rPr lang="en-US" sz="2000" dirty="0">
+                          <a:effectLst/>
+                        </a:rPr>
+                        <a:t>178</a:t>
+                      </a:r>
+                      <a:endParaRPr lang="ru-RU" sz="2000" dirty="0">
+                        <a:effectLst/>
+                        <a:latin typeface="Times New Roman" panose="02020603050405020304" pitchFamily="18" charset="0"/>
+                        <a:ea typeface="Calibri" panose="020F0502020204030204" pitchFamily="34" charset="0"/>
+                        <a:cs typeface="Times New Roman" panose="02020603050405020304" pitchFamily="18" charset="0"/>
+                      </a:endParaRPr>
+                    </a:p>
+                  </a:txBody>
+                  <a:tcPr marL="55449" marR="55449" marT="0" marB="0"/>
+                </a:tc>
+                <a:tc>
+                  <a:txBody>
+                    <a:bodyPr/>
+                    <a:lstStyle/>
+                    <a:p>
+                      <a:pPr indent="540385" algn="just">
+                        <a:lnSpc>
+                          <a:spcPct val="150000"/>
+                        </a:lnSpc>
+                        <a:spcAft>
+                          <a:spcPts val="0"/>
+                        </a:spcAft>
+                      </a:pPr>
+                      <a:r>
+                        <a:rPr lang="ru-RU" sz="2000" dirty="0">
+                          <a:effectLst/>
+                        </a:rPr>
+                        <a:t>18000</a:t>
+                      </a:r>
+                      <a:endParaRPr lang="ru-RU" sz="2000" dirty="0">
+                        <a:effectLst/>
+                        <a:latin typeface="Times New Roman" panose="02020603050405020304" pitchFamily="18" charset="0"/>
+                        <a:ea typeface="Calibri" panose="020F0502020204030204" pitchFamily="34" charset="0"/>
+                        <a:cs typeface="Times New Roman" panose="02020603050405020304" pitchFamily="18" charset="0"/>
+                      </a:endParaRPr>
+                    </a:p>
+                  </a:txBody>
+                  <a:tcPr marL="55449" marR="55449" marT="0" marB="0"/>
+                </a:tc>
+                <a:tc>
+                  <a:txBody>
+                    <a:bodyPr/>
+                    <a:lstStyle/>
+                    <a:p>
+                      <a:pPr indent="540385" algn="just">
+                        <a:lnSpc>
+                          <a:spcPct val="150000"/>
+                        </a:lnSpc>
+                        <a:spcAft>
+                          <a:spcPts val="0"/>
+                        </a:spcAft>
+                      </a:pPr>
+                      <a:r>
+                        <a:rPr lang="ru-RU" sz="2000" dirty="0">
+                          <a:effectLst/>
+                        </a:rPr>
+                        <a:t>17800</a:t>
+                      </a:r>
+                      <a:endParaRPr lang="ru-RU" sz="2000" dirty="0">
+                        <a:effectLst/>
+                        <a:latin typeface="Times New Roman" panose="02020603050405020304" pitchFamily="18" charset="0"/>
+                        <a:ea typeface="Calibri" panose="020F0502020204030204" pitchFamily="34" charset="0"/>
+                        <a:cs typeface="Times New Roman" panose="02020603050405020304" pitchFamily="18" charset="0"/>
+                      </a:endParaRPr>
+                    </a:p>
+                  </a:txBody>
+                  <a:tcPr marL="55449" marR="55449" marT="0" marB="0"/>
+                </a:tc>
+                <a:extLst>
+                  <a:ext uri="{0D108BD9-81ED-4DB2-BD59-A6C34878D82A}">
+                    <a16:rowId xmlns:a16="http://schemas.microsoft.com/office/drawing/2014/main" val="4162133764"/>
+                  </a:ext>
+                </a:extLst>
+              </a:tr>
+              <a:tr h="404730">
+                <a:tc>
+                  <a:txBody>
+                    <a:bodyPr/>
+                    <a:lstStyle/>
+                    <a:p>
+                      <a:pPr indent="540385" algn="just">
+                        <a:lnSpc>
+                          <a:spcPct val="150000"/>
+                        </a:lnSpc>
+                        <a:spcAft>
+                          <a:spcPts val="0"/>
+                        </a:spcAft>
+                      </a:pPr>
+                      <a:r>
+                        <a:rPr lang="ru-RU" sz="2000" kern="1200" dirty="0">
+                          <a:effectLst/>
+                        </a:rPr>
+                        <a:t>Помидор</a:t>
+                      </a:r>
+                      <a:endParaRPr lang="ru-RU" sz="2000" b="1" kern="1200" dirty="0">
+                        <a:solidFill>
+                          <a:schemeClr val="lt1"/>
+                        </a:solidFill>
+                        <a:effectLst/>
+                        <a:latin typeface="Times New Roman" panose="02020603050405020304" pitchFamily="18" charset="0"/>
+                        <a:ea typeface="+mn-ea"/>
+                        <a:cs typeface="Times New Roman" panose="02020603050405020304" pitchFamily="18" charset="0"/>
+                      </a:endParaRPr>
+                    </a:p>
+                  </a:txBody>
+                  <a:tcPr marL="55449" marR="55449" marT="0" marB="0"/>
+                </a:tc>
+                <a:tc>
+                  <a:txBody>
+                    <a:bodyPr/>
+                    <a:lstStyle/>
+                    <a:p>
+                      <a:pPr indent="540385" algn="just">
+                        <a:lnSpc>
+                          <a:spcPct val="150000"/>
+                        </a:lnSpc>
+                        <a:spcAft>
+                          <a:spcPts val="0"/>
+                        </a:spcAft>
+                      </a:pPr>
+                      <a:r>
+                        <a:rPr lang="ru-RU" sz="2000" dirty="0">
+                          <a:effectLst/>
+                        </a:rPr>
+                        <a:t>100</a:t>
+                      </a:r>
+                      <a:endParaRPr lang="ru-RU" sz="2000" dirty="0">
+                        <a:effectLst/>
+                        <a:latin typeface="Times New Roman" panose="02020603050405020304" pitchFamily="18" charset="0"/>
+                        <a:ea typeface="Calibri" panose="020F0502020204030204" pitchFamily="34" charset="0"/>
+                        <a:cs typeface="Times New Roman" panose="02020603050405020304" pitchFamily="18" charset="0"/>
+                      </a:endParaRPr>
+                    </a:p>
+                  </a:txBody>
+                  <a:tcPr marL="55449" marR="55449" marT="0" marB="0"/>
+                </a:tc>
+                <a:tc>
+                  <a:txBody>
+                    <a:bodyPr/>
+                    <a:lstStyle/>
+                    <a:p>
+                      <a:pPr indent="540385" algn="just">
+                        <a:lnSpc>
+                          <a:spcPct val="150000"/>
+                        </a:lnSpc>
+                        <a:spcAft>
+                          <a:spcPts val="0"/>
+                        </a:spcAft>
+                      </a:pPr>
+                      <a:r>
+                        <a:rPr lang="en-US" sz="2000" dirty="0">
+                          <a:effectLst/>
+                        </a:rPr>
+                        <a:t>98</a:t>
+                      </a:r>
+                      <a:endParaRPr lang="ru-RU" sz="2000" dirty="0">
+                        <a:effectLst/>
+                        <a:latin typeface="Times New Roman" panose="02020603050405020304" pitchFamily="18" charset="0"/>
+                        <a:ea typeface="Calibri" panose="020F0502020204030204" pitchFamily="34" charset="0"/>
+                        <a:cs typeface="Times New Roman" panose="02020603050405020304" pitchFamily="18" charset="0"/>
+                      </a:endParaRPr>
+                    </a:p>
+                  </a:txBody>
+                  <a:tcPr marL="55449" marR="55449" marT="0" marB="0"/>
+                </a:tc>
+                <a:tc>
+                  <a:txBody>
+                    <a:bodyPr/>
+                    <a:lstStyle/>
+                    <a:p>
+                      <a:pPr indent="540385" algn="just">
+                        <a:lnSpc>
+                          <a:spcPct val="150000"/>
+                        </a:lnSpc>
+                        <a:spcAft>
+                          <a:spcPts val="0"/>
+                        </a:spcAft>
+                      </a:pPr>
+                      <a:r>
+                        <a:rPr lang="ru-RU" sz="2000" dirty="0">
+                          <a:effectLst/>
+                        </a:rPr>
+                        <a:t>10000</a:t>
+                      </a:r>
+                      <a:endParaRPr lang="ru-RU" sz="2000" dirty="0">
+                        <a:effectLst/>
+                        <a:latin typeface="Times New Roman" panose="02020603050405020304" pitchFamily="18" charset="0"/>
+                        <a:ea typeface="Calibri" panose="020F0502020204030204" pitchFamily="34" charset="0"/>
+                        <a:cs typeface="Times New Roman" panose="02020603050405020304" pitchFamily="18" charset="0"/>
+                      </a:endParaRPr>
+                    </a:p>
+                  </a:txBody>
+                  <a:tcPr marL="55449" marR="55449" marT="0" marB="0"/>
+                </a:tc>
+                <a:tc>
+                  <a:txBody>
+                    <a:bodyPr/>
+                    <a:lstStyle/>
+                    <a:p>
+                      <a:pPr indent="540385" algn="just">
+                        <a:lnSpc>
+                          <a:spcPct val="150000"/>
+                        </a:lnSpc>
+                        <a:spcAft>
+                          <a:spcPts val="0"/>
+                        </a:spcAft>
+                      </a:pPr>
+                      <a:r>
+                        <a:rPr lang="ru-RU" sz="2000">
+                          <a:effectLst/>
+                        </a:rPr>
+                        <a:t>9800</a:t>
+                      </a:r>
+                      <a:endParaRPr lang="ru-RU" sz="2000">
+                        <a:effectLst/>
+                        <a:latin typeface="Times New Roman" panose="02020603050405020304" pitchFamily="18" charset="0"/>
+                        <a:ea typeface="Calibri" panose="020F0502020204030204" pitchFamily="34" charset="0"/>
+                        <a:cs typeface="Times New Roman" panose="02020603050405020304" pitchFamily="18" charset="0"/>
+                      </a:endParaRPr>
+                    </a:p>
+                  </a:txBody>
+                  <a:tcPr marL="55449" marR="55449" marT="0" marB="0"/>
+                </a:tc>
+                <a:extLst>
+                  <a:ext uri="{0D108BD9-81ED-4DB2-BD59-A6C34878D82A}">
+                    <a16:rowId xmlns:a16="http://schemas.microsoft.com/office/drawing/2014/main" val="2809573089"/>
+                  </a:ext>
+                </a:extLst>
+              </a:tr>
+              <a:tr h="817648">
+                <a:tc>
+                  <a:txBody>
+                    <a:bodyPr/>
+                    <a:lstStyle/>
+                    <a:p>
+                      <a:pPr indent="540385" algn="just">
+                        <a:lnSpc>
+                          <a:spcPct val="150000"/>
+                        </a:lnSpc>
+                        <a:spcAft>
+                          <a:spcPts val="0"/>
+                        </a:spcAft>
+                      </a:pPr>
+                      <a:r>
+                        <a:rPr lang="ru-RU" sz="2000" kern="1200" dirty="0">
+                          <a:effectLst/>
+                        </a:rPr>
+                        <a:t>Базилик зелёный</a:t>
+                      </a:r>
+                      <a:endParaRPr lang="ru-RU" sz="2000" b="1" kern="1200" dirty="0">
+                        <a:solidFill>
+                          <a:schemeClr val="lt1"/>
+                        </a:solidFill>
+                        <a:effectLst/>
+                        <a:latin typeface="Times New Roman" panose="02020603050405020304" pitchFamily="18" charset="0"/>
+                        <a:ea typeface="+mn-ea"/>
+                        <a:cs typeface="Times New Roman" panose="02020603050405020304" pitchFamily="18" charset="0"/>
+                      </a:endParaRPr>
+                    </a:p>
+                  </a:txBody>
+                  <a:tcPr marL="55449" marR="55449" marT="0" marB="0"/>
+                </a:tc>
+                <a:tc>
+                  <a:txBody>
+                    <a:bodyPr/>
+                    <a:lstStyle/>
+                    <a:p>
+                      <a:pPr indent="540385" algn="just">
+                        <a:lnSpc>
+                          <a:spcPct val="150000"/>
+                        </a:lnSpc>
+                        <a:spcAft>
+                          <a:spcPts val="0"/>
+                        </a:spcAft>
+                      </a:pPr>
+                      <a:r>
+                        <a:rPr lang="ru-RU" sz="2000" dirty="0">
+                          <a:effectLst/>
+                        </a:rPr>
+                        <a:t>3</a:t>
+                      </a:r>
+                      <a:endParaRPr lang="ru-RU" sz="2000" dirty="0">
+                        <a:effectLst/>
+                        <a:latin typeface="Times New Roman" panose="02020603050405020304" pitchFamily="18" charset="0"/>
+                        <a:ea typeface="Calibri" panose="020F0502020204030204" pitchFamily="34" charset="0"/>
+                        <a:cs typeface="Times New Roman" panose="02020603050405020304" pitchFamily="18" charset="0"/>
+                      </a:endParaRPr>
+                    </a:p>
+                  </a:txBody>
+                  <a:tcPr marL="55449" marR="55449" marT="0" marB="0"/>
+                </a:tc>
+                <a:tc>
+                  <a:txBody>
+                    <a:bodyPr/>
+                    <a:lstStyle/>
+                    <a:p>
+                      <a:pPr indent="540385" algn="just">
+                        <a:lnSpc>
+                          <a:spcPct val="150000"/>
+                        </a:lnSpc>
+                        <a:spcAft>
+                          <a:spcPts val="0"/>
+                        </a:spcAft>
+                      </a:pPr>
+                      <a:r>
+                        <a:rPr lang="en-US" sz="2000" dirty="0">
+                          <a:effectLst/>
+                        </a:rPr>
+                        <a:t>28</a:t>
+                      </a:r>
+                      <a:endParaRPr lang="ru-RU" sz="2000" dirty="0">
+                        <a:effectLst/>
+                        <a:latin typeface="Times New Roman" panose="02020603050405020304" pitchFamily="18" charset="0"/>
+                        <a:ea typeface="Calibri" panose="020F0502020204030204" pitchFamily="34" charset="0"/>
+                        <a:cs typeface="Times New Roman" panose="02020603050405020304" pitchFamily="18" charset="0"/>
+                      </a:endParaRPr>
+                    </a:p>
+                  </a:txBody>
+                  <a:tcPr marL="55449" marR="55449" marT="0" marB="0"/>
+                </a:tc>
+                <a:tc>
+                  <a:txBody>
+                    <a:bodyPr/>
+                    <a:lstStyle/>
+                    <a:p>
+                      <a:pPr indent="540385" algn="just">
+                        <a:lnSpc>
+                          <a:spcPct val="150000"/>
+                        </a:lnSpc>
+                        <a:spcAft>
+                          <a:spcPts val="0"/>
+                        </a:spcAft>
+                      </a:pPr>
+                      <a:r>
+                        <a:rPr lang="ru-RU" sz="2000" dirty="0">
+                          <a:effectLst/>
+                        </a:rPr>
+                        <a:t>300</a:t>
+                      </a:r>
+                      <a:endParaRPr lang="ru-RU" sz="2000" dirty="0">
+                        <a:effectLst/>
+                        <a:latin typeface="Times New Roman" panose="02020603050405020304" pitchFamily="18" charset="0"/>
+                        <a:ea typeface="Calibri" panose="020F0502020204030204" pitchFamily="34" charset="0"/>
+                        <a:cs typeface="Times New Roman" panose="02020603050405020304" pitchFamily="18" charset="0"/>
+                      </a:endParaRPr>
+                    </a:p>
+                  </a:txBody>
+                  <a:tcPr marL="55449" marR="55449" marT="0" marB="0"/>
+                </a:tc>
+                <a:tc>
+                  <a:txBody>
+                    <a:bodyPr/>
+                    <a:lstStyle/>
+                    <a:p>
+                      <a:pPr indent="540385" algn="just">
+                        <a:lnSpc>
+                          <a:spcPct val="150000"/>
+                        </a:lnSpc>
+                        <a:spcAft>
+                          <a:spcPts val="0"/>
+                        </a:spcAft>
+                      </a:pPr>
+                      <a:r>
+                        <a:rPr lang="ru-RU" sz="2000">
+                          <a:effectLst/>
+                        </a:rPr>
+                        <a:t>2800</a:t>
+                      </a:r>
+                      <a:endParaRPr lang="ru-RU" sz="2000">
+                        <a:effectLst/>
+                        <a:latin typeface="Times New Roman" panose="02020603050405020304" pitchFamily="18" charset="0"/>
+                        <a:ea typeface="Calibri" panose="020F0502020204030204" pitchFamily="34" charset="0"/>
+                        <a:cs typeface="Times New Roman" panose="02020603050405020304" pitchFamily="18" charset="0"/>
+                      </a:endParaRPr>
+                    </a:p>
+                  </a:txBody>
+                  <a:tcPr marL="55449" marR="55449" marT="0" marB="0"/>
+                </a:tc>
+                <a:extLst>
+                  <a:ext uri="{0D108BD9-81ED-4DB2-BD59-A6C34878D82A}">
+                    <a16:rowId xmlns:a16="http://schemas.microsoft.com/office/drawing/2014/main" val="2005140819"/>
+                  </a:ext>
+                </a:extLst>
+              </a:tr>
+              <a:tr h="817648">
+                <a:tc>
+                  <a:txBody>
+                    <a:bodyPr/>
+                    <a:lstStyle/>
+                    <a:p>
+                      <a:pPr indent="540385" algn="just">
+                        <a:lnSpc>
+                          <a:spcPct val="150000"/>
+                        </a:lnSpc>
+                        <a:spcAft>
+                          <a:spcPts val="0"/>
+                        </a:spcAft>
+                      </a:pPr>
+                      <a:r>
+                        <a:rPr lang="ru-RU" sz="2000" kern="1200" dirty="0">
+                          <a:effectLst/>
+                        </a:rPr>
+                        <a:t>Масло оливковое</a:t>
+                      </a:r>
+                      <a:endParaRPr lang="ru-RU" sz="2000" b="1" kern="1200" dirty="0">
+                        <a:solidFill>
+                          <a:schemeClr val="lt1"/>
+                        </a:solidFill>
+                        <a:effectLst/>
+                        <a:latin typeface="Times New Roman" panose="02020603050405020304" pitchFamily="18" charset="0"/>
+                        <a:ea typeface="+mn-ea"/>
+                        <a:cs typeface="Times New Roman" panose="02020603050405020304" pitchFamily="18" charset="0"/>
+                      </a:endParaRPr>
+                    </a:p>
+                  </a:txBody>
+                  <a:tcPr marL="55449" marR="55449" marT="0" marB="0"/>
+                </a:tc>
+                <a:tc>
+                  <a:txBody>
+                    <a:bodyPr/>
+                    <a:lstStyle/>
+                    <a:p>
+                      <a:pPr indent="540385" algn="just">
+                        <a:lnSpc>
+                          <a:spcPct val="150000"/>
+                        </a:lnSpc>
+                        <a:spcAft>
+                          <a:spcPts val="0"/>
+                        </a:spcAft>
+                      </a:pPr>
+                      <a:r>
+                        <a:rPr lang="ru-RU" sz="2000" dirty="0">
+                          <a:effectLst/>
+                        </a:rPr>
+                        <a:t>40</a:t>
+                      </a:r>
+                      <a:endParaRPr lang="ru-RU" sz="2000" dirty="0">
+                        <a:effectLst/>
+                        <a:latin typeface="Times New Roman" panose="02020603050405020304" pitchFamily="18" charset="0"/>
+                        <a:ea typeface="Calibri" panose="020F0502020204030204" pitchFamily="34" charset="0"/>
+                        <a:cs typeface="Times New Roman" panose="02020603050405020304" pitchFamily="18" charset="0"/>
+                      </a:endParaRPr>
+                    </a:p>
+                  </a:txBody>
+                  <a:tcPr marL="55449" marR="55449" marT="0" marB="0"/>
+                </a:tc>
+                <a:tc>
+                  <a:txBody>
+                    <a:bodyPr/>
+                    <a:lstStyle/>
+                    <a:p>
+                      <a:pPr indent="540385" algn="just">
+                        <a:lnSpc>
+                          <a:spcPct val="150000"/>
+                        </a:lnSpc>
+                        <a:spcAft>
+                          <a:spcPts val="0"/>
+                        </a:spcAft>
+                      </a:pPr>
+                      <a:r>
+                        <a:rPr lang="en-US" sz="2000" dirty="0">
+                          <a:effectLst/>
+                        </a:rPr>
+                        <a:t>38</a:t>
+                      </a:r>
+                      <a:endParaRPr lang="ru-RU" sz="2000" dirty="0">
+                        <a:effectLst/>
+                        <a:latin typeface="Times New Roman" panose="02020603050405020304" pitchFamily="18" charset="0"/>
+                        <a:ea typeface="Calibri" panose="020F0502020204030204" pitchFamily="34" charset="0"/>
+                        <a:cs typeface="Times New Roman" panose="02020603050405020304" pitchFamily="18" charset="0"/>
+                      </a:endParaRPr>
+                    </a:p>
+                  </a:txBody>
+                  <a:tcPr marL="55449" marR="55449" marT="0" marB="0"/>
+                </a:tc>
+                <a:tc>
+                  <a:txBody>
+                    <a:bodyPr/>
+                    <a:lstStyle/>
+                    <a:p>
+                      <a:pPr indent="540385" algn="just">
+                        <a:lnSpc>
+                          <a:spcPct val="150000"/>
+                        </a:lnSpc>
+                        <a:spcAft>
+                          <a:spcPts val="0"/>
+                        </a:spcAft>
+                      </a:pPr>
+                      <a:r>
+                        <a:rPr lang="ru-RU" sz="2000" dirty="0">
+                          <a:effectLst/>
+                        </a:rPr>
+                        <a:t>4000</a:t>
+                      </a:r>
+                      <a:endParaRPr lang="ru-RU" sz="2000" dirty="0">
+                        <a:effectLst/>
+                        <a:latin typeface="Times New Roman" panose="02020603050405020304" pitchFamily="18" charset="0"/>
+                        <a:ea typeface="Calibri" panose="020F0502020204030204" pitchFamily="34" charset="0"/>
+                        <a:cs typeface="Times New Roman" panose="02020603050405020304" pitchFamily="18" charset="0"/>
+                      </a:endParaRPr>
+                    </a:p>
+                  </a:txBody>
+                  <a:tcPr marL="55449" marR="55449" marT="0" marB="0"/>
+                </a:tc>
+                <a:tc>
+                  <a:txBody>
+                    <a:bodyPr/>
+                    <a:lstStyle/>
+                    <a:p>
+                      <a:pPr indent="540385" algn="just">
+                        <a:lnSpc>
+                          <a:spcPct val="150000"/>
+                        </a:lnSpc>
+                        <a:spcAft>
+                          <a:spcPts val="0"/>
+                        </a:spcAft>
+                      </a:pPr>
+                      <a:r>
+                        <a:rPr lang="ru-RU" sz="2000" dirty="0">
+                          <a:effectLst/>
+                        </a:rPr>
+                        <a:t>3800</a:t>
+                      </a:r>
+                      <a:endParaRPr lang="ru-RU" sz="2000" dirty="0">
+                        <a:effectLst/>
+                        <a:latin typeface="Times New Roman" panose="02020603050405020304" pitchFamily="18" charset="0"/>
+                        <a:ea typeface="Calibri" panose="020F0502020204030204" pitchFamily="34" charset="0"/>
+                        <a:cs typeface="Times New Roman" panose="02020603050405020304" pitchFamily="18" charset="0"/>
+                      </a:endParaRPr>
+                    </a:p>
+                  </a:txBody>
+                  <a:tcPr marL="55449" marR="55449" marT="0" marB="0"/>
+                </a:tc>
+                <a:extLst>
+                  <a:ext uri="{0D108BD9-81ED-4DB2-BD59-A6C34878D82A}">
+                    <a16:rowId xmlns:a16="http://schemas.microsoft.com/office/drawing/2014/main" val="373468885"/>
+                  </a:ext>
+                </a:extLst>
+              </a:tr>
+              <a:tr h="535877">
+                <a:tc>
+                  <a:txBody>
+                    <a:bodyPr/>
+                    <a:lstStyle/>
+                    <a:p>
+                      <a:pPr indent="540385" algn="just">
+                        <a:lnSpc>
+                          <a:spcPct val="150000"/>
+                        </a:lnSpc>
+                        <a:spcAft>
+                          <a:spcPts val="0"/>
+                        </a:spcAft>
+                      </a:pPr>
+                      <a:r>
+                        <a:rPr lang="ru-RU" sz="2000" dirty="0">
+                          <a:effectLst/>
+                        </a:rPr>
+                        <a:t>Выход</a:t>
+                      </a:r>
+                      <a:endParaRPr lang="ru-RU" sz="2000" dirty="0">
+                        <a:effectLst/>
+                        <a:latin typeface="Times New Roman" panose="02020603050405020304" pitchFamily="18" charset="0"/>
+                        <a:ea typeface="Calibri" panose="020F0502020204030204" pitchFamily="34" charset="0"/>
+                        <a:cs typeface="Times New Roman" panose="02020603050405020304" pitchFamily="18" charset="0"/>
+                      </a:endParaRPr>
+                    </a:p>
+                  </a:txBody>
+                  <a:tcPr marL="55449" marR="55449" marT="0" marB="0"/>
+                </a:tc>
+                <a:tc>
+                  <a:txBody>
+                    <a:bodyPr/>
+                    <a:lstStyle/>
+                    <a:p>
+                      <a:pPr indent="540385" algn="just">
+                        <a:lnSpc>
+                          <a:spcPct val="150000"/>
+                        </a:lnSpc>
+                        <a:spcAft>
+                          <a:spcPts val="0"/>
+                        </a:spcAft>
+                      </a:pPr>
+                      <a:r>
+                        <a:rPr lang="ru-RU" sz="2800" dirty="0">
+                          <a:effectLst/>
+                        </a:rPr>
+                        <a:t> </a:t>
+                      </a:r>
+                      <a:endParaRPr lang="ru-RU" sz="2800" dirty="0">
+                        <a:effectLst/>
+                        <a:latin typeface="Times New Roman" panose="02020603050405020304" pitchFamily="18" charset="0"/>
+                        <a:ea typeface="Calibri" panose="020F0502020204030204" pitchFamily="34" charset="0"/>
+                        <a:cs typeface="Times New Roman" panose="02020603050405020304" pitchFamily="18" charset="0"/>
+                      </a:endParaRPr>
+                    </a:p>
+                  </a:txBody>
+                  <a:tcPr marL="55449" marR="55449" marT="0" marB="0"/>
+                </a:tc>
+                <a:tc>
+                  <a:txBody>
+                    <a:bodyPr/>
+                    <a:lstStyle/>
+                    <a:p>
+                      <a:pPr indent="540385" algn="just">
+                        <a:lnSpc>
+                          <a:spcPct val="150000"/>
+                        </a:lnSpc>
+                        <a:spcAft>
+                          <a:spcPts val="0"/>
+                        </a:spcAft>
+                      </a:pPr>
+                      <a:r>
+                        <a:rPr lang="ru-RU" sz="2000" kern="1200" dirty="0">
+                          <a:effectLst/>
+                        </a:rPr>
+                        <a:t>938</a:t>
+                      </a:r>
+                      <a:endParaRPr lang="ru-RU" sz="2000" kern="1200" dirty="0">
+                        <a:solidFill>
+                          <a:schemeClr val="dk1"/>
+                        </a:solidFill>
+                        <a:effectLst/>
+                        <a:latin typeface="Times New Roman" panose="02020603050405020304" pitchFamily="18" charset="0"/>
+                        <a:ea typeface="+mn-ea"/>
+                        <a:cs typeface="Times New Roman" panose="02020603050405020304" pitchFamily="18" charset="0"/>
+                      </a:endParaRPr>
+                    </a:p>
+                  </a:txBody>
+                  <a:tcPr marL="55449" marR="55449" marT="0" marB="0"/>
+                </a:tc>
+                <a:tc>
+                  <a:txBody>
+                    <a:bodyPr/>
+                    <a:lstStyle/>
+                    <a:p>
+                      <a:pPr indent="540385" algn="just">
+                        <a:lnSpc>
+                          <a:spcPct val="150000"/>
+                        </a:lnSpc>
+                        <a:spcAft>
+                          <a:spcPts val="0"/>
+                        </a:spcAft>
+                      </a:pPr>
+                      <a:r>
+                        <a:rPr lang="ru-RU" sz="2000" kern="1200" dirty="0">
+                          <a:effectLst/>
+                        </a:rPr>
+                        <a:t> </a:t>
+                      </a:r>
+                      <a:endParaRPr lang="ru-RU" sz="2000" kern="1200" dirty="0">
+                        <a:solidFill>
+                          <a:schemeClr val="dk1"/>
+                        </a:solidFill>
+                        <a:effectLst/>
+                        <a:latin typeface="Times New Roman" panose="02020603050405020304" pitchFamily="18" charset="0"/>
+                        <a:ea typeface="+mn-ea"/>
+                        <a:cs typeface="Times New Roman" panose="02020603050405020304" pitchFamily="18" charset="0"/>
+                      </a:endParaRPr>
+                    </a:p>
+                  </a:txBody>
+                  <a:tcPr marL="55449" marR="55449" marT="0" marB="0"/>
+                </a:tc>
+                <a:tc>
+                  <a:txBody>
+                    <a:bodyPr/>
+                    <a:lstStyle/>
+                    <a:p>
+                      <a:pPr indent="540385" algn="just">
+                        <a:lnSpc>
+                          <a:spcPct val="150000"/>
+                        </a:lnSpc>
+                        <a:spcAft>
+                          <a:spcPts val="0"/>
+                        </a:spcAft>
+                      </a:pPr>
+                      <a:r>
+                        <a:rPr lang="ru-RU" sz="2000" kern="1200" dirty="0">
+                          <a:effectLst/>
+                        </a:rPr>
+                        <a:t>93800</a:t>
+                      </a:r>
+                      <a:endParaRPr lang="ru-RU" sz="2000" kern="1200" dirty="0">
+                        <a:solidFill>
+                          <a:schemeClr val="dk1"/>
+                        </a:solidFill>
+                        <a:effectLst/>
+                        <a:latin typeface="Times New Roman" panose="02020603050405020304" pitchFamily="18" charset="0"/>
+                        <a:ea typeface="+mn-ea"/>
+                        <a:cs typeface="Times New Roman" panose="02020603050405020304" pitchFamily="18" charset="0"/>
+                      </a:endParaRPr>
+                    </a:p>
+                  </a:txBody>
+                  <a:tcPr marL="55449" marR="55449" marT="0" marB="0"/>
+                </a:tc>
+                <a:extLst>
+                  <a:ext uri="{0D108BD9-81ED-4DB2-BD59-A6C34878D82A}">
+                    <a16:rowId xmlns:a16="http://schemas.microsoft.com/office/drawing/2014/main" val="2732703372"/>
+                  </a:ext>
+                </a:extLst>
+              </a:tr>
+            </a:tbl>
+          </a:graphicData>
+        </a:graphic>
+      </p:graphicFrame>
+    </p:spTree>
+    <p:extLst>
+      <p:ext uri="{BB962C8B-B14F-4D97-AF65-F5344CB8AC3E}">
+        <p14:creationId xmlns:p14="http://schemas.microsoft.com/office/powerpoint/2010/main" val="3011414990"/>
+      </p:ext>
+    </p:extLst>
+  </p:cSld>
+  <p:clrMapOvr>
+    <a:masterClrMapping/>
+  </p:clrMapOvr>
+</p:sld>
+</file>
+
+<file path=ppt/slides/slide12.xml><?xml version="1.0" encoding="utf-8"?>
+<p:sld xmlns:a="http://schemas.openxmlformats.org/drawingml/2006/main" xmlns:r="http://schemas.openxmlformats.org/officeDocument/2006/relationships" xmlns:p="http://schemas.openxmlformats.org/presentationml/2006/main">
+  <p:cSld>
+    <p:spTree>
+      <p:nvGrpSpPr>
+        <p:cNvPr id="1" name=""/>
+        <p:cNvGrpSpPr/>
+        <p:nvPr/>
+      </p:nvGrpSpPr>
+      <p:grpSpPr>
+        <a:xfrm>
+          <a:off x="0" y="0"/>
+          <a:ext cx="0" cy="0"/>
+          <a:chOff x="0" y="0"/>
+          <a:chExt cx="0" cy="0"/>
+        </a:xfrm>
+      </p:grpSpPr>
+      <p:sp>
+        <p:nvSpPr>
+          <p:cNvPr id="2" name="Заголовок 1"/>
+          <p:cNvSpPr>
+            <a:spLocks noGrp="1"/>
+          </p:cNvSpPr>
+          <p:nvPr>
+            <p:ph type="title"/>
+          </p:nvPr>
+        </p:nvSpPr>
+        <p:spPr>
+          <a:xfrm>
+            <a:off x="1272042" y="88973"/>
+            <a:ext cx="9905998" cy="1246341"/>
+          </a:xfrm>
+        </p:spPr>
+        <p:txBody>
+          <a:bodyPr>
+            <a:normAutofit/>
+          </a:bodyPr>
+          <a:lstStyle/>
+          <a:p>
+            <a:r>
+              <a:rPr lang="ru-RU" sz="4400" dirty="0">
+                <a:solidFill>
+                  <a:schemeClr val="tx1"/>
+                </a:solidFill>
+                <a:latin typeface="Times New Roman" panose="02020603050405020304" pitchFamily="18" charset="0"/>
+                <a:cs typeface="Times New Roman" panose="02020603050405020304" pitchFamily="18" charset="0"/>
+              </a:rPr>
+              <a:t>РАСЧЕТ КАЛЬКУЛЯЦИИ </a:t>
+            </a:r>
+            <a:r>
+              <a:rPr lang="ru-RU" sz="4400" dirty="0" smtClean="0">
+                <a:solidFill>
+                  <a:schemeClr val="tx1"/>
+                </a:solidFill>
+                <a:latin typeface="Times New Roman" panose="02020603050405020304" pitchFamily="18" charset="0"/>
+                <a:cs typeface="Times New Roman" panose="02020603050405020304" pitchFamily="18" charset="0"/>
+              </a:rPr>
+              <a:t>БЛЮД</a:t>
+            </a:r>
+            <a:endParaRPr lang="ru-RU" sz="4400" dirty="0">
+              <a:solidFill>
+                <a:schemeClr val="tx1"/>
+              </a:solidFill>
+            </a:endParaRPr>
+          </a:p>
+        </p:txBody>
+      </p:sp>
+      <p:graphicFrame>
+        <p:nvGraphicFramePr>
+          <p:cNvPr id="6" name="Объект 5"/>
+          <p:cNvGraphicFramePr>
+            <a:graphicFrameLocks noGrp="1"/>
+          </p:cNvGraphicFramePr>
+          <p:nvPr>
+            <p:ph idx="1"/>
+            <p:extLst>
+              <p:ext uri="{D42A27DB-BD31-4B8C-83A1-F6EECF244321}">
+                <p14:modId xmlns:p14="http://schemas.microsoft.com/office/powerpoint/2010/main" val="1753594348"/>
+              </p:ext>
+            </p:extLst>
+          </p:nvPr>
+        </p:nvGraphicFramePr>
+        <p:xfrm>
+          <a:off x="1141411" y="1045028"/>
+          <a:ext cx="9906000" cy="5675085"/>
+        </p:xfrm>
+        <a:graphic>
+          <a:graphicData uri="http://schemas.openxmlformats.org/drawingml/2006/chart">
+            <c:chart xmlns:c="http://schemas.openxmlformats.org/drawingml/2006/chart" xmlns:r="http://schemas.openxmlformats.org/officeDocument/2006/relationships" r:id="rId2"/>
+          </a:graphicData>
+        </a:graphic>
+      </p:graphicFrame>
+    </p:spTree>
+    <p:extLst>
+      <p:ext uri="{BB962C8B-B14F-4D97-AF65-F5344CB8AC3E}">
+        <p14:creationId xmlns:p14="http://schemas.microsoft.com/office/powerpoint/2010/main" val="552458654"/>
+      </p:ext>
+    </p:extLst>
+  </p:cSld>
+  <p:clrMapOvr>
+    <a:masterClrMapping/>
+  </p:clrMapOvr>
+</p:sld>
+</file>
+
+<file path=ppt/slides/slide13.xml><?xml version="1.0" encoding="utf-8"?>
+<p:sld xmlns:a="http://schemas.openxmlformats.org/drawingml/2006/main" xmlns:r="http://schemas.openxmlformats.org/officeDocument/2006/relationships" xmlns:p="http://schemas.openxmlformats.org/presentationml/2006/main">
+  <p:cSld>
+    <p:spTree>
+      <p:nvGrpSpPr>
+        <p:cNvPr id="1" name=""/>
+        <p:cNvGrpSpPr/>
+        <p:nvPr/>
+      </p:nvGrpSpPr>
+      <p:grpSpPr>
+        <a:xfrm>
+          <a:off x="0" y="0"/>
+          <a:ext cx="0" cy="0"/>
+          <a:chOff x="0" y="0"/>
+          <a:chExt cx="0" cy="0"/>
+        </a:xfrm>
+      </p:grpSpPr>
+      <p:graphicFrame>
+        <p:nvGraphicFramePr>
+          <p:cNvPr id="4" name="Объект 3"/>
+          <p:cNvGraphicFramePr>
+            <a:graphicFrameLocks noGrp="1"/>
+          </p:cNvGraphicFramePr>
+          <p:nvPr>
+            <p:ph idx="1"/>
+            <p:extLst>
+              <p:ext uri="{D42A27DB-BD31-4B8C-83A1-F6EECF244321}">
+                <p14:modId xmlns:p14="http://schemas.microsoft.com/office/powerpoint/2010/main" val="2579986883"/>
+              </p:ext>
+            </p:extLst>
+          </p:nvPr>
+        </p:nvGraphicFramePr>
+        <p:xfrm>
+          <a:off x="3889830" y="0"/>
+          <a:ext cx="8302170" cy="6552755"/>
+        </p:xfrm>
+        <a:graphic>
+          <a:graphicData uri="http://schemas.openxmlformats.org/drawingml/2006/table">
+            <a:tbl>
+              <a:tblPr firstRow="1" firstCol="1" bandRow="1">
+                <a:tableStyleId>{5C22544A-7EE6-4342-B048-85BDC9FD1C3A}</a:tableStyleId>
+              </a:tblPr>
+              <a:tblGrid>
+                <a:gridCol w="2676020">
+                  <a:extLst>
+                    <a:ext uri="{9D8B030D-6E8A-4147-A177-3AD203B41FA5}">
+                      <a16:colId xmlns:a16="http://schemas.microsoft.com/office/drawing/2014/main" val="1540129929"/>
+                    </a:ext>
+                  </a:extLst>
+                </a:gridCol>
+                <a:gridCol w="1142278">
+                  <a:extLst>
+                    <a:ext uri="{9D8B030D-6E8A-4147-A177-3AD203B41FA5}">
+                      <a16:colId xmlns:a16="http://schemas.microsoft.com/office/drawing/2014/main" val="2979090128"/>
+                    </a:ext>
+                  </a:extLst>
+                </a:gridCol>
+                <a:gridCol w="1178966">
+                  <a:extLst>
+                    <a:ext uri="{9D8B030D-6E8A-4147-A177-3AD203B41FA5}">
+                      <a16:colId xmlns:a16="http://schemas.microsoft.com/office/drawing/2014/main" val="846923124"/>
+                    </a:ext>
+                  </a:extLst>
+                </a:gridCol>
+                <a:gridCol w="1659392">
+                  <a:extLst>
+                    <a:ext uri="{9D8B030D-6E8A-4147-A177-3AD203B41FA5}">
+                      <a16:colId xmlns:a16="http://schemas.microsoft.com/office/drawing/2014/main" val="283107728"/>
+                    </a:ext>
+                  </a:extLst>
+                </a:gridCol>
+                <a:gridCol w="1645514">
+                  <a:extLst>
+                    <a:ext uri="{9D8B030D-6E8A-4147-A177-3AD203B41FA5}">
+                      <a16:colId xmlns:a16="http://schemas.microsoft.com/office/drawing/2014/main" val="2119435269"/>
+                    </a:ext>
+                  </a:extLst>
+                </a:gridCol>
+              </a:tblGrid>
+              <a:tr h="923543">
+                <a:tc>
+                  <a:txBody>
+                    <a:bodyPr/>
+                    <a:lstStyle/>
+                    <a:p>
+                      <a:pPr indent="540385" algn="just">
+                        <a:lnSpc>
+                          <a:spcPct val="150000"/>
+                        </a:lnSpc>
+                        <a:spcAft>
+                          <a:spcPts val="0"/>
+                        </a:spcAft>
+                      </a:pPr>
+                      <a:r>
+                        <a:rPr lang="ru-RU" sz="1400" dirty="0" smtClean="0">
+                          <a:solidFill>
+                            <a:schemeClr val="tx1"/>
+                          </a:solidFill>
+                          <a:effectLst/>
+                          <a:latin typeface="Times New Roman" panose="02020603050405020304" pitchFamily="18" charset="0"/>
+                          <a:cs typeface="Times New Roman" panose="02020603050405020304" pitchFamily="18" charset="0"/>
+                        </a:rPr>
+                        <a:t>НАИМЕНОВАНИЕ ПРОДУКТА</a:t>
+                      </a:r>
+                      <a:endParaRPr lang="ru-RU" sz="1400" dirty="0">
+                        <a:solidFill>
+                          <a:schemeClr val="tx1"/>
+                        </a:solidFill>
+                        <a:effectLst/>
+                        <a:latin typeface="Times New Roman" panose="02020603050405020304" pitchFamily="18" charset="0"/>
+                        <a:ea typeface="Calibri" panose="020F0502020204030204" pitchFamily="34" charset="0"/>
+                        <a:cs typeface="Times New Roman" panose="02020603050405020304" pitchFamily="18" charset="0"/>
+                      </a:endParaRPr>
+                    </a:p>
+                  </a:txBody>
+                  <a:tcPr marL="36162" marR="36162" marT="0" marB="0"/>
+                </a:tc>
+                <a:tc>
+                  <a:txBody>
+                    <a:bodyPr/>
+                    <a:lstStyle/>
+                    <a:p>
+                      <a:pPr indent="540385" algn="just">
+                        <a:lnSpc>
+                          <a:spcPct val="150000"/>
+                        </a:lnSpc>
+                        <a:spcAft>
+                          <a:spcPts val="0"/>
+                        </a:spcAft>
+                      </a:pPr>
+                      <a:r>
+                        <a:rPr lang="ru-RU" sz="1400" dirty="0" smtClean="0">
+                          <a:solidFill>
+                            <a:schemeClr val="tx1"/>
+                          </a:solidFill>
+                          <a:effectLst/>
+                          <a:latin typeface="Times New Roman" panose="02020603050405020304" pitchFamily="18" charset="0"/>
+                          <a:cs typeface="Times New Roman" panose="02020603050405020304" pitchFamily="18" charset="0"/>
+                        </a:rPr>
+                        <a:t>БРУТТО, КГ</a:t>
+                      </a:r>
+                      <a:endParaRPr lang="ru-RU" sz="1400" dirty="0">
+                        <a:solidFill>
+                          <a:schemeClr val="tx1"/>
+                        </a:solidFill>
+                        <a:effectLst/>
+                        <a:latin typeface="Times New Roman" panose="02020603050405020304" pitchFamily="18" charset="0"/>
+                        <a:ea typeface="Calibri" panose="020F0502020204030204" pitchFamily="34" charset="0"/>
+                        <a:cs typeface="Times New Roman" panose="02020603050405020304" pitchFamily="18" charset="0"/>
+                      </a:endParaRPr>
+                    </a:p>
+                  </a:txBody>
+                  <a:tcPr marL="36162" marR="36162" marT="0" marB="0"/>
+                </a:tc>
+                <a:tc>
+                  <a:txBody>
+                    <a:bodyPr/>
+                    <a:lstStyle/>
+                    <a:p>
+                      <a:pPr indent="540385" algn="just">
+                        <a:lnSpc>
+                          <a:spcPct val="150000"/>
+                        </a:lnSpc>
+                        <a:spcAft>
+                          <a:spcPts val="0"/>
+                        </a:spcAft>
+                      </a:pPr>
+                      <a:r>
+                        <a:rPr lang="ru-RU" sz="1400" dirty="0" smtClean="0">
+                          <a:solidFill>
+                            <a:schemeClr val="tx1"/>
+                          </a:solidFill>
+                          <a:effectLst/>
+                          <a:latin typeface="Times New Roman" panose="02020603050405020304" pitchFamily="18" charset="0"/>
+                          <a:cs typeface="Times New Roman" panose="02020603050405020304" pitchFamily="18" charset="0"/>
+                        </a:rPr>
+                        <a:t>НА 100 ПОРЦИЙ</a:t>
+                      </a:r>
+                      <a:endParaRPr lang="ru-RU" sz="1400" dirty="0">
+                        <a:solidFill>
+                          <a:schemeClr val="tx1"/>
+                        </a:solidFill>
+                        <a:effectLst/>
+                        <a:latin typeface="Times New Roman" panose="02020603050405020304" pitchFamily="18" charset="0"/>
+                        <a:ea typeface="Calibri" panose="020F0502020204030204" pitchFamily="34" charset="0"/>
+                        <a:cs typeface="Times New Roman" panose="02020603050405020304" pitchFamily="18" charset="0"/>
+                      </a:endParaRPr>
+                    </a:p>
+                  </a:txBody>
+                  <a:tcPr marL="36162" marR="36162" marT="0" marB="0"/>
+                </a:tc>
+                <a:tc>
+                  <a:txBody>
+                    <a:bodyPr/>
+                    <a:lstStyle/>
+                    <a:p>
+                      <a:pPr indent="540385" algn="just">
+                        <a:lnSpc>
+                          <a:spcPct val="150000"/>
+                        </a:lnSpc>
+                        <a:spcAft>
+                          <a:spcPts val="0"/>
+                        </a:spcAft>
+                      </a:pPr>
+                      <a:r>
+                        <a:rPr lang="ru-RU" sz="1400" dirty="0" smtClean="0">
+                          <a:solidFill>
+                            <a:schemeClr val="tx1"/>
+                          </a:solidFill>
+                          <a:effectLst/>
+                          <a:latin typeface="Times New Roman" panose="02020603050405020304" pitchFamily="18" charset="0"/>
+                          <a:cs typeface="Times New Roman" panose="02020603050405020304" pitchFamily="18" charset="0"/>
+                        </a:rPr>
+                        <a:t>ЦЕНА ЗА 1 КИЛОГРАММ</a:t>
+                      </a:r>
+                      <a:endParaRPr lang="ru-RU" sz="1400" dirty="0">
+                        <a:solidFill>
+                          <a:schemeClr val="tx1"/>
+                        </a:solidFill>
+                        <a:effectLst/>
+                        <a:latin typeface="Times New Roman" panose="02020603050405020304" pitchFamily="18" charset="0"/>
+                        <a:ea typeface="Calibri" panose="020F0502020204030204" pitchFamily="34" charset="0"/>
+                        <a:cs typeface="Times New Roman" panose="02020603050405020304" pitchFamily="18" charset="0"/>
+                      </a:endParaRPr>
+                    </a:p>
+                  </a:txBody>
+                  <a:tcPr marL="36162" marR="36162" marT="0" marB="0"/>
+                </a:tc>
+                <a:tc>
+                  <a:txBody>
+                    <a:bodyPr/>
+                    <a:lstStyle/>
+                    <a:p>
+                      <a:pPr indent="540385" algn="just">
+                        <a:lnSpc>
+                          <a:spcPct val="150000"/>
+                        </a:lnSpc>
+                        <a:spcAft>
+                          <a:spcPts val="0"/>
+                        </a:spcAft>
+                      </a:pPr>
+                      <a:r>
+                        <a:rPr lang="ru-RU" sz="1400" dirty="0" smtClean="0">
+                          <a:solidFill>
+                            <a:schemeClr val="tx1"/>
+                          </a:solidFill>
+                          <a:effectLst/>
+                          <a:latin typeface="Times New Roman" panose="02020603050405020304" pitchFamily="18" charset="0"/>
+                          <a:cs typeface="Times New Roman" panose="02020603050405020304" pitchFamily="18" charset="0"/>
+                        </a:rPr>
+                        <a:t>СУММА</a:t>
+                      </a:r>
+                      <a:endParaRPr lang="ru-RU" sz="1400" dirty="0">
+                        <a:solidFill>
+                          <a:schemeClr val="tx1"/>
+                        </a:solidFill>
+                        <a:effectLst/>
+                        <a:latin typeface="Times New Roman" panose="02020603050405020304" pitchFamily="18" charset="0"/>
+                        <a:ea typeface="Calibri" panose="020F0502020204030204" pitchFamily="34" charset="0"/>
+                        <a:cs typeface="Times New Roman" panose="02020603050405020304" pitchFamily="18" charset="0"/>
+                      </a:endParaRPr>
+                    </a:p>
+                  </a:txBody>
+                  <a:tcPr marL="36162" marR="36162" marT="0" marB="0"/>
+                </a:tc>
+                <a:extLst>
+                  <a:ext uri="{0D108BD9-81ED-4DB2-BD59-A6C34878D82A}">
+                    <a16:rowId xmlns:a16="http://schemas.microsoft.com/office/drawing/2014/main" val="3009078568"/>
+                  </a:ext>
+                </a:extLst>
+              </a:tr>
+              <a:tr h="439782">
+                <a:tc>
+                  <a:txBody>
+                    <a:bodyPr/>
+                    <a:lstStyle/>
+                    <a:p>
+                      <a:pPr indent="540385" algn="just">
+                        <a:lnSpc>
+                          <a:spcPct val="150000"/>
+                        </a:lnSpc>
+                        <a:spcAft>
+                          <a:spcPts val="0"/>
+                        </a:spcAft>
+                      </a:pPr>
+                      <a:r>
+                        <a:rPr lang="ru-RU" sz="1400" dirty="0" smtClean="0">
+                          <a:solidFill>
+                            <a:schemeClr val="tx1"/>
+                          </a:solidFill>
+                          <a:effectLst/>
+                          <a:latin typeface="Times New Roman" panose="02020603050405020304" pitchFamily="18" charset="0"/>
+                          <a:cs typeface="Times New Roman" panose="02020603050405020304" pitchFamily="18" charset="0"/>
+                        </a:rPr>
+                        <a:t>МУКА</a:t>
+                      </a:r>
+                      <a:endParaRPr lang="ru-RU" sz="1400" dirty="0">
+                        <a:solidFill>
+                          <a:schemeClr val="tx1"/>
+                        </a:solidFill>
+                        <a:effectLst/>
+                        <a:latin typeface="Times New Roman" panose="02020603050405020304" pitchFamily="18" charset="0"/>
+                        <a:ea typeface="Calibri" panose="020F0502020204030204" pitchFamily="34" charset="0"/>
+                        <a:cs typeface="Times New Roman" panose="02020603050405020304" pitchFamily="18" charset="0"/>
+                      </a:endParaRPr>
+                    </a:p>
+                  </a:txBody>
+                  <a:tcPr marL="36162" marR="36162" marT="0" marB="0"/>
+                </a:tc>
+                <a:tc>
+                  <a:txBody>
+                    <a:bodyPr/>
+                    <a:lstStyle/>
+                    <a:p>
+                      <a:pPr indent="540385" algn="just">
+                        <a:lnSpc>
+                          <a:spcPct val="150000"/>
+                        </a:lnSpc>
+                        <a:spcAft>
+                          <a:spcPts val="0"/>
+                        </a:spcAft>
+                      </a:pPr>
+                      <a:r>
+                        <a:rPr lang="ru-RU" sz="2000" dirty="0" smtClean="0">
+                          <a:solidFill>
+                            <a:schemeClr val="tx1"/>
+                          </a:solidFill>
+                          <a:effectLst/>
+                          <a:latin typeface="Times New Roman" panose="02020603050405020304" pitchFamily="18" charset="0"/>
+                          <a:cs typeface="Times New Roman" panose="02020603050405020304" pitchFamily="18" charset="0"/>
+                        </a:rPr>
+                        <a:t>0,5</a:t>
+                      </a:r>
+                      <a:endParaRPr lang="ru-RU" sz="2000" dirty="0">
+                        <a:solidFill>
+                          <a:schemeClr val="tx1"/>
+                        </a:solidFill>
+                        <a:effectLst/>
+                        <a:latin typeface="Times New Roman" panose="02020603050405020304" pitchFamily="18" charset="0"/>
+                        <a:ea typeface="Calibri" panose="020F0502020204030204" pitchFamily="34" charset="0"/>
+                        <a:cs typeface="Times New Roman" panose="02020603050405020304" pitchFamily="18" charset="0"/>
+                      </a:endParaRPr>
+                    </a:p>
+                  </a:txBody>
+                  <a:tcPr marL="36162" marR="36162" marT="0" marB="0"/>
+                </a:tc>
+                <a:tc>
+                  <a:txBody>
+                    <a:bodyPr/>
+                    <a:lstStyle/>
+                    <a:p>
+                      <a:pPr indent="540385" algn="just">
+                        <a:lnSpc>
+                          <a:spcPct val="150000"/>
+                        </a:lnSpc>
+                        <a:spcAft>
+                          <a:spcPts val="0"/>
+                        </a:spcAft>
+                      </a:pPr>
+                      <a:r>
+                        <a:rPr lang="ru-RU" sz="2000" dirty="0" smtClean="0">
+                          <a:solidFill>
+                            <a:schemeClr val="tx1"/>
+                          </a:solidFill>
+                          <a:effectLst/>
+                          <a:latin typeface="Times New Roman" panose="02020603050405020304" pitchFamily="18" charset="0"/>
+                          <a:cs typeface="Times New Roman" panose="02020603050405020304" pitchFamily="18" charset="0"/>
+                        </a:rPr>
+                        <a:t>50</a:t>
+                      </a:r>
+                      <a:endParaRPr lang="ru-RU" sz="2000" dirty="0">
+                        <a:solidFill>
+                          <a:schemeClr val="tx1"/>
+                        </a:solidFill>
+                        <a:effectLst/>
+                        <a:latin typeface="Times New Roman" panose="02020603050405020304" pitchFamily="18" charset="0"/>
+                        <a:ea typeface="Calibri" panose="020F0502020204030204" pitchFamily="34" charset="0"/>
+                        <a:cs typeface="Times New Roman" panose="02020603050405020304" pitchFamily="18" charset="0"/>
+                      </a:endParaRPr>
+                    </a:p>
+                  </a:txBody>
+                  <a:tcPr marL="36162" marR="36162" marT="0" marB="0"/>
+                </a:tc>
+                <a:tc>
+                  <a:txBody>
+                    <a:bodyPr/>
+                    <a:lstStyle/>
+                    <a:p>
+                      <a:pPr indent="540385" algn="just">
+                        <a:lnSpc>
+                          <a:spcPct val="150000"/>
+                        </a:lnSpc>
+                        <a:spcAft>
+                          <a:spcPts val="0"/>
+                        </a:spcAft>
+                      </a:pPr>
+                      <a:r>
+                        <a:rPr lang="ru-RU" sz="2000" dirty="0" smtClean="0">
+                          <a:solidFill>
+                            <a:schemeClr val="tx1"/>
+                          </a:solidFill>
+                          <a:effectLst/>
+                          <a:latin typeface="Times New Roman" panose="02020603050405020304" pitchFamily="18" charset="0"/>
+                          <a:cs typeface="Times New Roman" panose="02020603050405020304" pitchFamily="18" charset="0"/>
+                        </a:rPr>
+                        <a:t>77</a:t>
+                      </a:r>
+                      <a:endParaRPr lang="ru-RU" sz="2000" dirty="0">
+                        <a:solidFill>
+                          <a:schemeClr val="tx1"/>
+                        </a:solidFill>
+                        <a:effectLst/>
+                        <a:latin typeface="Times New Roman" panose="02020603050405020304" pitchFamily="18" charset="0"/>
+                        <a:ea typeface="Calibri" panose="020F0502020204030204" pitchFamily="34" charset="0"/>
+                        <a:cs typeface="Times New Roman" panose="02020603050405020304" pitchFamily="18" charset="0"/>
+                      </a:endParaRPr>
+                    </a:p>
+                  </a:txBody>
+                  <a:tcPr marL="36162" marR="36162" marT="0" marB="0"/>
+                </a:tc>
+                <a:tc>
+                  <a:txBody>
+                    <a:bodyPr/>
+                    <a:lstStyle/>
+                    <a:p>
+                      <a:pPr indent="540385" algn="just">
+                        <a:lnSpc>
+                          <a:spcPct val="150000"/>
+                        </a:lnSpc>
+                        <a:spcAft>
+                          <a:spcPts val="0"/>
+                        </a:spcAft>
+                      </a:pPr>
+                      <a:r>
+                        <a:rPr lang="ru-RU" sz="2000" dirty="0" smtClean="0">
+                          <a:solidFill>
+                            <a:schemeClr val="tx1"/>
+                          </a:solidFill>
+                          <a:effectLst/>
+                          <a:latin typeface="Times New Roman" panose="02020603050405020304" pitchFamily="18" charset="0"/>
+                          <a:cs typeface="Times New Roman" panose="02020603050405020304" pitchFamily="18" charset="0"/>
+                        </a:rPr>
+                        <a:t>38,5</a:t>
+                      </a:r>
+                      <a:endParaRPr lang="ru-RU" sz="2000" dirty="0">
+                        <a:solidFill>
+                          <a:schemeClr val="tx1"/>
+                        </a:solidFill>
+                        <a:effectLst/>
+                        <a:latin typeface="Times New Roman" panose="02020603050405020304" pitchFamily="18" charset="0"/>
+                        <a:ea typeface="Calibri" panose="020F0502020204030204" pitchFamily="34" charset="0"/>
+                        <a:cs typeface="Times New Roman" panose="02020603050405020304" pitchFamily="18" charset="0"/>
+                      </a:endParaRPr>
+                    </a:p>
+                  </a:txBody>
+                  <a:tcPr marL="36162" marR="36162" marT="0" marB="0"/>
+                </a:tc>
+                <a:extLst>
+                  <a:ext uri="{0D108BD9-81ED-4DB2-BD59-A6C34878D82A}">
+                    <a16:rowId xmlns:a16="http://schemas.microsoft.com/office/drawing/2014/main" val="3688793698"/>
+                  </a:ext>
+                </a:extLst>
+              </a:tr>
+              <a:tr h="439782">
+                <a:tc>
+                  <a:txBody>
+                    <a:bodyPr/>
+                    <a:lstStyle/>
+                    <a:p>
+                      <a:pPr indent="540385" algn="just">
+                        <a:lnSpc>
+                          <a:spcPct val="150000"/>
+                        </a:lnSpc>
+                        <a:spcAft>
+                          <a:spcPts val="0"/>
+                        </a:spcAft>
+                      </a:pPr>
+                      <a:r>
+                        <a:rPr lang="ru-RU" sz="1400" dirty="0" smtClean="0">
+                          <a:solidFill>
+                            <a:schemeClr val="tx1"/>
+                          </a:solidFill>
+                          <a:effectLst/>
+                          <a:latin typeface="Times New Roman" panose="02020603050405020304" pitchFamily="18" charset="0"/>
+                          <a:cs typeface="Times New Roman" panose="02020603050405020304" pitchFamily="18" charset="0"/>
+                        </a:rPr>
+                        <a:t>СОУС ТОМАТНЫЙ</a:t>
+                      </a:r>
+                      <a:endParaRPr lang="ru-RU" sz="1400" dirty="0">
+                        <a:solidFill>
+                          <a:schemeClr val="tx1"/>
+                        </a:solidFill>
+                        <a:effectLst/>
+                        <a:latin typeface="Times New Roman" panose="02020603050405020304" pitchFamily="18" charset="0"/>
+                        <a:ea typeface="Calibri" panose="020F0502020204030204" pitchFamily="34" charset="0"/>
+                        <a:cs typeface="Times New Roman" panose="02020603050405020304" pitchFamily="18" charset="0"/>
+                      </a:endParaRPr>
+                    </a:p>
+                  </a:txBody>
+                  <a:tcPr marL="36162" marR="36162" marT="0" marB="0"/>
+                </a:tc>
+                <a:tc>
+                  <a:txBody>
+                    <a:bodyPr/>
+                    <a:lstStyle/>
+                    <a:p>
+                      <a:pPr indent="540385" algn="just">
+                        <a:lnSpc>
+                          <a:spcPct val="150000"/>
+                        </a:lnSpc>
+                        <a:spcAft>
+                          <a:spcPts val="0"/>
+                        </a:spcAft>
+                      </a:pPr>
+                      <a:r>
+                        <a:rPr lang="ru-RU" sz="2000" dirty="0" smtClean="0">
+                          <a:solidFill>
+                            <a:schemeClr val="tx1"/>
+                          </a:solidFill>
+                          <a:effectLst/>
+                          <a:latin typeface="Times New Roman" panose="02020603050405020304" pitchFamily="18" charset="0"/>
+                          <a:cs typeface="Times New Roman" panose="02020603050405020304" pitchFamily="18" charset="0"/>
+                        </a:rPr>
+                        <a:t>0,1</a:t>
+                      </a:r>
+                      <a:endParaRPr lang="ru-RU" sz="2000" dirty="0">
+                        <a:solidFill>
+                          <a:schemeClr val="tx1"/>
+                        </a:solidFill>
+                        <a:effectLst/>
+                        <a:latin typeface="Times New Roman" panose="02020603050405020304" pitchFamily="18" charset="0"/>
+                        <a:ea typeface="Calibri" panose="020F0502020204030204" pitchFamily="34" charset="0"/>
+                        <a:cs typeface="Times New Roman" panose="02020603050405020304" pitchFamily="18" charset="0"/>
+                      </a:endParaRPr>
+                    </a:p>
+                  </a:txBody>
+                  <a:tcPr marL="36162" marR="36162" marT="0" marB="0"/>
+                </a:tc>
+                <a:tc>
+                  <a:txBody>
+                    <a:bodyPr/>
+                    <a:lstStyle/>
+                    <a:p>
+                      <a:pPr indent="540385" algn="just">
+                        <a:lnSpc>
+                          <a:spcPct val="150000"/>
+                        </a:lnSpc>
+                        <a:spcAft>
+                          <a:spcPts val="0"/>
+                        </a:spcAft>
+                      </a:pPr>
+                      <a:r>
+                        <a:rPr lang="ru-RU" sz="2000" dirty="0" smtClean="0">
+                          <a:solidFill>
+                            <a:schemeClr val="tx1"/>
+                          </a:solidFill>
+                          <a:effectLst/>
+                          <a:latin typeface="Times New Roman" panose="02020603050405020304" pitchFamily="18" charset="0"/>
+                          <a:cs typeface="Times New Roman" panose="02020603050405020304" pitchFamily="18" charset="0"/>
+                        </a:rPr>
+                        <a:t>10</a:t>
+                      </a:r>
+                      <a:endParaRPr lang="ru-RU" sz="2000" dirty="0">
+                        <a:solidFill>
+                          <a:schemeClr val="tx1"/>
+                        </a:solidFill>
+                        <a:effectLst/>
+                        <a:latin typeface="Times New Roman" panose="02020603050405020304" pitchFamily="18" charset="0"/>
+                        <a:ea typeface="Calibri" panose="020F0502020204030204" pitchFamily="34" charset="0"/>
+                        <a:cs typeface="Times New Roman" panose="02020603050405020304" pitchFamily="18" charset="0"/>
+                      </a:endParaRPr>
+                    </a:p>
+                  </a:txBody>
+                  <a:tcPr marL="36162" marR="36162" marT="0" marB="0"/>
+                </a:tc>
+                <a:tc>
+                  <a:txBody>
+                    <a:bodyPr/>
+                    <a:lstStyle/>
+                    <a:p>
+                      <a:pPr indent="540385" algn="just">
+                        <a:lnSpc>
+                          <a:spcPct val="150000"/>
+                        </a:lnSpc>
+                        <a:spcAft>
+                          <a:spcPts val="0"/>
+                        </a:spcAft>
+                      </a:pPr>
+                      <a:r>
+                        <a:rPr lang="ru-RU" sz="2000" dirty="0" smtClean="0">
+                          <a:solidFill>
+                            <a:schemeClr val="tx1"/>
+                          </a:solidFill>
+                          <a:effectLst/>
+                          <a:latin typeface="Times New Roman" panose="02020603050405020304" pitchFamily="18" charset="0"/>
+                          <a:cs typeface="Times New Roman" panose="02020603050405020304" pitchFamily="18" charset="0"/>
+                        </a:rPr>
+                        <a:t>370</a:t>
+                      </a:r>
+                      <a:endParaRPr lang="ru-RU" sz="2000" dirty="0">
+                        <a:solidFill>
+                          <a:schemeClr val="tx1"/>
+                        </a:solidFill>
+                        <a:effectLst/>
+                        <a:latin typeface="Times New Roman" panose="02020603050405020304" pitchFamily="18" charset="0"/>
+                        <a:ea typeface="Calibri" panose="020F0502020204030204" pitchFamily="34" charset="0"/>
+                        <a:cs typeface="Times New Roman" panose="02020603050405020304" pitchFamily="18" charset="0"/>
+                      </a:endParaRPr>
+                    </a:p>
+                  </a:txBody>
+                  <a:tcPr marL="36162" marR="36162" marT="0" marB="0"/>
+                </a:tc>
+                <a:tc>
+                  <a:txBody>
+                    <a:bodyPr/>
+                    <a:lstStyle/>
+                    <a:p>
+                      <a:pPr indent="540385" algn="just">
+                        <a:lnSpc>
+                          <a:spcPct val="150000"/>
+                        </a:lnSpc>
+                        <a:spcAft>
+                          <a:spcPts val="0"/>
+                        </a:spcAft>
+                      </a:pPr>
+                      <a:r>
+                        <a:rPr lang="ru-RU" sz="2000" dirty="0" smtClean="0">
+                          <a:solidFill>
+                            <a:schemeClr val="tx1"/>
+                          </a:solidFill>
+                          <a:effectLst/>
+                          <a:latin typeface="Times New Roman" panose="02020603050405020304" pitchFamily="18" charset="0"/>
+                          <a:cs typeface="Times New Roman" panose="02020603050405020304" pitchFamily="18" charset="0"/>
+                        </a:rPr>
+                        <a:t>37</a:t>
+                      </a:r>
+                      <a:endParaRPr lang="ru-RU" sz="2000" dirty="0">
+                        <a:solidFill>
+                          <a:schemeClr val="tx1"/>
+                        </a:solidFill>
+                        <a:effectLst/>
+                        <a:latin typeface="Times New Roman" panose="02020603050405020304" pitchFamily="18" charset="0"/>
+                        <a:ea typeface="Calibri" panose="020F0502020204030204" pitchFamily="34" charset="0"/>
+                        <a:cs typeface="Times New Roman" panose="02020603050405020304" pitchFamily="18" charset="0"/>
+                      </a:endParaRPr>
+                    </a:p>
+                  </a:txBody>
+                  <a:tcPr marL="36162" marR="36162" marT="0" marB="0"/>
+                </a:tc>
+                <a:extLst>
+                  <a:ext uri="{0D108BD9-81ED-4DB2-BD59-A6C34878D82A}">
+                    <a16:rowId xmlns:a16="http://schemas.microsoft.com/office/drawing/2014/main" val="1457189472"/>
+                  </a:ext>
+                </a:extLst>
+              </a:tr>
+              <a:tr h="439782">
+                <a:tc>
+                  <a:txBody>
+                    <a:bodyPr/>
+                    <a:lstStyle/>
+                    <a:p>
+                      <a:pPr indent="540385" algn="just">
+                        <a:lnSpc>
+                          <a:spcPct val="150000"/>
+                        </a:lnSpc>
+                        <a:spcAft>
+                          <a:spcPts val="0"/>
+                        </a:spcAft>
+                      </a:pPr>
+                      <a:r>
+                        <a:rPr lang="ru-RU" sz="1400" dirty="0" smtClean="0">
+                          <a:solidFill>
+                            <a:schemeClr val="tx1"/>
+                          </a:solidFill>
+                          <a:effectLst/>
+                          <a:latin typeface="Times New Roman" panose="02020603050405020304" pitchFamily="18" charset="0"/>
+                          <a:cs typeface="Times New Roman" panose="02020603050405020304" pitchFamily="18" charset="0"/>
+                        </a:rPr>
+                        <a:t>МОЦАРЕЛЛА</a:t>
+                      </a:r>
+                      <a:endParaRPr lang="ru-RU" sz="1400" dirty="0">
+                        <a:solidFill>
+                          <a:schemeClr val="tx1"/>
+                        </a:solidFill>
+                        <a:effectLst/>
+                        <a:latin typeface="Times New Roman" panose="02020603050405020304" pitchFamily="18" charset="0"/>
+                        <a:ea typeface="Calibri" panose="020F0502020204030204" pitchFamily="34" charset="0"/>
+                        <a:cs typeface="Times New Roman" panose="02020603050405020304" pitchFamily="18" charset="0"/>
+                      </a:endParaRPr>
+                    </a:p>
+                  </a:txBody>
+                  <a:tcPr marL="36162" marR="36162" marT="0" marB="0"/>
+                </a:tc>
+                <a:tc>
+                  <a:txBody>
+                    <a:bodyPr/>
+                    <a:lstStyle/>
+                    <a:p>
+                      <a:pPr indent="540385" algn="just">
+                        <a:lnSpc>
+                          <a:spcPct val="150000"/>
+                        </a:lnSpc>
+                        <a:spcAft>
+                          <a:spcPts val="0"/>
+                        </a:spcAft>
+                      </a:pPr>
+                      <a:r>
+                        <a:rPr lang="ru-RU" sz="2000" dirty="0" smtClean="0">
+                          <a:solidFill>
+                            <a:schemeClr val="tx1"/>
+                          </a:solidFill>
+                          <a:effectLst/>
+                          <a:latin typeface="Times New Roman" panose="02020603050405020304" pitchFamily="18" charset="0"/>
+                          <a:cs typeface="Times New Roman" panose="02020603050405020304" pitchFamily="18" charset="0"/>
+                        </a:rPr>
+                        <a:t>0,18</a:t>
+                      </a:r>
+                      <a:endParaRPr lang="ru-RU" sz="2000" dirty="0">
+                        <a:solidFill>
+                          <a:schemeClr val="tx1"/>
+                        </a:solidFill>
+                        <a:effectLst/>
+                        <a:latin typeface="Times New Roman" panose="02020603050405020304" pitchFamily="18" charset="0"/>
+                        <a:ea typeface="Calibri" panose="020F0502020204030204" pitchFamily="34" charset="0"/>
+                        <a:cs typeface="Times New Roman" panose="02020603050405020304" pitchFamily="18" charset="0"/>
+                      </a:endParaRPr>
+                    </a:p>
+                  </a:txBody>
+                  <a:tcPr marL="36162" marR="36162" marT="0" marB="0"/>
+                </a:tc>
+                <a:tc>
+                  <a:txBody>
+                    <a:bodyPr/>
+                    <a:lstStyle/>
+                    <a:p>
+                      <a:pPr indent="540385" algn="just">
+                        <a:lnSpc>
+                          <a:spcPct val="150000"/>
+                        </a:lnSpc>
+                        <a:spcAft>
+                          <a:spcPts val="0"/>
+                        </a:spcAft>
+                      </a:pPr>
+                      <a:r>
+                        <a:rPr lang="ru-RU" sz="2000" dirty="0" smtClean="0">
+                          <a:solidFill>
+                            <a:schemeClr val="tx1"/>
+                          </a:solidFill>
+                          <a:effectLst/>
+                          <a:latin typeface="Times New Roman" panose="02020603050405020304" pitchFamily="18" charset="0"/>
+                          <a:cs typeface="Times New Roman" panose="02020603050405020304" pitchFamily="18" charset="0"/>
+                        </a:rPr>
+                        <a:t>18</a:t>
+                      </a:r>
+                      <a:endParaRPr lang="ru-RU" sz="2000" dirty="0">
+                        <a:solidFill>
+                          <a:schemeClr val="tx1"/>
+                        </a:solidFill>
+                        <a:effectLst/>
+                        <a:latin typeface="Times New Roman" panose="02020603050405020304" pitchFamily="18" charset="0"/>
+                        <a:ea typeface="Calibri" panose="020F0502020204030204" pitchFamily="34" charset="0"/>
+                        <a:cs typeface="Times New Roman" panose="02020603050405020304" pitchFamily="18" charset="0"/>
+                      </a:endParaRPr>
+                    </a:p>
+                  </a:txBody>
+                  <a:tcPr marL="36162" marR="36162" marT="0" marB="0"/>
+                </a:tc>
+                <a:tc>
+                  <a:txBody>
+                    <a:bodyPr/>
+                    <a:lstStyle/>
+                    <a:p>
+                      <a:pPr indent="540385" algn="just">
+                        <a:lnSpc>
+                          <a:spcPct val="150000"/>
+                        </a:lnSpc>
+                        <a:spcAft>
+                          <a:spcPts val="0"/>
+                        </a:spcAft>
+                      </a:pPr>
+                      <a:r>
+                        <a:rPr lang="ru-RU" sz="2000" dirty="0" smtClean="0">
+                          <a:solidFill>
+                            <a:schemeClr val="tx1"/>
+                          </a:solidFill>
+                          <a:effectLst/>
+                          <a:latin typeface="Times New Roman" panose="02020603050405020304" pitchFamily="18" charset="0"/>
+                          <a:cs typeface="Times New Roman" panose="02020603050405020304" pitchFamily="18" charset="0"/>
+                        </a:rPr>
+                        <a:t>860</a:t>
+                      </a:r>
+                      <a:endParaRPr lang="ru-RU" sz="2000" dirty="0">
+                        <a:solidFill>
+                          <a:schemeClr val="tx1"/>
+                        </a:solidFill>
+                        <a:effectLst/>
+                        <a:latin typeface="Times New Roman" panose="02020603050405020304" pitchFamily="18" charset="0"/>
+                        <a:ea typeface="Calibri" panose="020F0502020204030204" pitchFamily="34" charset="0"/>
+                        <a:cs typeface="Times New Roman" panose="02020603050405020304" pitchFamily="18" charset="0"/>
+                      </a:endParaRPr>
+                    </a:p>
+                  </a:txBody>
+                  <a:tcPr marL="36162" marR="36162" marT="0" marB="0"/>
+                </a:tc>
+                <a:tc>
+                  <a:txBody>
+                    <a:bodyPr/>
+                    <a:lstStyle/>
+                    <a:p>
+                      <a:pPr indent="540385" algn="just">
+                        <a:lnSpc>
+                          <a:spcPct val="150000"/>
+                        </a:lnSpc>
+                        <a:spcAft>
+                          <a:spcPts val="0"/>
+                        </a:spcAft>
+                      </a:pPr>
+                      <a:r>
+                        <a:rPr lang="ru-RU" sz="2000" dirty="0" smtClean="0">
+                          <a:solidFill>
+                            <a:schemeClr val="tx1"/>
+                          </a:solidFill>
+                          <a:effectLst/>
+                          <a:latin typeface="Times New Roman" panose="02020603050405020304" pitchFamily="18" charset="0"/>
+                          <a:cs typeface="Times New Roman" panose="02020603050405020304" pitchFamily="18" charset="0"/>
+                        </a:rPr>
+                        <a:t>154,8</a:t>
+                      </a:r>
+                      <a:endParaRPr lang="ru-RU" sz="2000" dirty="0">
+                        <a:solidFill>
+                          <a:schemeClr val="tx1"/>
+                        </a:solidFill>
+                        <a:effectLst/>
+                        <a:latin typeface="Times New Roman" panose="02020603050405020304" pitchFamily="18" charset="0"/>
+                        <a:ea typeface="Calibri" panose="020F0502020204030204" pitchFamily="34" charset="0"/>
+                        <a:cs typeface="Times New Roman" panose="02020603050405020304" pitchFamily="18" charset="0"/>
+                      </a:endParaRPr>
+                    </a:p>
+                  </a:txBody>
+                  <a:tcPr marL="36162" marR="36162" marT="0" marB="0"/>
+                </a:tc>
+                <a:extLst>
+                  <a:ext uri="{0D108BD9-81ED-4DB2-BD59-A6C34878D82A}">
+                    <a16:rowId xmlns:a16="http://schemas.microsoft.com/office/drawing/2014/main" val="3112047058"/>
+                  </a:ext>
+                </a:extLst>
+              </a:tr>
+              <a:tr h="439782">
+                <a:tc>
+                  <a:txBody>
+                    <a:bodyPr/>
+                    <a:lstStyle/>
+                    <a:p>
+                      <a:pPr indent="540385" algn="just">
+                        <a:lnSpc>
+                          <a:spcPct val="150000"/>
+                        </a:lnSpc>
+                        <a:spcAft>
+                          <a:spcPts val="0"/>
+                        </a:spcAft>
+                      </a:pPr>
+                      <a:r>
+                        <a:rPr lang="ru-RU" sz="1400" dirty="0" smtClean="0">
+                          <a:solidFill>
+                            <a:schemeClr val="tx1"/>
+                          </a:solidFill>
+                          <a:effectLst/>
+                          <a:latin typeface="Times New Roman" panose="02020603050405020304" pitchFamily="18" charset="0"/>
+                          <a:cs typeface="Times New Roman" panose="02020603050405020304" pitchFamily="18" charset="0"/>
+                        </a:rPr>
+                        <a:t>ПОМИДОР</a:t>
+                      </a:r>
+                      <a:endParaRPr lang="ru-RU" sz="1400" dirty="0">
+                        <a:solidFill>
+                          <a:schemeClr val="tx1"/>
+                        </a:solidFill>
+                        <a:effectLst/>
+                        <a:latin typeface="Times New Roman" panose="02020603050405020304" pitchFamily="18" charset="0"/>
+                        <a:ea typeface="Calibri" panose="020F0502020204030204" pitchFamily="34" charset="0"/>
+                        <a:cs typeface="Times New Roman" panose="02020603050405020304" pitchFamily="18" charset="0"/>
+                      </a:endParaRPr>
+                    </a:p>
+                  </a:txBody>
+                  <a:tcPr marL="36162" marR="36162" marT="0" marB="0"/>
+                </a:tc>
+                <a:tc>
+                  <a:txBody>
+                    <a:bodyPr/>
+                    <a:lstStyle/>
+                    <a:p>
+                      <a:pPr indent="540385" algn="just">
+                        <a:lnSpc>
+                          <a:spcPct val="150000"/>
+                        </a:lnSpc>
+                        <a:spcAft>
+                          <a:spcPts val="0"/>
+                        </a:spcAft>
+                      </a:pPr>
+                      <a:r>
+                        <a:rPr lang="ru-RU" sz="2000" dirty="0" smtClean="0">
+                          <a:solidFill>
+                            <a:schemeClr val="tx1"/>
+                          </a:solidFill>
+                          <a:effectLst/>
+                          <a:latin typeface="Times New Roman" panose="02020603050405020304" pitchFamily="18" charset="0"/>
+                          <a:cs typeface="Times New Roman" panose="02020603050405020304" pitchFamily="18" charset="0"/>
+                        </a:rPr>
+                        <a:t>0,1</a:t>
+                      </a:r>
+                      <a:endParaRPr lang="ru-RU" sz="2000" dirty="0">
+                        <a:solidFill>
+                          <a:schemeClr val="tx1"/>
+                        </a:solidFill>
+                        <a:effectLst/>
+                        <a:latin typeface="Times New Roman" panose="02020603050405020304" pitchFamily="18" charset="0"/>
+                        <a:ea typeface="Calibri" panose="020F0502020204030204" pitchFamily="34" charset="0"/>
+                        <a:cs typeface="Times New Roman" panose="02020603050405020304" pitchFamily="18" charset="0"/>
+                      </a:endParaRPr>
+                    </a:p>
+                  </a:txBody>
+                  <a:tcPr marL="36162" marR="36162" marT="0" marB="0"/>
+                </a:tc>
+                <a:tc>
+                  <a:txBody>
+                    <a:bodyPr/>
+                    <a:lstStyle/>
+                    <a:p>
+                      <a:pPr indent="540385" algn="just">
+                        <a:lnSpc>
+                          <a:spcPct val="150000"/>
+                        </a:lnSpc>
+                        <a:spcAft>
+                          <a:spcPts val="0"/>
+                        </a:spcAft>
+                      </a:pPr>
+                      <a:r>
+                        <a:rPr lang="ru-RU" sz="2000" dirty="0" smtClean="0">
+                          <a:solidFill>
+                            <a:schemeClr val="tx1"/>
+                          </a:solidFill>
+                          <a:effectLst/>
+                          <a:latin typeface="Times New Roman" panose="02020603050405020304" pitchFamily="18" charset="0"/>
+                          <a:cs typeface="Times New Roman" panose="02020603050405020304" pitchFamily="18" charset="0"/>
+                        </a:rPr>
+                        <a:t>10</a:t>
+                      </a:r>
+                      <a:endParaRPr lang="ru-RU" sz="2000" dirty="0">
+                        <a:solidFill>
+                          <a:schemeClr val="tx1"/>
+                        </a:solidFill>
+                        <a:effectLst/>
+                        <a:latin typeface="Times New Roman" panose="02020603050405020304" pitchFamily="18" charset="0"/>
+                        <a:ea typeface="Calibri" panose="020F0502020204030204" pitchFamily="34" charset="0"/>
+                        <a:cs typeface="Times New Roman" panose="02020603050405020304" pitchFamily="18" charset="0"/>
+                      </a:endParaRPr>
+                    </a:p>
+                  </a:txBody>
+                  <a:tcPr marL="36162" marR="36162" marT="0" marB="0"/>
+                </a:tc>
+                <a:tc>
+                  <a:txBody>
+                    <a:bodyPr/>
+                    <a:lstStyle/>
+                    <a:p>
+                      <a:pPr indent="540385" algn="just">
+                        <a:lnSpc>
+                          <a:spcPct val="150000"/>
+                        </a:lnSpc>
+                        <a:spcAft>
+                          <a:spcPts val="0"/>
+                        </a:spcAft>
+                      </a:pPr>
+                      <a:r>
+                        <a:rPr lang="ru-RU" sz="2000" dirty="0" smtClean="0">
+                          <a:solidFill>
+                            <a:schemeClr val="tx1"/>
+                          </a:solidFill>
+                          <a:effectLst/>
+                          <a:latin typeface="Times New Roman" panose="02020603050405020304" pitchFamily="18" charset="0"/>
+                          <a:cs typeface="Times New Roman" panose="02020603050405020304" pitchFamily="18" charset="0"/>
+                        </a:rPr>
+                        <a:t>240</a:t>
+                      </a:r>
+                      <a:endParaRPr lang="ru-RU" sz="2000" dirty="0">
+                        <a:solidFill>
+                          <a:schemeClr val="tx1"/>
+                        </a:solidFill>
+                        <a:effectLst/>
+                        <a:latin typeface="Times New Roman" panose="02020603050405020304" pitchFamily="18" charset="0"/>
+                        <a:ea typeface="Calibri" panose="020F0502020204030204" pitchFamily="34" charset="0"/>
+                        <a:cs typeface="Times New Roman" panose="02020603050405020304" pitchFamily="18" charset="0"/>
+                      </a:endParaRPr>
+                    </a:p>
+                  </a:txBody>
+                  <a:tcPr marL="36162" marR="36162" marT="0" marB="0"/>
+                </a:tc>
+                <a:tc>
+                  <a:txBody>
+                    <a:bodyPr/>
+                    <a:lstStyle/>
+                    <a:p>
+                      <a:pPr indent="540385" algn="just">
+                        <a:lnSpc>
+                          <a:spcPct val="150000"/>
+                        </a:lnSpc>
+                        <a:spcAft>
+                          <a:spcPts val="0"/>
+                        </a:spcAft>
+                      </a:pPr>
+                      <a:r>
+                        <a:rPr lang="ru-RU" sz="2000" dirty="0" smtClean="0">
+                          <a:solidFill>
+                            <a:schemeClr val="tx1"/>
+                          </a:solidFill>
+                          <a:effectLst/>
+                          <a:latin typeface="Times New Roman" panose="02020603050405020304" pitchFamily="18" charset="0"/>
+                          <a:cs typeface="Times New Roman" panose="02020603050405020304" pitchFamily="18" charset="0"/>
+                        </a:rPr>
+                        <a:t>24</a:t>
+                      </a:r>
+                      <a:endParaRPr lang="ru-RU" sz="2000" dirty="0">
+                        <a:solidFill>
+                          <a:schemeClr val="tx1"/>
+                        </a:solidFill>
+                        <a:effectLst/>
+                        <a:latin typeface="Times New Roman" panose="02020603050405020304" pitchFamily="18" charset="0"/>
+                        <a:ea typeface="Calibri" panose="020F0502020204030204" pitchFamily="34" charset="0"/>
+                        <a:cs typeface="Times New Roman" panose="02020603050405020304" pitchFamily="18" charset="0"/>
+                      </a:endParaRPr>
+                    </a:p>
+                  </a:txBody>
+                  <a:tcPr marL="36162" marR="36162" marT="0" marB="0"/>
+                </a:tc>
+                <a:extLst>
+                  <a:ext uri="{0D108BD9-81ED-4DB2-BD59-A6C34878D82A}">
+                    <a16:rowId xmlns:a16="http://schemas.microsoft.com/office/drawing/2014/main" val="3965925966"/>
+                  </a:ext>
+                </a:extLst>
+              </a:tr>
+              <a:tr h="879565">
+                <a:tc>
+                  <a:txBody>
+                    <a:bodyPr/>
+                    <a:lstStyle/>
+                    <a:p>
+                      <a:pPr indent="540385" algn="just">
+                        <a:lnSpc>
+                          <a:spcPct val="150000"/>
+                        </a:lnSpc>
+                        <a:spcAft>
+                          <a:spcPts val="0"/>
+                        </a:spcAft>
+                      </a:pPr>
+                      <a:r>
+                        <a:rPr lang="ru-RU" sz="1400" dirty="0" smtClean="0">
+                          <a:solidFill>
+                            <a:schemeClr val="tx1"/>
+                          </a:solidFill>
+                          <a:effectLst/>
+                          <a:latin typeface="Times New Roman" panose="02020603050405020304" pitchFamily="18" charset="0"/>
+                          <a:cs typeface="Times New Roman" panose="02020603050405020304" pitchFamily="18" charset="0"/>
+                        </a:rPr>
+                        <a:t>БАЗИЛИК ЗЕЛЁНЫЙ</a:t>
+                      </a:r>
+                      <a:endParaRPr lang="ru-RU" sz="1400" dirty="0">
+                        <a:solidFill>
+                          <a:schemeClr val="tx1"/>
+                        </a:solidFill>
+                        <a:effectLst/>
+                        <a:latin typeface="Times New Roman" panose="02020603050405020304" pitchFamily="18" charset="0"/>
+                        <a:ea typeface="Calibri" panose="020F0502020204030204" pitchFamily="34" charset="0"/>
+                        <a:cs typeface="Times New Roman" panose="02020603050405020304" pitchFamily="18" charset="0"/>
+                      </a:endParaRPr>
+                    </a:p>
+                  </a:txBody>
+                  <a:tcPr marL="36162" marR="36162" marT="0" marB="0"/>
+                </a:tc>
+                <a:tc>
+                  <a:txBody>
+                    <a:bodyPr/>
+                    <a:lstStyle/>
+                    <a:p>
+                      <a:pPr indent="540385" algn="just">
+                        <a:lnSpc>
+                          <a:spcPct val="150000"/>
+                        </a:lnSpc>
+                        <a:spcAft>
+                          <a:spcPts val="0"/>
+                        </a:spcAft>
+                      </a:pPr>
+                      <a:r>
+                        <a:rPr lang="ru-RU" sz="2000" dirty="0" smtClean="0">
+                          <a:solidFill>
+                            <a:schemeClr val="tx1"/>
+                          </a:solidFill>
+                          <a:effectLst/>
+                          <a:latin typeface="Times New Roman" panose="02020603050405020304" pitchFamily="18" charset="0"/>
+                          <a:cs typeface="Times New Roman" panose="02020603050405020304" pitchFamily="18" charset="0"/>
+                        </a:rPr>
+                        <a:t>0,003</a:t>
+                      </a:r>
+                      <a:endParaRPr lang="ru-RU" sz="2000" dirty="0">
+                        <a:solidFill>
+                          <a:schemeClr val="tx1"/>
+                        </a:solidFill>
+                        <a:effectLst/>
+                        <a:latin typeface="Times New Roman" panose="02020603050405020304" pitchFamily="18" charset="0"/>
+                        <a:ea typeface="Calibri" panose="020F0502020204030204" pitchFamily="34" charset="0"/>
+                        <a:cs typeface="Times New Roman" panose="02020603050405020304" pitchFamily="18" charset="0"/>
+                      </a:endParaRPr>
+                    </a:p>
+                  </a:txBody>
+                  <a:tcPr marL="36162" marR="36162" marT="0" marB="0"/>
+                </a:tc>
+                <a:tc>
+                  <a:txBody>
+                    <a:bodyPr/>
+                    <a:lstStyle/>
+                    <a:p>
+                      <a:pPr indent="540385" algn="just">
+                        <a:lnSpc>
+                          <a:spcPct val="150000"/>
+                        </a:lnSpc>
+                        <a:spcAft>
+                          <a:spcPts val="0"/>
+                        </a:spcAft>
+                      </a:pPr>
+                      <a:r>
+                        <a:rPr lang="ru-RU" sz="2000" dirty="0" smtClean="0">
+                          <a:solidFill>
+                            <a:schemeClr val="tx1"/>
+                          </a:solidFill>
+                          <a:effectLst/>
+                          <a:latin typeface="Times New Roman" panose="02020603050405020304" pitchFamily="18" charset="0"/>
+                          <a:cs typeface="Times New Roman" panose="02020603050405020304" pitchFamily="18" charset="0"/>
+                        </a:rPr>
+                        <a:t>0,3</a:t>
+                      </a:r>
+                      <a:endParaRPr lang="ru-RU" sz="2000" dirty="0">
+                        <a:solidFill>
+                          <a:schemeClr val="tx1"/>
+                        </a:solidFill>
+                        <a:effectLst/>
+                        <a:latin typeface="Times New Roman" panose="02020603050405020304" pitchFamily="18" charset="0"/>
+                        <a:ea typeface="Calibri" panose="020F0502020204030204" pitchFamily="34" charset="0"/>
+                        <a:cs typeface="Times New Roman" panose="02020603050405020304" pitchFamily="18" charset="0"/>
+                      </a:endParaRPr>
+                    </a:p>
+                  </a:txBody>
+                  <a:tcPr marL="36162" marR="36162" marT="0" marB="0"/>
+                </a:tc>
+                <a:tc>
+                  <a:txBody>
+                    <a:bodyPr/>
+                    <a:lstStyle/>
+                    <a:p>
+                      <a:pPr indent="540385" algn="just">
+                        <a:lnSpc>
+                          <a:spcPct val="150000"/>
+                        </a:lnSpc>
+                        <a:spcAft>
+                          <a:spcPts val="0"/>
+                        </a:spcAft>
+                      </a:pPr>
+                      <a:r>
+                        <a:rPr lang="ru-RU" sz="2000" dirty="0" smtClean="0">
+                          <a:solidFill>
+                            <a:schemeClr val="tx1"/>
+                          </a:solidFill>
+                          <a:effectLst/>
+                          <a:latin typeface="Times New Roman" panose="02020603050405020304" pitchFamily="18" charset="0"/>
+                          <a:cs typeface="Times New Roman" panose="02020603050405020304" pitchFamily="18" charset="0"/>
+                        </a:rPr>
+                        <a:t>300</a:t>
+                      </a:r>
+                      <a:endParaRPr lang="ru-RU" sz="2000" dirty="0">
+                        <a:solidFill>
+                          <a:schemeClr val="tx1"/>
+                        </a:solidFill>
+                        <a:effectLst/>
+                        <a:latin typeface="Times New Roman" panose="02020603050405020304" pitchFamily="18" charset="0"/>
+                        <a:ea typeface="Calibri" panose="020F0502020204030204" pitchFamily="34" charset="0"/>
+                        <a:cs typeface="Times New Roman" panose="02020603050405020304" pitchFamily="18" charset="0"/>
+                      </a:endParaRPr>
+                    </a:p>
+                  </a:txBody>
+                  <a:tcPr marL="36162" marR="36162" marT="0" marB="0"/>
+                </a:tc>
+                <a:tc>
+                  <a:txBody>
+                    <a:bodyPr/>
+                    <a:lstStyle/>
+                    <a:p>
+                      <a:pPr indent="540385" algn="just">
+                        <a:lnSpc>
+                          <a:spcPct val="150000"/>
+                        </a:lnSpc>
+                        <a:spcAft>
+                          <a:spcPts val="0"/>
+                        </a:spcAft>
+                      </a:pPr>
+                      <a:r>
+                        <a:rPr lang="ru-RU" sz="2000" dirty="0" smtClean="0">
+                          <a:solidFill>
+                            <a:schemeClr val="tx1"/>
+                          </a:solidFill>
+                          <a:effectLst/>
+                          <a:latin typeface="Times New Roman" panose="02020603050405020304" pitchFamily="18" charset="0"/>
+                          <a:cs typeface="Times New Roman" panose="02020603050405020304" pitchFamily="18" charset="0"/>
+                        </a:rPr>
+                        <a:t>0,9</a:t>
+                      </a:r>
+                      <a:endParaRPr lang="ru-RU" sz="2000" dirty="0">
+                        <a:solidFill>
+                          <a:schemeClr val="tx1"/>
+                        </a:solidFill>
+                        <a:effectLst/>
+                        <a:latin typeface="Times New Roman" panose="02020603050405020304" pitchFamily="18" charset="0"/>
+                        <a:ea typeface="Calibri" panose="020F0502020204030204" pitchFamily="34" charset="0"/>
+                        <a:cs typeface="Times New Roman" panose="02020603050405020304" pitchFamily="18" charset="0"/>
+                      </a:endParaRPr>
+                    </a:p>
+                  </a:txBody>
+                  <a:tcPr marL="36162" marR="36162" marT="0" marB="0"/>
+                </a:tc>
+                <a:extLst>
+                  <a:ext uri="{0D108BD9-81ED-4DB2-BD59-A6C34878D82A}">
+                    <a16:rowId xmlns:a16="http://schemas.microsoft.com/office/drawing/2014/main" val="2229958113"/>
+                  </a:ext>
+                </a:extLst>
+              </a:tr>
+              <a:tr h="439782">
+                <a:tc>
+                  <a:txBody>
+                    <a:bodyPr/>
+                    <a:lstStyle/>
+                    <a:p>
+                      <a:pPr indent="540385" algn="just">
+                        <a:lnSpc>
+                          <a:spcPct val="150000"/>
+                        </a:lnSpc>
+                        <a:spcAft>
+                          <a:spcPts val="0"/>
+                        </a:spcAft>
+                      </a:pPr>
+                      <a:r>
+                        <a:rPr lang="ru-RU" sz="1400" dirty="0" smtClean="0">
+                          <a:solidFill>
+                            <a:schemeClr val="tx1"/>
+                          </a:solidFill>
+                          <a:effectLst/>
+                          <a:latin typeface="Times New Roman" panose="02020603050405020304" pitchFamily="18" charset="0"/>
+                          <a:cs typeface="Times New Roman" panose="02020603050405020304" pitchFamily="18" charset="0"/>
+                        </a:rPr>
+                        <a:t>МАСЛО ОЛИВКОВОЕ</a:t>
+                      </a:r>
+                      <a:endParaRPr lang="ru-RU" sz="1400" dirty="0">
+                        <a:solidFill>
+                          <a:schemeClr val="tx1"/>
+                        </a:solidFill>
+                        <a:effectLst/>
+                        <a:latin typeface="Times New Roman" panose="02020603050405020304" pitchFamily="18" charset="0"/>
+                        <a:ea typeface="Calibri" panose="020F0502020204030204" pitchFamily="34" charset="0"/>
+                        <a:cs typeface="Times New Roman" panose="02020603050405020304" pitchFamily="18" charset="0"/>
+                      </a:endParaRPr>
+                    </a:p>
+                  </a:txBody>
+                  <a:tcPr marL="36162" marR="36162" marT="0" marB="0"/>
+                </a:tc>
+                <a:tc>
+                  <a:txBody>
+                    <a:bodyPr/>
+                    <a:lstStyle/>
+                    <a:p>
+                      <a:pPr indent="540385" algn="just">
+                        <a:lnSpc>
+                          <a:spcPct val="150000"/>
+                        </a:lnSpc>
+                        <a:spcAft>
+                          <a:spcPts val="0"/>
+                        </a:spcAft>
+                      </a:pPr>
+                      <a:r>
+                        <a:rPr lang="ru-RU" sz="2000" dirty="0" smtClean="0">
+                          <a:solidFill>
+                            <a:schemeClr val="tx1"/>
+                          </a:solidFill>
+                          <a:effectLst/>
+                          <a:latin typeface="Times New Roman" panose="02020603050405020304" pitchFamily="18" charset="0"/>
+                          <a:cs typeface="Times New Roman" panose="02020603050405020304" pitchFamily="18" charset="0"/>
+                        </a:rPr>
+                        <a:t>0,04</a:t>
+                      </a:r>
+                      <a:endParaRPr lang="ru-RU" sz="2000" dirty="0">
+                        <a:solidFill>
+                          <a:schemeClr val="tx1"/>
+                        </a:solidFill>
+                        <a:effectLst/>
+                        <a:latin typeface="Times New Roman" panose="02020603050405020304" pitchFamily="18" charset="0"/>
+                        <a:ea typeface="Calibri" panose="020F0502020204030204" pitchFamily="34" charset="0"/>
+                        <a:cs typeface="Times New Roman" panose="02020603050405020304" pitchFamily="18" charset="0"/>
+                      </a:endParaRPr>
+                    </a:p>
+                  </a:txBody>
+                  <a:tcPr marL="36162" marR="36162" marT="0" marB="0"/>
+                </a:tc>
+                <a:tc>
+                  <a:txBody>
+                    <a:bodyPr/>
+                    <a:lstStyle/>
+                    <a:p>
+                      <a:pPr indent="540385" algn="just">
+                        <a:lnSpc>
+                          <a:spcPct val="150000"/>
+                        </a:lnSpc>
+                        <a:spcAft>
+                          <a:spcPts val="0"/>
+                        </a:spcAft>
+                      </a:pPr>
+                      <a:r>
+                        <a:rPr lang="ru-RU" sz="2000" dirty="0" smtClean="0">
+                          <a:solidFill>
+                            <a:schemeClr val="tx1"/>
+                          </a:solidFill>
+                          <a:effectLst/>
+                          <a:latin typeface="Times New Roman" panose="02020603050405020304" pitchFamily="18" charset="0"/>
+                          <a:cs typeface="Times New Roman" panose="02020603050405020304" pitchFamily="18" charset="0"/>
+                        </a:rPr>
+                        <a:t>4</a:t>
+                      </a:r>
+                      <a:endParaRPr lang="ru-RU" sz="2000" dirty="0">
+                        <a:solidFill>
+                          <a:schemeClr val="tx1"/>
+                        </a:solidFill>
+                        <a:effectLst/>
+                        <a:latin typeface="Times New Roman" panose="02020603050405020304" pitchFamily="18" charset="0"/>
+                        <a:ea typeface="Calibri" panose="020F0502020204030204" pitchFamily="34" charset="0"/>
+                        <a:cs typeface="Times New Roman" panose="02020603050405020304" pitchFamily="18" charset="0"/>
+                      </a:endParaRPr>
+                    </a:p>
+                  </a:txBody>
+                  <a:tcPr marL="36162" marR="36162" marT="0" marB="0"/>
+                </a:tc>
+                <a:tc>
+                  <a:txBody>
+                    <a:bodyPr/>
+                    <a:lstStyle/>
+                    <a:p>
+                      <a:pPr indent="540385" algn="just">
+                        <a:lnSpc>
+                          <a:spcPct val="150000"/>
+                        </a:lnSpc>
+                        <a:spcAft>
+                          <a:spcPts val="0"/>
+                        </a:spcAft>
+                      </a:pPr>
+                      <a:r>
+                        <a:rPr lang="ru-RU" sz="2000" dirty="0" smtClean="0">
+                          <a:solidFill>
+                            <a:schemeClr val="tx1"/>
+                          </a:solidFill>
+                          <a:effectLst/>
+                          <a:latin typeface="Times New Roman" panose="02020603050405020304" pitchFamily="18" charset="0"/>
+                          <a:cs typeface="Times New Roman" panose="02020603050405020304" pitchFamily="18" charset="0"/>
+                        </a:rPr>
+                        <a:t>1396</a:t>
+                      </a:r>
+                      <a:endParaRPr lang="ru-RU" sz="2000" dirty="0">
+                        <a:solidFill>
+                          <a:schemeClr val="tx1"/>
+                        </a:solidFill>
+                        <a:effectLst/>
+                        <a:latin typeface="Times New Roman" panose="02020603050405020304" pitchFamily="18" charset="0"/>
+                        <a:ea typeface="Calibri" panose="020F0502020204030204" pitchFamily="34" charset="0"/>
+                        <a:cs typeface="Times New Roman" panose="02020603050405020304" pitchFamily="18" charset="0"/>
+                      </a:endParaRPr>
+                    </a:p>
+                  </a:txBody>
+                  <a:tcPr marL="36162" marR="36162" marT="0" marB="0"/>
+                </a:tc>
+                <a:tc>
+                  <a:txBody>
+                    <a:bodyPr/>
+                    <a:lstStyle/>
+                    <a:p>
+                      <a:pPr indent="540385" algn="just">
+                        <a:lnSpc>
+                          <a:spcPct val="150000"/>
+                        </a:lnSpc>
+                        <a:spcAft>
+                          <a:spcPts val="0"/>
+                        </a:spcAft>
+                      </a:pPr>
+                      <a:r>
+                        <a:rPr lang="ru-RU" sz="2000" dirty="0" smtClean="0">
+                          <a:solidFill>
+                            <a:schemeClr val="tx1"/>
+                          </a:solidFill>
+                          <a:effectLst/>
+                          <a:latin typeface="Times New Roman" panose="02020603050405020304" pitchFamily="18" charset="0"/>
+                          <a:cs typeface="Times New Roman" panose="02020603050405020304" pitchFamily="18" charset="0"/>
+                        </a:rPr>
+                        <a:t>55,84</a:t>
+                      </a:r>
+                      <a:endParaRPr lang="ru-RU" sz="2000" dirty="0">
+                        <a:solidFill>
+                          <a:schemeClr val="tx1"/>
+                        </a:solidFill>
+                        <a:effectLst/>
+                        <a:latin typeface="Times New Roman" panose="02020603050405020304" pitchFamily="18" charset="0"/>
+                        <a:ea typeface="Calibri" panose="020F0502020204030204" pitchFamily="34" charset="0"/>
+                        <a:cs typeface="Times New Roman" panose="02020603050405020304" pitchFamily="18" charset="0"/>
+                      </a:endParaRPr>
+                    </a:p>
+                  </a:txBody>
+                  <a:tcPr marL="36162" marR="36162" marT="0" marB="0"/>
+                </a:tc>
+                <a:extLst>
+                  <a:ext uri="{0D108BD9-81ED-4DB2-BD59-A6C34878D82A}">
+                    <a16:rowId xmlns:a16="http://schemas.microsoft.com/office/drawing/2014/main" val="2724391206"/>
+                  </a:ext>
+                </a:extLst>
+              </a:tr>
+              <a:tr h="879565">
+                <a:tc>
+                  <a:txBody>
+                    <a:bodyPr/>
+                    <a:lstStyle/>
+                    <a:p>
+                      <a:pPr indent="540385" algn="just">
+                        <a:lnSpc>
+                          <a:spcPct val="150000"/>
+                        </a:lnSpc>
+                        <a:spcAft>
+                          <a:spcPts val="0"/>
+                        </a:spcAft>
+                      </a:pPr>
+                      <a:r>
+                        <a:rPr lang="ru-RU" sz="1400" dirty="0" smtClean="0">
+                          <a:solidFill>
+                            <a:schemeClr val="tx1"/>
+                          </a:solidFill>
+                          <a:effectLst/>
+                          <a:latin typeface="Times New Roman" panose="02020603050405020304" pitchFamily="18" charset="0"/>
+                          <a:cs typeface="Times New Roman" panose="02020603050405020304" pitchFamily="18" charset="0"/>
+                        </a:rPr>
+                        <a:t>ОБЩАЯ СТОИМОСТЬ СЫРЬЕВОГО НАБОРА</a:t>
+                      </a:r>
+                      <a:endParaRPr lang="ru-RU" sz="1400" dirty="0">
+                        <a:solidFill>
+                          <a:schemeClr val="tx1"/>
+                        </a:solidFill>
+                        <a:effectLst/>
+                        <a:latin typeface="Times New Roman" panose="02020603050405020304" pitchFamily="18" charset="0"/>
+                        <a:ea typeface="Calibri" panose="020F0502020204030204" pitchFamily="34" charset="0"/>
+                        <a:cs typeface="Times New Roman" panose="02020603050405020304" pitchFamily="18" charset="0"/>
+                      </a:endParaRPr>
+                    </a:p>
+                  </a:txBody>
+                  <a:tcPr marL="36162" marR="36162" marT="0" marB="0"/>
+                </a:tc>
+                <a:tc>
+                  <a:txBody>
+                    <a:bodyPr/>
+                    <a:lstStyle/>
+                    <a:p>
+                      <a:pPr indent="540385" algn="just">
+                        <a:lnSpc>
+                          <a:spcPct val="150000"/>
+                        </a:lnSpc>
+                        <a:spcAft>
+                          <a:spcPts val="0"/>
+                        </a:spcAft>
+                      </a:pPr>
+                      <a:r>
+                        <a:rPr lang="ru-RU" sz="2000" dirty="0" smtClean="0">
+                          <a:solidFill>
+                            <a:schemeClr val="tx1"/>
+                          </a:solidFill>
+                          <a:effectLst/>
+                          <a:latin typeface="Times New Roman" panose="02020603050405020304" pitchFamily="18" charset="0"/>
+                          <a:cs typeface="Times New Roman" panose="02020603050405020304" pitchFamily="18" charset="0"/>
+                        </a:rPr>
+                        <a:t>0,923</a:t>
+                      </a:r>
+                      <a:endParaRPr lang="ru-RU" sz="2000" dirty="0">
+                        <a:solidFill>
+                          <a:schemeClr val="tx1"/>
+                        </a:solidFill>
+                        <a:effectLst/>
+                        <a:latin typeface="Times New Roman" panose="02020603050405020304" pitchFamily="18" charset="0"/>
+                        <a:ea typeface="Calibri" panose="020F0502020204030204" pitchFamily="34" charset="0"/>
+                        <a:cs typeface="Times New Roman" panose="02020603050405020304" pitchFamily="18" charset="0"/>
+                      </a:endParaRPr>
+                    </a:p>
+                  </a:txBody>
+                  <a:tcPr marL="36162" marR="36162" marT="0" marB="0"/>
+                </a:tc>
+                <a:tc>
+                  <a:txBody>
+                    <a:bodyPr/>
+                    <a:lstStyle/>
+                    <a:p>
+                      <a:pPr indent="540385" algn="just">
+                        <a:lnSpc>
+                          <a:spcPct val="150000"/>
+                        </a:lnSpc>
+                        <a:spcAft>
+                          <a:spcPts val="0"/>
+                        </a:spcAft>
+                      </a:pPr>
+                      <a:r>
+                        <a:rPr lang="ru-RU" sz="2000" dirty="0" smtClean="0">
+                          <a:solidFill>
+                            <a:schemeClr val="tx1"/>
+                          </a:solidFill>
+                          <a:effectLst/>
+                          <a:latin typeface="Times New Roman" panose="02020603050405020304" pitchFamily="18" charset="0"/>
+                          <a:cs typeface="Times New Roman" panose="02020603050405020304" pitchFamily="18" charset="0"/>
+                        </a:rPr>
+                        <a:t> </a:t>
+                      </a:r>
+                      <a:endParaRPr lang="ru-RU" sz="2000" dirty="0">
+                        <a:solidFill>
+                          <a:schemeClr val="tx1"/>
+                        </a:solidFill>
+                        <a:effectLst/>
+                        <a:latin typeface="Times New Roman" panose="02020603050405020304" pitchFamily="18" charset="0"/>
+                        <a:ea typeface="Calibri" panose="020F0502020204030204" pitchFamily="34" charset="0"/>
+                        <a:cs typeface="Times New Roman" panose="02020603050405020304" pitchFamily="18" charset="0"/>
+                      </a:endParaRPr>
+                    </a:p>
+                  </a:txBody>
+                  <a:tcPr marL="36162" marR="36162" marT="0" marB="0"/>
+                </a:tc>
+                <a:tc>
+                  <a:txBody>
+                    <a:bodyPr/>
+                    <a:lstStyle/>
+                    <a:p>
+                      <a:pPr indent="540385" algn="just">
+                        <a:lnSpc>
+                          <a:spcPct val="150000"/>
+                        </a:lnSpc>
+                        <a:spcAft>
+                          <a:spcPts val="0"/>
+                        </a:spcAft>
+                      </a:pPr>
+                      <a:r>
+                        <a:rPr lang="ru-RU" sz="2000" dirty="0" smtClean="0">
+                          <a:solidFill>
+                            <a:schemeClr val="tx1"/>
+                          </a:solidFill>
+                          <a:effectLst/>
+                          <a:latin typeface="Times New Roman" panose="02020603050405020304" pitchFamily="18" charset="0"/>
+                          <a:cs typeface="Times New Roman" panose="02020603050405020304" pitchFamily="18" charset="0"/>
+                        </a:rPr>
+                        <a:t> </a:t>
+                      </a:r>
+                      <a:endParaRPr lang="ru-RU" sz="2000" dirty="0">
+                        <a:solidFill>
+                          <a:schemeClr val="tx1"/>
+                        </a:solidFill>
+                        <a:effectLst/>
+                        <a:latin typeface="Times New Roman" panose="02020603050405020304" pitchFamily="18" charset="0"/>
+                        <a:ea typeface="Calibri" panose="020F0502020204030204" pitchFamily="34" charset="0"/>
+                        <a:cs typeface="Times New Roman" panose="02020603050405020304" pitchFamily="18" charset="0"/>
+                      </a:endParaRPr>
+                    </a:p>
+                  </a:txBody>
+                  <a:tcPr marL="36162" marR="36162" marT="0" marB="0"/>
+                </a:tc>
+                <a:tc>
+                  <a:txBody>
+                    <a:bodyPr/>
+                    <a:lstStyle/>
+                    <a:p>
+                      <a:pPr indent="540385" algn="just">
+                        <a:lnSpc>
+                          <a:spcPct val="150000"/>
+                        </a:lnSpc>
+                        <a:spcAft>
+                          <a:spcPts val="0"/>
+                        </a:spcAft>
+                      </a:pPr>
+                      <a:r>
+                        <a:rPr lang="ru-RU" sz="2000" dirty="0" smtClean="0">
+                          <a:solidFill>
+                            <a:schemeClr val="tx1"/>
+                          </a:solidFill>
+                          <a:effectLst/>
+                          <a:latin typeface="Times New Roman" panose="02020603050405020304" pitchFamily="18" charset="0"/>
+                          <a:cs typeface="Times New Roman" panose="02020603050405020304" pitchFamily="18" charset="0"/>
+                        </a:rPr>
+                        <a:t>311,04</a:t>
+                      </a:r>
+                      <a:endParaRPr lang="ru-RU" sz="2000" dirty="0">
+                        <a:solidFill>
+                          <a:schemeClr val="tx1"/>
+                        </a:solidFill>
+                        <a:effectLst/>
+                        <a:latin typeface="Times New Roman" panose="02020603050405020304" pitchFamily="18" charset="0"/>
+                        <a:ea typeface="Calibri" panose="020F0502020204030204" pitchFamily="34" charset="0"/>
+                        <a:cs typeface="Times New Roman" panose="02020603050405020304" pitchFamily="18" charset="0"/>
+                      </a:endParaRPr>
+                    </a:p>
+                  </a:txBody>
+                  <a:tcPr marL="36162" marR="36162" marT="0" marB="0"/>
+                </a:tc>
+                <a:extLst>
+                  <a:ext uri="{0D108BD9-81ED-4DB2-BD59-A6C34878D82A}">
+                    <a16:rowId xmlns:a16="http://schemas.microsoft.com/office/drawing/2014/main" val="3878470467"/>
+                  </a:ext>
+                </a:extLst>
+              </a:tr>
+              <a:tr h="439782">
+                <a:tc>
+                  <a:txBody>
+                    <a:bodyPr/>
+                    <a:lstStyle/>
+                    <a:p>
+                      <a:pPr indent="540385" algn="just">
+                        <a:lnSpc>
+                          <a:spcPct val="150000"/>
+                        </a:lnSpc>
+                        <a:spcAft>
+                          <a:spcPts val="0"/>
+                        </a:spcAft>
+                      </a:pPr>
+                      <a:r>
+                        <a:rPr lang="ru-RU" sz="1400" dirty="0" smtClean="0">
+                          <a:solidFill>
+                            <a:schemeClr val="tx1"/>
+                          </a:solidFill>
+                          <a:effectLst/>
+                          <a:latin typeface="Times New Roman" panose="02020603050405020304" pitchFamily="18" charset="0"/>
+                          <a:cs typeface="Times New Roman" panose="02020603050405020304" pitchFamily="18" charset="0"/>
+                        </a:rPr>
+                        <a:t>НАЦЕНКА 58%</a:t>
+                      </a:r>
+                      <a:endParaRPr lang="ru-RU" sz="1400" dirty="0">
+                        <a:solidFill>
+                          <a:schemeClr val="tx1"/>
+                        </a:solidFill>
+                        <a:effectLst/>
+                        <a:latin typeface="Times New Roman" panose="02020603050405020304" pitchFamily="18" charset="0"/>
+                        <a:ea typeface="Calibri" panose="020F0502020204030204" pitchFamily="34" charset="0"/>
+                        <a:cs typeface="Times New Roman" panose="02020603050405020304" pitchFamily="18" charset="0"/>
+                      </a:endParaRPr>
+                    </a:p>
+                  </a:txBody>
+                  <a:tcPr marL="36162" marR="36162" marT="0" marB="0"/>
+                </a:tc>
+                <a:tc>
+                  <a:txBody>
+                    <a:bodyPr/>
+                    <a:lstStyle/>
+                    <a:p>
+                      <a:pPr indent="540385" algn="just">
+                        <a:lnSpc>
+                          <a:spcPct val="150000"/>
+                        </a:lnSpc>
+                        <a:spcAft>
+                          <a:spcPts val="0"/>
+                        </a:spcAft>
+                      </a:pPr>
+                      <a:r>
+                        <a:rPr lang="ru-RU" sz="2000" dirty="0" smtClean="0">
+                          <a:solidFill>
+                            <a:schemeClr val="tx1"/>
+                          </a:solidFill>
+                          <a:effectLst/>
+                          <a:latin typeface="Times New Roman" panose="02020603050405020304" pitchFamily="18" charset="0"/>
+                          <a:cs typeface="Times New Roman" panose="02020603050405020304" pitchFamily="18" charset="0"/>
+                        </a:rPr>
+                        <a:t> </a:t>
+                      </a:r>
+                      <a:endParaRPr lang="ru-RU" sz="2000" dirty="0">
+                        <a:solidFill>
+                          <a:schemeClr val="tx1"/>
+                        </a:solidFill>
+                        <a:effectLst/>
+                        <a:latin typeface="Times New Roman" panose="02020603050405020304" pitchFamily="18" charset="0"/>
+                        <a:ea typeface="Calibri" panose="020F0502020204030204" pitchFamily="34" charset="0"/>
+                        <a:cs typeface="Times New Roman" panose="02020603050405020304" pitchFamily="18" charset="0"/>
+                      </a:endParaRPr>
+                    </a:p>
+                  </a:txBody>
+                  <a:tcPr marL="36162" marR="36162" marT="0" marB="0"/>
+                </a:tc>
+                <a:tc>
+                  <a:txBody>
+                    <a:bodyPr/>
+                    <a:lstStyle/>
+                    <a:p>
+                      <a:pPr indent="540385" algn="just">
+                        <a:lnSpc>
+                          <a:spcPct val="150000"/>
+                        </a:lnSpc>
+                        <a:spcAft>
+                          <a:spcPts val="0"/>
+                        </a:spcAft>
+                      </a:pPr>
+                      <a:r>
+                        <a:rPr lang="ru-RU" sz="2000" dirty="0" smtClean="0">
+                          <a:solidFill>
+                            <a:schemeClr val="tx1"/>
+                          </a:solidFill>
+                          <a:effectLst/>
+                          <a:latin typeface="Times New Roman" panose="02020603050405020304" pitchFamily="18" charset="0"/>
+                          <a:cs typeface="Times New Roman" panose="02020603050405020304" pitchFamily="18" charset="0"/>
+                        </a:rPr>
+                        <a:t> </a:t>
+                      </a:r>
+                      <a:endParaRPr lang="ru-RU" sz="2000" dirty="0">
+                        <a:solidFill>
+                          <a:schemeClr val="tx1"/>
+                        </a:solidFill>
+                        <a:effectLst/>
+                        <a:latin typeface="Times New Roman" panose="02020603050405020304" pitchFamily="18" charset="0"/>
+                        <a:ea typeface="Calibri" panose="020F0502020204030204" pitchFamily="34" charset="0"/>
+                        <a:cs typeface="Times New Roman" panose="02020603050405020304" pitchFamily="18" charset="0"/>
+                      </a:endParaRPr>
+                    </a:p>
+                  </a:txBody>
+                  <a:tcPr marL="36162" marR="36162" marT="0" marB="0"/>
+                </a:tc>
+                <a:tc>
+                  <a:txBody>
+                    <a:bodyPr/>
+                    <a:lstStyle/>
+                    <a:p>
+                      <a:pPr indent="540385" algn="just">
+                        <a:lnSpc>
+                          <a:spcPct val="150000"/>
+                        </a:lnSpc>
+                        <a:spcAft>
+                          <a:spcPts val="0"/>
+                        </a:spcAft>
+                      </a:pPr>
+                      <a:r>
+                        <a:rPr lang="ru-RU" sz="2000" dirty="0" smtClean="0">
+                          <a:solidFill>
+                            <a:schemeClr val="tx1"/>
+                          </a:solidFill>
+                          <a:effectLst/>
+                          <a:latin typeface="Times New Roman" panose="02020603050405020304" pitchFamily="18" charset="0"/>
+                          <a:cs typeface="Times New Roman" panose="02020603050405020304" pitchFamily="18" charset="0"/>
+                        </a:rPr>
+                        <a:t> </a:t>
+                      </a:r>
+                      <a:endParaRPr lang="ru-RU" sz="2000" dirty="0">
+                        <a:solidFill>
+                          <a:schemeClr val="tx1"/>
+                        </a:solidFill>
+                        <a:effectLst/>
+                        <a:latin typeface="Times New Roman" panose="02020603050405020304" pitchFamily="18" charset="0"/>
+                        <a:ea typeface="Calibri" panose="020F0502020204030204" pitchFamily="34" charset="0"/>
+                        <a:cs typeface="Times New Roman" panose="02020603050405020304" pitchFamily="18" charset="0"/>
+                      </a:endParaRPr>
+                    </a:p>
+                  </a:txBody>
+                  <a:tcPr marL="36162" marR="36162" marT="0" marB="0"/>
+                </a:tc>
+                <a:tc>
+                  <a:txBody>
+                    <a:bodyPr/>
+                    <a:lstStyle/>
+                    <a:p>
+                      <a:pPr indent="540385" algn="just">
+                        <a:lnSpc>
+                          <a:spcPct val="150000"/>
+                        </a:lnSpc>
+                        <a:spcAft>
+                          <a:spcPts val="0"/>
+                        </a:spcAft>
+                      </a:pPr>
+                      <a:r>
+                        <a:rPr lang="ru-RU" sz="2000" dirty="0" smtClean="0">
+                          <a:solidFill>
+                            <a:schemeClr val="tx1"/>
+                          </a:solidFill>
+                          <a:effectLst/>
+                          <a:latin typeface="Times New Roman" panose="02020603050405020304" pitchFamily="18" charset="0"/>
+                          <a:cs typeface="Times New Roman" panose="02020603050405020304" pitchFamily="18" charset="0"/>
+                        </a:rPr>
+                        <a:t>266,8</a:t>
+                      </a:r>
+                      <a:endParaRPr lang="ru-RU" sz="2000" dirty="0">
+                        <a:solidFill>
+                          <a:schemeClr val="tx1"/>
+                        </a:solidFill>
+                        <a:effectLst/>
+                        <a:latin typeface="Times New Roman" panose="02020603050405020304" pitchFamily="18" charset="0"/>
+                        <a:ea typeface="Calibri" panose="020F0502020204030204" pitchFamily="34" charset="0"/>
+                        <a:cs typeface="Times New Roman" panose="02020603050405020304" pitchFamily="18" charset="0"/>
+                      </a:endParaRPr>
+                    </a:p>
+                  </a:txBody>
+                  <a:tcPr marL="36162" marR="36162" marT="0" marB="0"/>
+                </a:tc>
+                <a:extLst>
+                  <a:ext uri="{0D108BD9-81ED-4DB2-BD59-A6C34878D82A}">
+                    <a16:rowId xmlns:a16="http://schemas.microsoft.com/office/drawing/2014/main" val="2656249090"/>
+                  </a:ext>
+                </a:extLst>
+              </a:tr>
+              <a:tr h="615695">
+                <a:tc>
+                  <a:txBody>
+                    <a:bodyPr/>
+                    <a:lstStyle/>
+                    <a:p>
+                      <a:pPr indent="540385" algn="just">
+                        <a:lnSpc>
+                          <a:spcPct val="150000"/>
+                        </a:lnSpc>
+                        <a:spcAft>
+                          <a:spcPts val="0"/>
+                        </a:spcAft>
+                      </a:pPr>
+                      <a:r>
+                        <a:rPr lang="ru-RU" sz="1400" dirty="0" smtClean="0">
+                          <a:solidFill>
+                            <a:schemeClr val="tx1"/>
+                          </a:solidFill>
+                          <a:effectLst/>
+                          <a:latin typeface="Times New Roman" panose="02020603050405020304" pitchFamily="18" charset="0"/>
+                          <a:cs typeface="Times New Roman" panose="02020603050405020304" pitchFamily="18" charset="0"/>
+                        </a:rPr>
+                        <a:t>ЦЕНА ПРОДАЖИ БЛЮДА</a:t>
+                      </a:r>
+                      <a:endParaRPr lang="ru-RU" sz="1400" dirty="0">
+                        <a:solidFill>
+                          <a:schemeClr val="tx1"/>
+                        </a:solidFill>
+                        <a:effectLst/>
+                        <a:latin typeface="Times New Roman" panose="02020603050405020304" pitchFamily="18" charset="0"/>
+                        <a:ea typeface="Calibri" panose="020F0502020204030204" pitchFamily="34" charset="0"/>
+                        <a:cs typeface="Times New Roman" panose="02020603050405020304" pitchFamily="18" charset="0"/>
+                      </a:endParaRPr>
+                    </a:p>
+                  </a:txBody>
+                  <a:tcPr marL="36162" marR="36162" marT="0" marB="0"/>
+                </a:tc>
+                <a:tc>
+                  <a:txBody>
+                    <a:bodyPr/>
+                    <a:lstStyle/>
+                    <a:p>
+                      <a:pPr indent="540385" algn="just">
+                        <a:lnSpc>
+                          <a:spcPct val="150000"/>
+                        </a:lnSpc>
+                        <a:spcAft>
+                          <a:spcPts val="0"/>
+                        </a:spcAft>
+                      </a:pPr>
+                      <a:r>
+                        <a:rPr lang="ru-RU" sz="2000" dirty="0" smtClean="0">
+                          <a:solidFill>
+                            <a:schemeClr val="tx1"/>
+                          </a:solidFill>
+                          <a:effectLst/>
+                          <a:latin typeface="Times New Roman" panose="02020603050405020304" pitchFamily="18" charset="0"/>
+                          <a:cs typeface="Times New Roman" panose="02020603050405020304" pitchFamily="18" charset="0"/>
+                        </a:rPr>
+                        <a:t> </a:t>
+                      </a:r>
+                      <a:endParaRPr lang="ru-RU" sz="2000" dirty="0">
+                        <a:solidFill>
+                          <a:schemeClr val="tx1"/>
+                        </a:solidFill>
+                        <a:effectLst/>
+                        <a:latin typeface="Times New Roman" panose="02020603050405020304" pitchFamily="18" charset="0"/>
+                        <a:ea typeface="Calibri" panose="020F0502020204030204" pitchFamily="34" charset="0"/>
+                        <a:cs typeface="Times New Roman" panose="02020603050405020304" pitchFamily="18" charset="0"/>
+                      </a:endParaRPr>
+                    </a:p>
+                  </a:txBody>
+                  <a:tcPr marL="36162" marR="36162" marT="0" marB="0"/>
+                </a:tc>
+                <a:tc>
+                  <a:txBody>
+                    <a:bodyPr/>
+                    <a:lstStyle/>
+                    <a:p>
+                      <a:pPr indent="540385" algn="just">
+                        <a:lnSpc>
+                          <a:spcPct val="150000"/>
+                        </a:lnSpc>
+                        <a:spcAft>
+                          <a:spcPts val="0"/>
+                        </a:spcAft>
+                      </a:pPr>
+                      <a:r>
+                        <a:rPr lang="ru-RU" sz="2000" dirty="0" smtClean="0">
+                          <a:solidFill>
+                            <a:schemeClr val="tx1"/>
+                          </a:solidFill>
+                          <a:effectLst/>
+                          <a:latin typeface="Times New Roman" panose="02020603050405020304" pitchFamily="18" charset="0"/>
+                          <a:cs typeface="Times New Roman" panose="02020603050405020304" pitchFamily="18" charset="0"/>
+                        </a:rPr>
+                        <a:t> </a:t>
+                      </a:r>
+                      <a:endParaRPr lang="ru-RU" sz="2000" dirty="0">
+                        <a:solidFill>
+                          <a:schemeClr val="tx1"/>
+                        </a:solidFill>
+                        <a:effectLst/>
+                        <a:latin typeface="Times New Roman" panose="02020603050405020304" pitchFamily="18" charset="0"/>
+                        <a:ea typeface="Calibri" panose="020F0502020204030204" pitchFamily="34" charset="0"/>
+                        <a:cs typeface="Times New Roman" panose="02020603050405020304" pitchFamily="18" charset="0"/>
+                      </a:endParaRPr>
+                    </a:p>
+                  </a:txBody>
+                  <a:tcPr marL="36162" marR="36162" marT="0" marB="0"/>
+                </a:tc>
+                <a:tc>
+                  <a:txBody>
+                    <a:bodyPr/>
+                    <a:lstStyle/>
+                    <a:p>
+                      <a:pPr indent="540385" algn="just">
+                        <a:lnSpc>
+                          <a:spcPct val="150000"/>
+                        </a:lnSpc>
+                        <a:spcAft>
+                          <a:spcPts val="0"/>
+                        </a:spcAft>
+                      </a:pPr>
+                      <a:r>
+                        <a:rPr lang="ru-RU" sz="2000" dirty="0" smtClean="0">
+                          <a:solidFill>
+                            <a:schemeClr val="tx1"/>
+                          </a:solidFill>
+                          <a:effectLst/>
+                          <a:latin typeface="Times New Roman" panose="02020603050405020304" pitchFamily="18" charset="0"/>
+                          <a:cs typeface="Times New Roman" panose="02020603050405020304" pitchFamily="18" charset="0"/>
+                        </a:rPr>
+                        <a:t> </a:t>
+                      </a:r>
+                      <a:endParaRPr lang="ru-RU" sz="2000" dirty="0">
+                        <a:solidFill>
+                          <a:schemeClr val="tx1"/>
+                        </a:solidFill>
+                        <a:effectLst/>
+                        <a:latin typeface="Times New Roman" panose="02020603050405020304" pitchFamily="18" charset="0"/>
+                        <a:ea typeface="Calibri" panose="020F0502020204030204" pitchFamily="34" charset="0"/>
+                        <a:cs typeface="Times New Roman" panose="02020603050405020304" pitchFamily="18" charset="0"/>
+                      </a:endParaRPr>
+                    </a:p>
+                  </a:txBody>
+                  <a:tcPr marL="36162" marR="36162" marT="0" marB="0"/>
+                </a:tc>
+                <a:tc>
+                  <a:txBody>
+                    <a:bodyPr/>
+                    <a:lstStyle/>
+                    <a:p>
+                      <a:pPr indent="540385" algn="just">
+                        <a:lnSpc>
+                          <a:spcPct val="150000"/>
+                        </a:lnSpc>
+                        <a:spcAft>
+                          <a:spcPts val="0"/>
+                        </a:spcAft>
+                      </a:pPr>
+                      <a:r>
+                        <a:rPr lang="ru-RU" sz="2000" dirty="0" smtClean="0">
+                          <a:solidFill>
+                            <a:schemeClr val="tx1"/>
+                          </a:solidFill>
+                          <a:effectLst/>
+                          <a:latin typeface="Times New Roman" panose="02020603050405020304" pitchFamily="18" charset="0"/>
+                          <a:cs typeface="Times New Roman" panose="02020603050405020304" pitchFamily="18" charset="0"/>
+                        </a:rPr>
+                        <a:t>460,00</a:t>
+                      </a:r>
+                      <a:endParaRPr lang="ru-RU" sz="2000" dirty="0">
+                        <a:solidFill>
+                          <a:schemeClr val="tx1"/>
+                        </a:solidFill>
+                        <a:effectLst/>
+                        <a:latin typeface="Times New Roman" panose="02020603050405020304" pitchFamily="18" charset="0"/>
+                        <a:ea typeface="Calibri" panose="020F0502020204030204" pitchFamily="34" charset="0"/>
+                        <a:cs typeface="Times New Roman" panose="02020603050405020304" pitchFamily="18" charset="0"/>
+                      </a:endParaRPr>
+                    </a:p>
+                  </a:txBody>
+                  <a:tcPr marL="36162" marR="36162" marT="0" marB="0"/>
+                </a:tc>
+                <a:extLst>
+                  <a:ext uri="{0D108BD9-81ED-4DB2-BD59-A6C34878D82A}">
+                    <a16:rowId xmlns:a16="http://schemas.microsoft.com/office/drawing/2014/main" val="3123473596"/>
+                  </a:ext>
+                </a:extLst>
+              </a:tr>
+              <a:tr h="615695">
+                <a:tc>
+                  <a:txBody>
+                    <a:bodyPr/>
+                    <a:lstStyle/>
+                    <a:p>
+                      <a:pPr indent="540385" algn="just">
+                        <a:lnSpc>
+                          <a:spcPct val="150000"/>
+                        </a:lnSpc>
+                        <a:spcAft>
+                          <a:spcPts val="0"/>
+                        </a:spcAft>
+                      </a:pPr>
+                      <a:r>
+                        <a:rPr lang="ru-RU" sz="1400" dirty="0" smtClean="0">
+                          <a:solidFill>
+                            <a:schemeClr val="tx1"/>
+                          </a:solidFill>
+                          <a:effectLst/>
+                          <a:latin typeface="Times New Roman" panose="02020603050405020304" pitchFamily="18" charset="0"/>
+                          <a:cs typeface="Times New Roman" panose="02020603050405020304" pitchFamily="18" charset="0"/>
+                        </a:rPr>
+                        <a:t>ВЫХОД ОДНОГО БЛЮДА В ГОТОВОМ ВИДЕ, Г</a:t>
+                      </a:r>
+                      <a:endParaRPr lang="ru-RU" sz="1400" dirty="0">
+                        <a:solidFill>
+                          <a:schemeClr val="tx1"/>
+                        </a:solidFill>
+                        <a:effectLst/>
+                        <a:latin typeface="Times New Roman" panose="02020603050405020304" pitchFamily="18" charset="0"/>
+                        <a:ea typeface="Calibri" panose="020F0502020204030204" pitchFamily="34" charset="0"/>
+                        <a:cs typeface="Times New Roman" panose="02020603050405020304" pitchFamily="18" charset="0"/>
+                      </a:endParaRPr>
+                    </a:p>
+                  </a:txBody>
+                  <a:tcPr marL="36162" marR="36162" marT="0" marB="0"/>
+                </a:tc>
+                <a:tc>
+                  <a:txBody>
+                    <a:bodyPr/>
+                    <a:lstStyle/>
+                    <a:p>
+                      <a:pPr indent="540385" algn="just">
+                        <a:lnSpc>
+                          <a:spcPct val="150000"/>
+                        </a:lnSpc>
+                        <a:spcAft>
+                          <a:spcPts val="0"/>
+                        </a:spcAft>
+                      </a:pPr>
+                      <a:r>
+                        <a:rPr lang="ru-RU" sz="2000" dirty="0" smtClean="0">
+                          <a:solidFill>
+                            <a:schemeClr val="tx1"/>
+                          </a:solidFill>
+                          <a:effectLst/>
+                          <a:latin typeface="Times New Roman" panose="02020603050405020304" pitchFamily="18" charset="0"/>
+                          <a:cs typeface="Times New Roman" panose="02020603050405020304" pitchFamily="18" charset="0"/>
+                        </a:rPr>
+                        <a:t> </a:t>
+                      </a:r>
+                      <a:endParaRPr lang="ru-RU" sz="2000" dirty="0">
+                        <a:solidFill>
+                          <a:schemeClr val="tx1"/>
+                        </a:solidFill>
+                        <a:effectLst/>
+                        <a:latin typeface="Times New Roman" panose="02020603050405020304" pitchFamily="18" charset="0"/>
+                        <a:ea typeface="Calibri" panose="020F0502020204030204" pitchFamily="34" charset="0"/>
+                        <a:cs typeface="Times New Roman" panose="02020603050405020304" pitchFamily="18" charset="0"/>
+                      </a:endParaRPr>
+                    </a:p>
+                  </a:txBody>
+                  <a:tcPr marL="36162" marR="36162" marT="0" marB="0"/>
+                </a:tc>
+                <a:tc>
+                  <a:txBody>
+                    <a:bodyPr/>
+                    <a:lstStyle/>
+                    <a:p>
+                      <a:pPr indent="540385" algn="just">
+                        <a:lnSpc>
+                          <a:spcPct val="150000"/>
+                        </a:lnSpc>
+                        <a:spcAft>
+                          <a:spcPts val="0"/>
+                        </a:spcAft>
+                      </a:pPr>
+                      <a:r>
+                        <a:rPr lang="ru-RU" sz="2000" dirty="0" smtClean="0">
+                          <a:solidFill>
+                            <a:schemeClr val="tx1"/>
+                          </a:solidFill>
+                          <a:effectLst/>
+                          <a:latin typeface="Times New Roman" panose="02020603050405020304" pitchFamily="18" charset="0"/>
+                          <a:cs typeface="Times New Roman" panose="02020603050405020304" pitchFamily="18" charset="0"/>
+                        </a:rPr>
+                        <a:t> </a:t>
+                      </a:r>
+                      <a:endParaRPr lang="ru-RU" sz="2000" dirty="0">
+                        <a:solidFill>
+                          <a:schemeClr val="tx1"/>
+                        </a:solidFill>
+                        <a:effectLst/>
+                        <a:latin typeface="Times New Roman" panose="02020603050405020304" pitchFamily="18" charset="0"/>
+                        <a:ea typeface="Calibri" panose="020F0502020204030204" pitchFamily="34" charset="0"/>
+                        <a:cs typeface="Times New Roman" panose="02020603050405020304" pitchFamily="18" charset="0"/>
+                      </a:endParaRPr>
+                    </a:p>
+                  </a:txBody>
+                  <a:tcPr marL="36162" marR="36162" marT="0" marB="0"/>
+                </a:tc>
+                <a:tc>
+                  <a:txBody>
+                    <a:bodyPr/>
+                    <a:lstStyle/>
+                    <a:p>
+                      <a:pPr indent="540385" algn="just">
+                        <a:lnSpc>
+                          <a:spcPct val="150000"/>
+                        </a:lnSpc>
+                        <a:spcAft>
+                          <a:spcPts val="0"/>
+                        </a:spcAft>
+                      </a:pPr>
+                      <a:r>
+                        <a:rPr lang="ru-RU" sz="2000" dirty="0" smtClean="0">
+                          <a:solidFill>
+                            <a:schemeClr val="tx1"/>
+                          </a:solidFill>
+                          <a:effectLst/>
+                          <a:latin typeface="Times New Roman" panose="02020603050405020304" pitchFamily="18" charset="0"/>
+                          <a:cs typeface="Times New Roman" panose="02020603050405020304" pitchFamily="18" charset="0"/>
+                        </a:rPr>
+                        <a:t> </a:t>
+                      </a:r>
+                      <a:endParaRPr lang="ru-RU" sz="2000" dirty="0">
+                        <a:solidFill>
+                          <a:schemeClr val="tx1"/>
+                        </a:solidFill>
+                        <a:effectLst/>
+                        <a:latin typeface="Times New Roman" panose="02020603050405020304" pitchFamily="18" charset="0"/>
+                        <a:ea typeface="Calibri" panose="020F0502020204030204" pitchFamily="34" charset="0"/>
+                        <a:cs typeface="Times New Roman" panose="02020603050405020304" pitchFamily="18" charset="0"/>
+                      </a:endParaRPr>
+                    </a:p>
+                  </a:txBody>
+                  <a:tcPr marL="36162" marR="36162" marT="0" marB="0"/>
+                </a:tc>
+                <a:tc>
+                  <a:txBody>
+                    <a:bodyPr/>
+                    <a:lstStyle/>
+                    <a:p>
+                      <a:pPr indent="540385" algn="just">
+                        <a:lnSpc>
+                          <a:spcPct val="150000"/>
+                        </a:lnSpc>
+                        <a:spcAft>
+                          <a:spcPts val="0"/>
+                        </a:spcAft>
+                      </a:pPr>
+                      <a:r>
+                        <a:rPr lang="ru-RU" sz="2000" dirty="0" smtClean="0">
+                          <a:solidFill>
+                            <a:schemeClr val="tx1"/>
+                          </a:solidFill>
+                          <a:effectLst/>
+                          <a:latin typeface="Times New Roman" panose="02020603050405020304" pitchFamily="18" charset="0"/>
+                          <a:cs typeface="Times New Roman" panose="02020603050405020304" pitchFamily="18" charset="0"/>
+                        </a:rPr>
+                        <a:t>360</a:t>
+                      </a:r>
+                      <a:endParaRPr lang="ru-RU" sz="2000" dirty="0">
+                        <a:solidFill>
+                          <a:schemeClr val="tx1"/>
+                        </a:solidFill>
+                        <a:effectLst/>
+                        <a:latin typeface="Times New Roman" panose="02020603050405020304" pitchFamily="18" charset="0"/>
+                        <a:ea typeface="Calibri" panose="020F0502020204030204" pitchFamily="34" charset="0"/>
+                        <a:cs typeface="Times New Roman" panose="02020603050405020304" pitchFamily="18" charset="0"/>
+                      </a:endParaRPr>
+                    </a:p>
+                  </a:txBody>
+                  <a:tcPr marL="36162" marR="36162" marT="0" marB="0"/>
+                </a:tc>
+                <a:extLst>
+                  <a:ext uri="{0D108BD9-81ED-4DB2-BD59-A6C34878D82A}">
+                    <a16:rowId xmlns:a16="http://schemas.microsoft.com/office/drawing/2014/main" val="2700700577"/>
+                  </a:ext>
+                </a:extLst>
+              </a:tr>
+            </a:tbl>
+          </a:graphicData>
+        </a:graphic>
+      </p:graphicFrame>
+      <p:sp>
+        <p:nvSpPr>
+          <p:cNvPr id="5" name="Заголовок 1"/>
+          <p:cNvSpPr>
+            <a:spLocks noGrp="1"/>
+          </p:cNvSpPr>
+          <p:nvPr>
+            <p:ph type="title"/>
+          </p:nvPr>
+        </p:nvSpPr>
+        <p:spPr>
+          <a:xfrm>
+            <a:off x="0" y="147029"/>
+            <a:ext cx="3889829" cy="3263827"/>
+          </a:xfrm>
+        </p:spPr>
+        <p:txBody>
+          <a:bodyPr>
+            <a:normAutofit/>
+          </a:bodyPr>
+          <a:lstStyle/>
+          <a:p>
+            <a:r>
+              <a:rPr lang="ru-RU" dirty="0" smtClean="0">
+                <a:solidFill>
+                  <a:schemeClr val="tx1"/>
+                </a:solidFill>
+                <a:latin typeface="Times New Roman" panose="02020603050405020304" pitchFamily="18" charset="0"/>
+                <a:cs typeface="Times New Roman" panose="02020603050405020304" pitchFamily="18" charset="0"/>
+              </a:rPr>
+              <a:t>Калькуляционная карта</a:t>
+            </a:r>
+            <a:br>
+              <a:rPr lang="ru-RU" dirty="0" smtClean="0">
+                <a:solidFill>
+                  <a:schemeClr val="tx1"/>
+                </a:solidFill>
+                <a:latin typeface="Times New Roman" panose="02020603050405020304" pitchFamily="18" charset="0"/>
+                <a:cs typeface="Times New Roman" panose="02020603050405020304" pitchFamily="18" charset="0"/>
+              </a:rPr>
+            </a:br>
+            <a:r>
+              <a:rPr lang="ru-RU" dirty="0" smtClean="0">
+                <a:solidFill>
+                  <a:schemeClr val="tx1"/>
+                </a:solidFill>
+                <a:latin typeface="Times New Roman" panose="02020603050405020304" pitchFamily="18" charset="0"/>
+                <a:cs typeface="Times New Roman" panose="02020603050405020304" pitchFamily="18" charset="0"/>
+              </a:rPr>
+              <a:t>Пицца Маргарита</a:t>
+            </a:r>
+            <a:br>
+              <a:rPr lang="ru-RU" dirty="0" smtClean="0">
+                <a:solidFill>
+                  <a:schemeClr val="tx1"/>
+                </a:solidFill>
+                <a:latin typeface="Times New Roman" panose="02020603050405020304" pitchFamily="18" charset="0"/>
+                <a:cs typeface="Times New Roman" panose="02020603050405020304" pitchFamily="18" charset="0"/>
+              </a:rPr>
+            </a:br>
+            <a:r>
+              <a:rPr lang="ru-RU" dirty="0" smtClean="0">
+                <a:solidFill>
+                  <a:schemeClr val="tx1"/>
+                </a:solidFill>
+                <a:latin typeface="Times New Roman" panose="02020603050405020304" pitchFamily="18" charset="0"/>
+                <a:cs typeface="Times New Roman" panose="02020603050405020304" pitchFamily="18" charset="0"/>
+              </a:rPr>
+              <a:t>Рецептура №17</a:t>
+            </a:r>
+            <a:endParaRPr lang="ru-RU" dirty="0">
+              <a:solidFill>
+                <a:schemeClr val="tx1"/>
+              </a:solidFill>
+            </a:endParaRPr>
+          </a:p>
+        </p:txBody>
+      </p:sp>
+    </p:spTree>
+    <p:extLst>
+      <p:ext uri="{BB962C8B-B14F-4D97-AF65-F5344CB8AC3E}">
+        <p14:creationId xmlns:p14="http://schemas.microsoft.com/office/powerpoint/2010/main" val="2753343512"/>
+      </p:ext>
+    </p:extLst>
+  </p:cSld>
+  <p:clrMapOvr>
+    <a:masterClrMapping/>
+  </p:clrMapOvr>
+</p:sld>
+</file>
+
+<file path=ppt/slides/slide14.xml><?xml version="1.0" encoding="utf-8"?>
+<p:sld xmlns:a="http://schemas.openxmlformats.org/drawingml/2006/main" xmlns:r="http://schemas.openxmlformats.org/officeDocument/2006/relationships" xmlns:p="http://schemas.openxmlformats.org/presentationml/2006/main">
+  <p:cSld>
+    <p:spTree>
+      <p:nvGrpSpPr>
+        <p:cNvPr id="1" name=""/>
+        <p:cNvGrpSpPr/>
+        <p:nvPr/>
+      </p:nvGrpSpPr>
+      <p:grpSpPr>
+        <a:xfrm>
+          <a:off x="0" y="0"/>
+          <a:ext cx="0" cy="0"/>
+          <a:chOff x="0" y="0"/>
+          <a:chExt cx="0" cy="0"/>
+        </a:xfrm>
+      </p:grpSpPr>
+      <p:sp>
+        <p:nvSpPr>
+          <p:cNvPr id="2" name="Заголовок 1"/>
+          <p:cNvSpPr>
+            <a:spLocks noGrp="1"/>
+          </p:cNvSpPr>
+          <p:nvPr>
+            <p:ph type="title"/>
+          </p:nvPr>
+        </p:nvSpPr>
+        <p:spPr>
+          <a:xfrm>
+            <a:off x="0" y="45920"/>
+            <a:ext cx="12192000" cy="886350"/>
+          </a:xfrm>
+        </p:spPr>
+        <p:txBody>
+          <a:bodyPr>
+            <a:noAutofit/>
+          </a:bodyPr>
+          <a:lstStyle/>
+          <a:p>
+            <a:r>
+              <a:rPr lang="ru-RU" dirty="0">
+                <a:solidFill>
+                  <a:schemeClr val="tx1"/>
+                </a:solidFill>
+                <a:latin typeface="Times New Roman" panose="02020603050405020304" pitchFamily="18" charset="0"/>
+                <a:cs typeface="Times New Roman" panose="02020603050405020304" pitchFamily="18" charset="0"/>
+              </a:rPr>
+              <a:t>ТЕХНОЛОГИЧЕСКИХ СХЕМ ПРИГОТОВЛЕНИЯ </a:t>
+            </a:r>
+            <a:r>
+              <a:rPr lang="ru-RU" dirty="0" smtClean="0">
+                <a:solidFill>
+                  <a:schemeClr val="tx1"/>
+                </a:solidFill>
+                <a:latin typeface="Times New Roman" panose="02020603050405020304" pitchFamily="18" charset="0"/>
+                <a:cs typeface="Times New Roman" panose="02020603050405020304" pitchFamily="18" charset="0"/>
+              </a:rPr>
+              <a:t>ПИЦЦЫ</a:t>
+            </a:r>
+            <a:endParaRPr lang="ru-RU" dirty="0">
+              <a:solidFill>
+                <a:schemeClr val="tx1"/>
+              </a:solidFill>
+            </a:endParaRPr>
+          </a:p>
+        </p:txBody>
+      </p:sp>
+      <p:pic>
+        <p:nvPicPr>
+          <p:cNvPr id="5" name="Рисунок 4" descr="https://lh3.googleusercontent.com/zENhrvW7rtsLZeBncK5ICzKAkIDzPKY2CUqcbPFGHEtxwkOXv3Z4Ouy9oy_3iC27T2FfPPiwz6u5p7k4lXpUWplHlE-EqfTPCYQa2qNnWw"/>
+          <p:cNvPicPr/>
+          <p:nvPr/>
+        </p:nvPicPr>
+        <p:blipFill>
+          <a:blip r:embed="rId2">
+            <a:extLst>
+              <a:ext uri="{28A0092B-C50C-407E-A947-70E740481C1C}">
+                <a14:useLocalDpi xmlns:a14="http://schemas.microsoft.com/office/drawing/2010/main" val="0"/>
+              </a:ext>
+            </a:extLst>
+          </a:blip>
+          <a:srcRect/>
+          <a:stretch>
+            <a:fillRect/>
+          </a:stretch>
+        </p:blipFill>
+        <p:spPr bwMode="auto">
+          <a:xfrm>
+            <a:off x="1640114" y="932269"/>
+            <a:ext cx="8911771" cy="5686245"/>
+          </a:xfrm>
+          <a:prstGeom prst="rect">
+            <a:avLst/>
+          </a:prstGeom>
+          <a:noFill/>
+          <a:ln>
+            <a:noFill/>
+          </a:ln>
+        </p:spPr>
+      </p:pic>
+    </p:spTree>
+    <p:extLst>
+      <p:ext uri="{BB962C8B-B14F-4D97-AF65-F5344CB8AC3E}">
+        <p14:creationId xmlns:p14="http://schemas.microsoft.com/office/powerpoint/2010/main" val="2268914516"/>
+      </p:ext>
+    </p:extLst>
+  </p:cSld>
+  <p:clrMapOvr>
+    <a:masterClrMapping/>
+  </p:clrMapOvr>
+</p:sld>
+</file>
+
+<file path=ppt/slides/slide15.xml><?xml version="1.0" encoding="utf-8"?>
+<p:sld xmlns:a="http://schemas.openxmlformats.org/drawingml/2006/main" xmlns:r="http://schemas.openxmlformats.org/officeDocument/2006/relationships" xmlns:p="http://schemas.openxmlformats.org/presentationml/2006/main">
+  <p:cSld>
+    <p:spTree>
+      <p:nvGrpSpPr>
+        <p:cNvPr id="1" name=""/>
+        <p:cNvGrpSpPr/>
+        <p:nvPr/>
+      </p:nvGrpSpPr>
+      <p:grpSpPr>
+        <a:xfrm>
+          <a:off x="0" y="0"/>
+          <a:ext cx="0" cy="0"/>
+          <a:chOff x="0" y="0"/>
+          <a:chExt cx="0" cy="0"/>
+        </a:xfrm>
+      </p:grpSpPr>
+      <p:sp>
+        <p:nvSpPr>
+          <p:cNvPr id="2" name="Заголовок 1"/>
+          <p:cNvSpPr>
+            <a:spLocks noGrp="1"/>
+          </p:cNvSpPr>
+          <p:nvPr>
+            <p:ph type="title"/>
+          </p:nvPr>
+        </p:nvSpPr>
+        <p:spPr>
+          <a:xfrm>
+            <a:off x="1344992" y="319314"/>
+            <a:ext cx="8596668" cy="812800"/>
+          </a:xfrm>
+        </p:spPr>
+        <p:txBody>
+          <a:bodyPr/>
+          <a:lstStyle/>
+          <a:p>
+            <a:pPr algn="ctr"/>
+            <a:r>
+              <a:rPr lang="ru-RU" dirty="0" smtClean="0">
+                <a:solidFill>
+                  <a:schemeClr val="tx1"/>
+                </a:solidFill>
+                <a:latin typeface="Times New Roman" panose="02020603050405020304" pitchFamily="18" charset="0"/>
+                <a:cs typeface="Times New Roman" panose="02020603050405020304" pitchFamily="18" charset="0"/>
+              </a:rPr>
+              <a:t>ЗАКЛЮЧЕНИЕ</a:t>
+            </a:r>
+            <a:endParaRPr lang="ru-RU" dirty="0"/>
+          </a:p>
+        </p:txBody>
+      </p:sp>
+      <p:sp>
+        <p:nvSpPr>
+          <p:cNvPr id="3" name="Объект 2"/>
+          <p:cNvSpPr>
+            <a:spLocks noGrp="1"/>
+          </p:cNvSpPr>
+          <p:nvPr>
+            <p:ph idx="1"/>
+          </p:nvPr>
+        </p:nvSpPr>
+        <p:spPr>
+          <a:xfrm>
+            <a:off x="343505" y="1132114"/>
+            <a:ext cx="11296951" cy="5181600"/>
+          </a:xfrm>
+        </p:spPr>
+        <p:txBody>
+          <a:bodyPr>
+            <a:noAutofit/>
+          </a:bodyPr>
+          <a:lstStyle/>
+          <a:p>
+            <a:pPr marL="0" indent="0">
+              <a:buNone/>
+            </a:pPr>
+            <a:r>
+              <a:rPr lang="ru-RU" sz="3600" dirty="0">
+                <a:solidFill>
+                  <a:schemeClr val="tx1"/>
+                </a:solidFill>
+                <a:latin typeface="Times New Roman" panose="02020603050405020304" pitchFamily="18" charset="0"/>
+                <a:cs typeface="Times New Roman" panose="02020603050405020304" pitchFamily="18" charset="0"/>
+              </a:rPr>
+              <a:t>Исходя из представленных результатов применения технологии приготовления блюд в кафе-пиццерии, можно сделать вывод, что использование правильной технологии приготовления позволяет добиться высокого качества блюд, оптимизировать процесс приготовления, снизить затраты на продукты, сохранить безопасность пищевых продуктов и улучшить вкусовые качества блюд.</a:t>
+            </a:r>
+          </a:p>
+        </p:txBody>
+      </p:sp>
+    </p:spTree>
+    <p:extLst>
+      <p:ext uri="{BB962C8B-B14F-4D97-AF65-F5344CB8AC3E}">
+        <p14:creationId xmlns:p14="http://schemas.microsoft.com/office/powerpoint/2010/main" val="136652390"/>
+      </p:ext>
+    </p:extLst>
+  </p:cSld>
+  <p:clrMapOvr>
+    <a:masterClrMapping/>
+  </p:clrMapOvr>
+</p:sld>
+</file>
+
+<file path=ppt/slides/slide16.xml><?xml version="1.0" encoding="utf-8"?>
+<p:sld xmlns:a="http://schemas.openxmlformats.org/drawingml/2006/main" xmlns:r="http://schemas.openxmlformats.org/officeDocument/2006/relationships" xmlns:p="http://schemas.openxmlformats.org/presentationml/2006/main">
+  <p:cSld>
+    <p:spTree>
+      <p:nvGrpSpPr>
+        <p:cNvPr id="1" name=""/>
+        <p:cNvGrpSpPr/>
+        <p:nvPr/>
+      </p:nvGrpSpPr>
+      <p:grpSpPr>
+        <a:xfrm>
+          <a:off x="0" y="0"/>
+          <a:ext cx="0" cy="0"/>
+          <a:chOff x="0" y="0"/>
+          <a:chExt cx="0" cy="0"/>
+        </a:xfrm>
+      </p:grpSpPr>
+      <p:sp>
+        <p:nvSpPr>
+          <p:cNvPr id="2" name="Заголовок 1"/>
+          <p:cNvSpPr>
+            <a:spLocks noGrp="1"/>
+          </p:cNvSpPr>
+          <p:nvPr>
+            <p:ph type="title"/>
+          </p:nvPr>
+        </p:nvSpPr>
+        <p:spPr>
+          <a:xfrm>
+            <a:off x="282429" y="1967346"/>
+            <a:ext cx="11909571" cy="1681162"/>
+          </a:xfrm>
+        </p:spPr>
+        <p:txBody>
+          <a:bodyPr>
+            <a:normAutofit/>
+          </a:bodyPr>
+          <a:lstStyle/>
+          <a:p>
+            <a:r>
+              <a:rPr lang="ru-RU" sz="7200" dirty="0">
+                <a:solidFill>
+                  <a:schemeClr val="tx1"/>
+                </a:solidFill>
+                <a:latin typeface="Times New Roman" panose="02020603050405020304" pitchFamily="18" charset="0"/>
+                <a:cs typeface="Times New Roman" panose="02020603050405020304" pitchFamily="18" charset="0"/>
+              </a:rPr>
+              <a:t>СПАСИБО ЗА ПРОСМОТР!</a:t>
+            </a:r>
+            <a:endParaRPr lang="ru-RU" sz="7200" dirty="0">
+              <a:solidFill>
+                <a:schemeClr val="tx1"/>
+              </a:solidFill>
+            </a:endParaRPr>
+          </a:p>
+        </p:txBody>
+      </p:sp>
+    </p:spTree>
+    <p:extLst>
+      <p:ext uri="{BB962C8B-B14F-4D97-AF65-F5344CB8AC3E}">
+        <p14:creationId xmlns:p14="http://schemas.microsoft.com/office/powerpoint/2010/main" val="3590306646"/>
+      </p:ext>
+    </p:extLst>
+  </p:cSld>
+  <p:clrMapOvr>
+    <a:masterClrMapping/>
+  </p:clrMapOvr>
 </p:sld>
 </file>
 
@@ -6893,7 +11665,7 @@
         <p:spPr>
           <a:xfrm>
             <a:off x="1141413" y="0"/>
-            <a:ext cx="9905998" cy="1094509"/>
+            <a:ext cx="9905998" cy="845127"/>
           </a:xfrm>
         </p:spPr>
         <p:txBody>
@@ -6929,8 +11701,8 @@
         </p:nvSpPr>
         <p:spPr>
           <a:xfrm>
-            <a:off x="504102" y="1094509"/>
-            <a:ext cx="11396953" cy="3970318"/>
+            <a:off x="0" y="845127"/>
+            <a:ext cx="12191999" cy="4401205"/>
           </a:xfrm>
           <a:prstGeom prst="rect">
             <a:avLst/>
@@ -6938,7 +11710,7 @@
           <a:noFill/>
         </p:spPr>
         <p:txBody>
-          <a:bodyPr wrap="square" rtlCol="0">
+          <a:bodyPr wrap="square" numCol="1" rtlCol="0">
             <a:spAutoFit/>
           </a:bodyPr>
           <a:lstStyle/>
@@ -6948,23 +11720,12 @@
               <a:buChar char="•"/>
             </a:pPr>
             <a:r>
-              <a:rPr lang="ru-RU" sz="3600" dirty="0">
+              <a:rPr lang="ru-RU" sz="4000" dirty="0" smtClean="0">
                 <a:latin typeface="Times New Roman" panose="02020603050405020304" pitchFamily="18" charset="0"/>
                 <a:cs typeface="Times New Roman" panose="02020603050405020304" pitchFamily="18" charset="0"/>
               </a:rPr>
-              <a:t>ОПИСАНИЕ </a:t>
-            </a:r>
-            <a:r>
-              <a:rPr lang="ru-RU" sz="3600" dirty="0" smtClean="0">
-                <a:latin typeface="Times New Roman" panose="02020603050405020304" pitchFamily="18" charset="0"/>
-                <a:cs typeface="Times New Roman" panose="02020603050405020304" pitchFamily="18" charset="0"/>
-              </a:rPr>
-              <a:t>КАФЕ-ПИЦЦЕРИИ «Фиеста Пицца»</a:t>
-            </a:r>
-            <a:endParaRPr lang="ru-RU" sz="3600" dirty="0">
-              <a:latin typeface="Times New Roman" panose="02020603050405020304" pitchFamily="18" charset="0"/>
-              <a:cs typeface="Times New Roman" panose="02020603050405020304" pitchFamily="18" charset="0"/>
-            </a:endParaRPr>
+              <a:t>ВЕДЕНИЕ</a:t>
+            </a:r>
           </a:p>
           <a:p>
             <a:pPr marL="285750" indent="-285750">
@@ -6972,11 +11733,11 @@
               <a:buChar char="•"/>
             </a:pPr>
             <a:r>
-              <a:rPr lang="ru-RU" sz="3600" dirty="0" smtClean="0">
+              <a:rPr lang="ru-RU" sz="4000" dirty="0" smtClean="0">
                 <a:latin typeface="Times New Roman" panose="02020603050405020304" pitchFamily="18" charset="0"/>
                 <a:cs typeface="Times New Roman" panose="02020603050405020304" pitchFamily="18" charset="0"/>
               </a:rPr>
-              <a:t>НОВЫЕ ВИДА ОБОРУДОВАНИЯ И ИХ ТЕХНИКА БЕЗОПАСНОСТИ</a:t>
+              <a:t>ТЕОРЕТИЧЕСКАЯ ЧАСТЬ</a:t>
             </a:r>
           </a:p>
           <a:p>
@@ -6985,18 +11746,11 @@
               <a:buChar char="•"/>
             </a:pPr>
             <a:r>
-              <a:rPr lang="ru-RU" sz="3600" dirty="0" smtClean="0">
+              <a:rPr lang="ru-RU" sz="4000" dirty="0">
                 <a:latin typeface="Times New Roman" panose="02020603050405020304" pitchFamily="18" charset="0"/>
                 <a:cs typeface="Times New Roman" panose="02020603050405020304" pitchFamily="18" charset="0"/>
               </a:rPr>
-              <a:t>ХАРАКТЕРИСТИКА </a:t>
-            </a:r>
-            <a:r>
-              <a:rPr lang="ru-RU" sz="3600" dirty="0">
-                <a:latin typeface="Times New Roman" panose="02020603050405020304" pitchFamily="18" charset="0"/>
-                <a:cs typeface="Times New Roman" panose="02020603050405020304" pitchFamily="18" charset="0"/>
-              </a:rPr>
-              <a:t>ОСНОВНЫХ БЛЮД</a:t>
+              <a:t>ОПИСАНИЕ КАФЕ-ПИЦЦЕРИИ «Фиеста Пицца»</a:t>
             </a:r>
           </a:p>
           <a:p>
@@ -7005,18 +11759,24 @@
               <a:buChar char="•"/>
             </a:pPr>
             <a:r>
-              <a:rPr lang="ru-RU" sz="3600" dirty="0" smtClean="0">
+              <a:rPr lang="ru-RU" sz="4000" dirty="0" smtClean="0">
                 <a:latin typeface="Times New Roman" panose="02020603050405020304" pitchFamily="18" charset="0"/>
                 <a:cs typeface="Times New Roman" panose="02020603050405020304" pitchFamily="18" charset="0"/>
               </a:rPr>
-              <a:t>РАСЧЕТ </a:t>
-            </a:r>
-            <a:r>
-              <a:rPr lang="ru-RU" sz="3600" dirty="0">
+              <a:t>ПРАКТИЧЕСКАЯ ЧАСТЬ</a:t>
+            </a:r>
+          </a:p>
+          <a:p>
+            <a:pPr marL="285750" lvl="1" indent="-285750">
+              <a:buFont typeface="Arial" panose="020B0604020202020204" pitchFamily="34" charset="0"/>
+              <a:buChar char="•"/>
+            </a:pPr>
+            <a:r>
+              <a:rPr lang="ru-RU" sz="4000" dirty="0" smtClean="0">
                 <a:latin typeface="Times New Roman" panose="02020603050405020304" pitchFamily="18" charset="0"/>
                 <a:cs typeface="Times New Roman" panose="02020603050405020304" pitchFamily="18" charset="0"/>
               </a:rPr>
-              <a:t>КАЛЬКУЛЯЦИИ БЛЮД</a:t>
+              <a:t>ТЕХНОЛОГИЧЕСКИХ СХЕМ ПРИГОТОВЛЕНИЯ ПИЦЦЫ</a:t>
             </a:r>
           </a:p>
           <a:p>
@@ -7025,13 +11785,13 @@
               <a:buChar char="•"/>
             </a:pPr>
             <a:r>
-              <a:rPr lang="ru-RU" sz="3600" dirty="0" smtClean="0">
+              <a:rPr lang="ru-RU" sz="4000" dirty="0" smtClean="0">
                 <a:latin typeface="Times New Roman" panose="02020603050405020304" pitchFamily="18" charset="0"/>
                 <a:cs typeface="Times New Roman" panose="02020603050405020304" pitchFamily="18" charset="0"/>
               </a:rPr>
-              <a:t>ТЕХНОЛОГИЧЕСКИХ СХЕМ ПРИГОТОВЛЕНИЯ БЛЮД</a:t>
-            </a:r>
-            <a:endParaRPr lang="ru-RU" sz="3600" dirty="0">
+              <a:t>ЗАКЛЮЧЕНИЕ</a:t>
+            </a:r>
+            <a:endParaRPr lang="ru-RU" sz="4000" dirty="0">
               <a:latin typeface="Times New Roman" panose="02020603050405020304" pitchFamily="18" charset="0"/>
               <a:cs typeface="Times New Roman" panose="02020603050405020304" pitchFamily="18" charset="0"/>
             </a:endParaRPr>
@@ -7080,8 +11840,469 @@
         </p:nvSpPr>
         <p:spPr>
           <a:xfrm>
-            <a:off x="396517" y="405846"/>
-            <a:ext cx="11698501" cy="1141009"/>
+            <a:off x="3286125" y="0"/>
+            <a:ext cx="4187652" cy="775855"/>
+          </a:xfrm>
+        </p:spPr>
+        <p:txBody>
+          <a:bodyPr>
+            <a:normAutofit/>
+          </a:bodyPr>
+          <a:lstStyle/>
+          <a:p>
+            <a:pPr algn="ctr"/>
+            <a:r>
+              <a:rPr lang="ru-RU" sz="4400" dirty="0" smtClean="0">
+                <a:solidFill>
+                  <a:schemeClr val="tx1"/>
+                </a:solidFill>
+                <a:latin typeface="Times New Roman" panose="02020603050405020304" pitchFamily="18" charset="0"/>
+                <a:cs typeface="Times New Roman" panose="02020603050405020304" pitchFamily="18" charset="0"/>
+              </a:rPr>
+              <a:t>ВЕДЕНИЕ</a:t>
+            </a:r>
+            <a:endParaRPr lang="ru-RU" sz="4400" dirty="0"/>
+          </a:p>
+        </p:txBody>
+      </p:sp>
+      <p:sp>
+        <p:nvSpPr>
+          <p:cNvPr id="4" name="Rectangle 1"/>
+          <p:cNvSpPr>
+            <a:spLocks noGrp="1" noChangeArrowheads="1"/>
+          </p:cNvSpPr>
+          <p:nvPr>
+            <p:ph idx="1"/>
+          </p:nvPr>
+        </p:nvSpPr>
+        <p:spPr bwMode="auto">
+          <a:xfrm>
+            <a:off x="124690" y="1270863"/>
+            <a:ext cx="11914909" cy="5473293"/>
+          </a:xfrm>
+          <a:prstGeom prst="rect">
+            <a:avLst/>
+          </a:prstGeom>
+          <a:noFill/>
+          <a:ln>
+            <a:noFill/>
+          </a:ln>
+          <a:effectLst/>
+          <a:extLst>
+            <a:ext uri="{909E8E84-426E-40DD-AFC4-6F175D3DCCD1}">
+              <a14:hiddenFill xmlns:a14="http://schemas.microsoft.com/office/drawing/2010/main">
+                <a:solidFill>
+                  <a:schemeClr val="accent1"/>
+                </a:solidFill>
+              </a14:hiddenFill>
+            </a:ext>
+            <a:ext uri="{91240B29-F687-4F45-9708-019B960494DF}">
+              <a14:hiddenLine xmlns:a14="http://schemas.microsoft.com/office/drawing/2010/main" w="9525">
+                <a:solidFill>
+                  <a:schemeClr val="tx1"/>
+                </a:solidFill>
+                <a:miter lim="800000"/>
+                <a:headEnd/>
+                <a:tailEnd/>
+              </a14:hiddenLine>
+            </a:ext>
+            <a:ext uri="{AF507438-7753-43E0-B8FC-AC1667EBCBE1}">
+              <a14:hiddenEffects xmlns:a14="http://schemas.microsoft.com/office/drawing/2010/main">
+                <a:effectLst>
+                  <a:outerShdw dist="35921" dir="2700000" algn="ctr" rotWithShape="0">
+                    <a:schemeClr val="bg2"/>
+                  </a:outerShdw>
+                </a:effectLst>
+              </a14:hiddenEffects>
+            </a:ext>
+          </a:extLst>
+        </p:spPr>
+        <p:txBody>
+          <a:bodyPr vert="horz" wrap="square" lIns="91440" tIns="45720" rIns="91440" bIns="45720" numCol="1" anchor="ctr" anchorCtr="0" compatLnSpc="1">
+            <a:prstTxWarp prst="textNoShape">
+              <a:avLst/>
+            </a:prstTxWarp>
+            <a:spAutoFit/>
+          </a:bodyPr>
+          <a:lstStyle/>
+          <a:p>
+            <a:pPr marL="0" marR="0" lvl="0" indent="0" algn="l" defTabSz="914400" rtl="0" eaLnBrk="0" fontAlgn="base" latinLnBrk="0" hangingPunct="0">
+              <a:lnSpc>
+                <a:spcPct val="100000"/>
+              </a:lnSpc>
+              <a:spcBef>
+                <a:spcPct val="0"/>
+              </a:spcBef>
+              <a:spcAft>
+                <a:spcPct val="0"/>
+              </a:spcAft>
+              <a:buClrTx/>
+              <a:buSzTx/>
+              <a:buFontTx/>
+              <a:buNone/>
+              <a:tabLst/>
+            </a:pPr>
+            <a:r>
+              <a:rPr kumimoji="0" lang="ru-RU" altLang="ru-RU" sz="2800" b="1" i="0" u="none" strike="noStrike" cap="none" normalizeH="0" baseline="0" dirty="0" smtClean="0">
+                <a:ln>
+                  <a:noFill/>
+                </a:ln>
+                <a:solidFill>
+                  <a:schemeClr val="tx1"/>
+                </a:solidFill>
+                <a:effectLst/>
+                <a:latin typeface="Times New Roman" panose="02020603050405020304" pitchFamily="18" charset="0"/>
+                <a:ea typeface="Calibri" panose="020F0502020204030204" pitchFamily="34" charset="0"/>
+                <a:cs typeface="Times New Roman" panose="02020603050405020304" pitchFamily="18" charset="0"/>
+              </a:rPr>
+              <a:t>Кафе-пиццерия</a:t>
+            </a:r>
+            <a:r>
+              <a:rPr kumimoji="0" lang="ru-RU" altLang="ru-RU" sz="2800" b="0" i="0" u="none" strike="noStrike" cap="none" normalizeH="0" baseline="0" dirty="0" smtClean="0">
+                <a:ln>
+                  <a:noFill/>
+                </a:ln>
+                <a:solidFill>
+                  <a:schemeClr val="tx1"/>
+                </a:solidFill>
+                <a:effectLst/>
+                <a:latin typeface="Times New Roman" panose="02020603050405020304" pitchFamily="18" charset="0"/>
+                <a:ea typeface="Calibri" panose="020F0502020204030204" pitchFamily="34" charset="0"/>
+                <a:cs typeface="Times New Roman" panose="02020603050405020304" pitchFamily="18" charset="0"/>
+              </a:rPr>
+              <a:t> - это заведение общественного питания, которое</a:t>
+            </a:r>
+            <a:r>
+              <a:rPr kumimoji="0" lang="ru-RU" altLang="ru-RU" sz="2800" b="0" i="0" u="none" strike="noStrike" cap="none" normalizeH="0" dirty="0" smtClean="0">
+                <a:ln>
+                  <a:noFill/>
+                </a:ln>
+                <a:solidFill>
+                  <a:schemeClr val="tx1"/>
+                </a:solidFill>
+                <a:effectLst/>
+                <a:latin typeface="Times New Roman" panose="02020603050405020304" pitchFamily="18" charset="0"/>
+                <a:ea typeface="Calibri" panose="020F0502020204030204" pitchFamily="34" charset="0"/>
+                <a:cs typeface="Times New Roman" panose="02020603050405020304" pitchFamily="18" charset="0"/>
+              </a:rPr>
+              <a:t> </a:t>
+            </a:r>
+            <a:r>
+              <a:rPr kumimoji="0" lang="ru-RU" altLang="ru-RU" sz="2800" b="0" i="0" u="none" strike="noStrike" cap="none" normalizeH="0" baseline="0" dirty="0" smtClean="0">
+                <a:ln>
+                  <a:noFill/>
+                </a:ln>
+                <a:solidFill>
+                  <a:schemeClr val="tx1"/>
+                </a:solidFill>
+                <a:effectLst/>
+                <a:latin typeface="Times New Roman" panose="02020603050405020304" pitchFamily="18" charset="0"/>
+                <a:ea typeface="Calibri" panose="020F0502020204030204" pitchFamily="34" charset="0"/>
+                <a:cs typeface="Times New Roman" panose="02020603050405020304" pitchFamily="18" charset="0"/>
+              </a:rPr>
+              <a:t>специализируется на приготовлении и продаже пиццы,</a:t>
+            </a:r>
+            <a:r>
+              <a:rPr kumimoji="0" lang="ru-RU" altLang="ru-RU" sz="2800" b="0" i="0" u="none" strike="noStrike" cap="none" normalizeH="0" dirty="0" smtClean="0">
+                <a:ln>
+                  <a:noFill/>
+                </a:ln>
+                <a:solidFill>
+                  <a:schemeClr val="tx1"/>
+                </a:solidFill>
+                <a:effectLst/>
+                <a:latin typeface="Times New Roman" panose="02020603050405020304" pitchFamily="18" charset="0"/>
+                <a:ea typeface="Calibri" panose="020F0502020204030204" pitchFamily="34" charset="0"/>
+                <a:cs typeface="Times New Roman" panose="02020603050405020304" pitchFamily="18" charset="0"/>
+              </a:rPr>
+              <a:t> </a:t>
+            </a:r>
+            <a:r>
+              <a:rPr kumimoji="0" lang="ru-RU" altLang="ru-RU" sz="2800" b="0" i="0" u="none" strike="noStrike" cap="none" normalizeH="0" baseline="0" dirty="0" smtClean="0">
+                <a:ln>
+                  <a:noFill/>
+                </a:ln>
+                <a:solidFill>
+                  <a:schemeClr val="tx1"/>
+                </a:solidFill>
+                <a:effectLst/>
+                <a:latin typeface="Times New Roman" panose="02020603050405020304" pitchFamily="18" charset="0"/>
+                <a:ea typeface="Calibri" panose="020F0502020204030204" pitchFamily="34" charset="0"/>
+                <a:cs typeface="Times New Roman" panose="02020603050405020304" pitchFamily="18" charset="0"/>
+              </a:rPr>
+              <a:t>а также других</a:t>
+            </a:r>
+            <a:r>
+              <a:rPr kumimoji="0" lang="ru-RU" altLang="ru-RU" sz="2800" b="0" i="0" u="none" strike="noStrike" cap="none" normalizeH="0" dirty="0" smtClean="0">
+                <a:ln>
+                  <a:noFill/>
+                </a:ln>
+                <a:solidFill>
+                  <a:schemeClr val="tx1"/>
+                </a:solidFill>
+                <a:effectLst/>
+                <a:latin typeface="Times New Roman" panose="02020603050405020304" pitchFamily="18" charset="0"/>
+                <a:ea typeface="Calibri" panose="020F0502020204030204" pitchFamily="34" charset="0"/>
+                <a:cs typeface="Times New Roman" panose="02020603050405020304" pitchFamily="18" charset="0"/>
+              </a:rPr>
+              <a:t> </a:t>
+            </a:r>
+            <a:r>
+              <a:rPr kumimoji="0" lang="ru-RU" altLang="ru-RU" sz="2800" b="0" i="0" u="none" strike="noStrike" cap="none" normalizeH="0" baseline="0" dirty="0" smtClean="0">
+                <a:ln>
+                  <a:noFill/>
+                </a:ln>
+                <a:solidFill>
+                  <a:schemeClr val="tx1"/>
+                </a:solidFill>
+                <a:effectLst/>
+                <a:latin typeface="Times New Roman" panose="02020603050405020304" pitchFamily="18" charset="0"/>
+                <a:ea typeface="Calibri" panose="020F0502020204030204" pitchFamily="34" charset="0"/>
+                <a:cs typeface="Times New Roman" panose="02020603050405020304" pitchFamily="18" charset="0"/>
+              </a:rPr>
+              <a:t>блюд и </a:t>
+            </a:r>
+            <a:r>
+              <a:rPr lang="ru-RU" altLang="ru-RU" sz="2800" dirty="0" smtClean="0">
+                <a:solidFill>
+                  <a:schemeClr val="tx1"/>
+                </a:solidFill>
+                <a:latin typeface="Times New Roman" panose="02020603050405020304" pitchFamily="18" charset="0"/>
+                <a:ea typeface="Calibri" panose="020F0502020204030204" pitchFamily="34" charset="0"/>
+                <a:cs typeface="Times New Roman" panose="02020603050405020304" pitchFamily="18" charset="0"/>
+              </a:rPr>
+              <a:t>напитков.</a:t>
+            </a:r>
+          </a:p>
+          <a:p>
+            <a:r>
+              <a:rPr lang="ru-RU" sz="2800" dirty="0">
+                <a:solidFill>
+                  <a:schemeClr val="tx1"/>
+                </a:solidFill>
+                <a:latin typeface="Times New Roman" panose="02020603050405020304" pitchFamily="18" charset="0"/>
+                <a:ea typeface="Calibri" panose="020F0502020204030204" pitchFamily="34" charset="0"/>
+                <a:cs typeface="Times New Roman" panose="02020603050405020304" pitchFamily="18" charset="0"/>
+              </a:rPr>
+              <a:t>Необходимо осветить актуальные направления в приготовлении сложной кулинарной продукции в кафе пиццерии;</a:t>
+            </a:r>
+          </a:p>
+          <a:p>
+            <a:r>
+              <a:rPr lang="ru-RU" sz="2800" dirty="0" smtClean="0">
+                <a:solidFill>
+                  <a:schemeClr val="tx1"/>
+                </a:solidFill>
+                <a:latin typeface="Times New Roman" panose="02020603050405020304" pitchFamily="18" charset="0"/>
+                <a:ea typeface="Calibri" panose="020F0502020204030204" pitchFamily="34" charset="0"/>
+                <a:cs typeface="Times New Roman" panose="02020603050405020304" pitchFamily="18" charset="0"/>
+              </a:rPr>
+              <a:t>Представить </a:t>
+            </a:r>
+            <a:r>
+              <a:rPr lang="ru-RU" sz="2800" dirty="0">
+                <a:solidFill>
+                  <a:schemeClr val="tx1"/>
+                </a:solidFill>
+                <a:latin typeface="Times New Roman" panose="02020603050405020304" pitchFamily="18" charset="0"/>
+                <a:ea typeface="Calibri" panose="020F0502020204030204" pitchFamily="34" charset="0"/>
+                <a:cs typeface="Times New Roman" panose="02020603050405020304" pitchFamily="18" charset="0"/>
+              </a:rPr>
+              <a:t>и описать новые виды оборудования, и их технику безопасности в кафе </a:t>
+            </a:r>
+            <a:r>
+              <a:rPr lang="ru-RU" sz="2800" dirty="0">
+                <a:solidFill>
+                  <a:schemeClr val="tx1"/>
+                </a:solidFill>
+                <a:latin typeface="Times New Roman" panose="02020603050405020304" pitchFamily="18" charset="0"/>
+                <a:ea typeface="Calibri" panose="020F0502020204030204" pitchFamily="34" charset="0"/>
+                <a:cs typeface="Times New Roman" panose="02020603050405020304" pitchFamily="18" charset="0"/>
+              </a:rPr>
+              <a:t>пиццерии;</a:t>
+            </a:r>
+          </a:p>
+          <a:p>
+            <a:r>
+              <a:rPr lang="ru-RU" sz="2800" dirty="0">
+                <a:solidFill>
+                  <a:schemeClr val="tx1"/>
+                </a:solidFill>
+                <a:latin typeface="Times New Roman" panose="02020603050405020304" pitchFamily="18" charset="0"/>
+                <a:ea typeface="Calibri" panose="020F0502020204030204" pitchFamily="34" charset="0"/>
+                <a:cs typeface="Times New Roman" panose="02020603050405020304" pitchFamily="18" charset="0"/>
+              </a:rPr>
+              <a:t>Описать </a:t>
+            </a:r>
+            <a:r>
+              <a:rPr lang="ru-RU" sz="2800" dirty="0">
+                <a:solidFill>
+                  <a:schemeClr val="tx1"/>
+                </a:solidFill>
+                <a:latin typeface="Times New Roman" panose="02020603050405020304" pitchFamily="18" charset="0"/>
+                <a:ea typeface="Calibri" panose="020F0502020204030204" pitchFamily="34" charset="0"/>
+                <a:cs typeface="Times New Roman" panose="02020603050405020304" pitchFamily="18" charset="0"/>
+              </a:rPr>
+              <a:t>новые виды сырья, </a:t>
+            </a:r>
+            <a:r>
+              <a:rPr lang="ru-RU" sz="2800" dirty="0" smtClean="0">
+                <a:solidFill>
+                  <a:schemeClr val="tx1"/>
+                </a:solidFill>
+                <a:latin typeface="Times New Roman" panose="02020603050405020304" pitchFamily="18" charset="0"/>
+                <a:ea typeface="Calibri" panose="020F0502020204030204" pitchFamily="34" charset="0"/>
+                <a:cs typeface="Times New Roman" panose="02020603050405020304" pitchFamily="18" charset="0"/>
+              </a:rPr>
+              <a:t>описать </a:t>
+            </a:r>
+            <a:r>
+              <a:rPr lang="ru-RU" sz="2800" dirty="0">
+                <a:solidFill>
+                  <a:schemeClr val="tx1"/>
+                </a:solidFill>
+                <a:latin typeface="Times New Roman" panose="02020603050405020304" pitchFamily="18" charset="0"/>
+                <a:ea typeface="Calibri" panose="020F0502020204030204" pitchFamily="34" charset="0"/>
+                <a:cs typeface="Times New Roman" panose="02020603050405020304" pitchFamily="18" charset="0"/>
+              </a:rPr>
+              <a:t>требование к качеству и контрольной отработкой, для </a:t>
+            </a:r>
+            <a:r>
+              <a:rPr lang="ru-RU" sz="2800" dirty="0" smtClean="0">
+                <a:solidFill>
+                  <a:schemeClr val="tx1"/>
+                </a:solidFill>
+                <a:latin typeface="Times New Roman" panose="02020603050405020304" pitchFamily="18" charset="0"/>
+                <a:ea typeface="Calibri" panose="020F0502020204030204" pitchFamily="34" charset="0"/>
+                <a:cs typeface="Times New Roman" panose="02020603050405020304" pitchFamily="18" charset="0"/>
+              </a:rPr>
+              <a:t>использования;</a:t>
+            </a:r>
+          </a:p>
+          <a:p>
+            <a:r>
+              <a:rPr lang="ru-RU" sz="2800" dirty="0" smtClean="0">
+                <a:solidFill>
+                  <a:schemeClr val="tx1"/>
+                </a:solidFill>
+                <a:latin typeface="Times New Roman" panose="02020603050405020304" pitchFamily="18" charset="0"/>
+                <a:ea typeface="Calibri" panose="020F0502020204030204" pitchFamily="34" charset="0"/>
+                <a:cs typeface="Times New Roman" panose="02020603050405020304" pitchFamily="18" charset="0"/>
+              </a:rPr>
+              <a:t>Провести </a:t>
+            </a:r>
+            <a:r>
+              <a:rPr lang="ru-RU" sz="2800" dirty="0">
+                <a:solidFill>
+                  <a:schemeClr val="tx1"/>
+                </a:solidFill>
+                <a:latin typeface="Times New Roman" panose="02020603050405020304" pitchFamily="18" charset="0"/>
+                <a:ea typeface="Calibri" panose="020F0502020204030204" pitchFamily="34" charset="0"/>
+                <a:cs typeface="Times New Roman" panose="02020603050405020304" pitchFamily="18" charset="0"/>
+              </a:rPr>
+              <a:t>анализ по предприятию общественного </a:t>
+            </a:r>
+            <a:r>
+              <a:rPr lang="ru-RU" sz="2800" dirty="0" smtClean="0">
+                <a:solidFill>
+                  <a:schemeClr val="tx1"/>
+                </a:solidFill>
+                <a:latin typeface="Times New Roman" panose="02020603050405020304" pitchFamily="18" charset="0"/>
+                <a:ea typeface="Calibri" panose="020F0502020204030204" pitchFamily="34" charset="0"/>
+                <a:cs typeface="Times New Roman" panose="02020603050405020304" pitchFamily="18" charset="0"/>
+              </a:rPr>
+              <a:t>питания;</a:t>
+            </a:r>
+          </a:p>
+          <a:p>
+            <a:r>
+              <a:rPr lang="ru-RU" sz="2800" dirty="0" smtClean="0">
+                <a:solidFill>
+                  <a:schemeClr val="tx1"/>
+                </a:solidFill>
+                <a:latin typeface="Times New Roman" panose="02020603050405020304" pitchFamily="18" charset="0"/>
+                <a:ea typeface="Calibri" panose="020F0502020204030204" pitchFamily="34" charset="0"/>
+                <a:cs typeface="Times New Roman" panose="02020603050405020304" pitchFamily="18" charset="0"/>
+              </a:rPr>
+              <a:t>Описать </a:t>
+            </a:r>
+            <a:r>
+              <a:rPr lang="ru-RU" sz="2800" dirty="0">
+                <a:solidFill>
+                  <a:schemeClr val="tx1"/>
+                </a:solidFill>
+                <a:latin typeface="Times New Roman" panose="02020603050405020304" pitchFamily="18" charset="0"/>
+                <a:ea typeface="Calibri" panose="020F0502020204030204" pitchFamily="34" charset="0"/>
+                <a:cs typeface="Times New Roman" panose="02020603050405020304" pitchFamily="18" charset="0"/>
+              </a:rPr>
+              <a:t>актуальность данной дипломной работы для кафе </a:t>
+            </a:r>
+            <a:r>
+              <a:rPr lang="ru-RU" sz="2800" dirty="0" smtClean="0">
+                <a:solidFill>
+                  <a:schemeClr val="tx1"/>
+                </a:solidFill>
+                <a:latin typeface="Times New Roman" panose="02020603050405020304" pitchFamily="18" charset="0"/>
+                <a:ea typeface="Calibri" panose="020F0502020204030204" pitchFamily="34" charset="0"/>
+                <a:cs typeface="Times New Roman" panose="02020603050405020304" pitchFamily="18" charset="0"/>
+              </a:rPr>
+              <a:t>пиццерии;</a:t>
+            </a:r>
+            <a:endParaRPr lang="ru-RU" altLang="ru-RU" sz="2800" dirty="0">
+              <a:solidFill>
+                <a:schemeClr val="tx1"/>
+              </a:solidFill>
+              <a:latin typeface="Times New Roman" panose="02020603050405020304" pitchFamily="18" charset="0"/>
+              <a:ea typeface="Calibri" panose="020F0502020204030204" pitchFamily="34" charset="0"/>
+              <a:cs typeface="Times New Roman" panose="02020603050405020304" pitchFamily="18" charset="0"/>
+            </a:endParaRPr>
+          </a:p>
+        </p:txBody>
+      </p:sp>
+    </p:spTree>
+    <p:extLst>
+      <p:ext uri="{BB962C8B-B14F-4D97-AF65-F5344CB8AC3E}">
+        <p14:creationId xmlns:p14="http://schemas.microsoft.com/office/powerpoint/2010/main" val="4086868549"/>
+      </p:ext>
+    </p:extLst>
+  </p:cSld>
+  <p:clrMapOvr>
+    <a:masterClrMapping/>
+  </p:clrMapOvr>
+</p:sld>
+</file>
+
+<file path=ppt/slides/slide4.xml><?xml version="1.0" encoding="utf-8"?>
+<p:sld xmlns:a="http://schemas.openxmlformats.org/drawingml/2006/main" xmlns:r="http://schemas.openxmlformats.org/officeDocument/2006/relationships" xmlns:p="http://schemas.openxmlformats.org/presentationml/2006/main">
+  <p:cSld>
+    <p:spTree>
+      <p:nvGrpSpPr>
+        <p:cNvPr id="1" name=""/>
+        <p:cNvGrpSpPr/>
+        <p:nvPr/>
+      </p:nvGrpSpPr>
+      <p:grpSpPr>
+        <a:xfrm>
+          <a:off x="0" y="0"/>
+          <a:ext cx="0" cy="0"/>
+          <a:chOff x="0" y="0"/>
+          <a:chExt cx="0" cy="0"/>
+        </a:xfrm>
+      </p:grpSpPr>
+      <p:sp>
+        <p:nvSpPr>
+          <p:cNvPr id="2" name="Заголовок 1"/>
+          <p:cNvSpPr>
+            <a:spLocks noGrp="1"/>
+          </p:cNvSpPr>
+          <p:nvPr>
+            <p:ph type="title"/>
+          </p:nvPr>
+        </p:nvSpPr>
+        <p:spPr>
+          <a:xfrm>
+            <a:off x="244117" y="0"/>
+            <a:ext cx="11698501" cy="1233055"/>
           </a:xfrm>
         </p:spPr>
         <p:txBody>
@@ -7090,23 +12311,46 @@
           </a:bodyPr>
           <a:lstStyle/>
           <a:p>
-            <a:r>
-              <a:rPr lang="ru-RU" sz="4400" dirty="0">
+            <a:pPr algn="ctr"/>
+            <a:r>
+              <a:rPr lang="ru-RU" sz="4400" dirty="0" smtClean="0">
                 <a:solidFill>
                   <a:schemeClr val="tx1"/>
                 </a:solidFill>
                 <a:latin typeface="Times New Roman" panose="02020603050405020304" pitchFamily="18" charset="0"/>
                 <a:cs typeface="Times New Roman" panose="02020603050405020304" pitchFamily="18" charset="0"/>
               </a:rPr>
-              <a:t>ОПИСАНИЕ КАФЕ-ПИЦЦЕРИИ «Фиеста Пицца»</a:t>
-            </a:r>
-            <a:endParaRPr lang="ru-RU" sz="4400" dirty="0">
-              <a:solidFill>
-                <a:schemeClr val="tx1"/>
-              </a:solidFill>
-              <a:latin typeface="Times New Roman" panose="02020603050405020304" pitchFamily="18" charset="0"/>
-              <a:cs typeface="Times New Roman" panose="02020603050405020304" pitchFamily="18" charset="0"/>
-            </a:endParaRPr>
+              <a:t>ТЕОРЕТИЧЕСКАЯ ЧАСТЬ</a:t>
+            </a:r>
+            <a:br>
+              <a:rPr lang="ru-RU" sz="4400" dirty="0" smtClean="0">
+                <a:solidFill>
+                  <a:schemeClr val="tx1"/>
+                </a:solidFill>
+                <a:latin typeface="Times New Roman" panose="02020603050405020304" pitchFamily="18" charset="0"/>
+                <a:cs typeface="Times New Roman" panose="02020603050405020304" pitchFamily="18" charset="0"/>
+              </a:rPr>
+            </a:br>
+            <a:r>
+              <a:rPr lang="ru-RU" sz="4400" dirty="0" smtClean="0">
+                <a:solidFill>
+                  <a:schemeClr val="tx1"/>
+                </a:solidFill>
+                <a:latin typeface="Times New Roman" panose="02020603050405020304" pitchFamily="18" charset="0"/>
+                <a:cs typeface="Times New Roman" panose="02020603050405020304" pitchFamily="18" charset="0"/>
+              </a:rPr>
+              <a:t>ОПИСАНИЕ </a:t>
+            </a:r>
+            <a:r>
+              <a:rPr lang="ru-RU" sz="4400" dirty="0">
+                <a:solidFill>
+                  <a:schemeClr val="tx1"/>
+                </a:solidFill>
+                <a:latin typeface="Times New Roman" panose="02020603050405020304" pitchFamily="18" charset="0"/>
+                <a:cs typeface="Times New Roman" panose="02020603050405020304" pitchFamily="18" charset="0"/>
+              </a:rPr>
+              <a:t>КАФЕ-ПИЦЦЕРИИ «Фиеста Пицца»</a:t>
+            </a:r>
           </a:p>
         </p:txBody>
       </p:sp>
@@ -7207,7 +12451,7 @@
 </p:sld>
 </file>
 
-<file path=ppt/slides/slide4.xml><?xml version="1.0" encoding="utf-8"?>
+<file path=ppt/slides/slide5.xml><?xml version="1.0" encoding="utf-8"?>
 <p:sld xmlns:a="http://schemas.openxmlformats.org/drawingml/2006/main" xmlns:r="http://schemas.openxmlformats.org/officeDocument/2006/relationships" xmlns:p="http://schemas.openxmlformats.org/presentationml/2006/main">
   <p:cSld>
     <p:spTree>
@@ -7236,8 +12480,1245 @@
         </p:nvSpPr>
         <p:spPr>
           <a:xfrm>
-            <a:off x="1141413" y="263236"/>
-            <a:ext cx="9905998" cy="1510146"/>
+            <a:off x="677334" y="133207"/>
+            <a:ext cx="11015902" cy="739629"/>
+          </a:xfrm>
+        </p:spPr>
+        <p:txBody>
+          <a:bodyPr>
+            <a:normAutofit fontScale="90000"/>
+          </a:bodyPr>
+          <a:lstStyle/>
+          <a:p>
+            <a:pPr algn="ctr"/>
+            <a:r>
+              <a:rPr lang="ru-RU" sz="4000" dirty="0" smtClean="0">
+                <a:solidFill>
+                  <a:schemeClr val="tx1"/>
+                </a:solidFill>
+                <a:latin typeface="Times New Roman" panose="02020603050405020304" pitchFamily="18" charset="0"/>
+                <a:cs typeface="Times New Roman" panose="02020603050405020304" pitchFamily="18" charset="0"/>
+              </a:rPr>
+              <a:t>РЕЖИМ РАБОТЫ и ЧИСЛЕННОСТЬ ПЕРСОНАЛА</a:t>
+            </a:r>
+            <a:endParaRPr lang="ru-RU" sz="4000" dirty="0">
+              <a:solidFill>
+                <a:schemeClr val="tx1"/>
+              </a:solidFill>
+              <a:latin typeface="Times New Roman" panose="02020603050405020304" pitchFamily="18" charset="0"/>
+              <a:cs typeface="Times New Roman" panose="02020603050405020304" pitchFamily="18" charset="0"/>
+            </a:endParaRPr>
+          </a:p>
+        </p:txBody>
+      </p:sp>
+      <p:sp>
+        <p:nvSpPr>
+          <p:cNvPr id="3" name="Объект 2"/>
+          <p:cNvSpPr>
+            <a:spLocks noGrp="1"/>
+          </p:cNvSpPr>
+          <p:nvPr>
+            <p:ph idx="1"/>
+          </p:nvPr>
+        </p:nvSpPr>
+        <p:spPr>
+          <a:xfrm>
+            <a:off x="123153" y="872836"/>
+            <a:ext cx="4407284" cy="5666509"/>
+          </a:xfrm>
+        </p:spPr>
+        <p:txBody>
+          <a:bodyPr/>
+          <a:lstStyle/>
+          <a:p>
+            <a:pPr marL="0" indent="0" algn="just">
+              <a:buNone/>
+            </a:pPr>
+            <a:r>
+              <a:rPr lang="ru-RU" sz="3600" dirty="0">
+                <a:solidFill>
+                  <a:schemeClr val="tx1"/>
+                </a:solidFill>
+                <a:latin typeface="Times New Roman" panose="02020603050405020304" pitchFamily="18" charset="0"/>
+                <a:cs typeface="Times New Roman" panose="02020603050405020304" pitchFamily="18" charset="0"/>
+              </a:rPr>
+              <a:t>Кафе-пиццерия работает ежедневно с 10:00 до 22:00. Это означает, что гости могут посещать его в любой день недели, начиная с 10 утра и заканчивая 10 часов ночи</a:t>
+            </a:r>
+            <a:r>
+              <a:rPr lang="ru-RU" sz="3600" dirty="0" smtClean="0">
+                <a:solidFill>
+                  <a:schemeClr val="tx1"/>
+                </a:solidFill>
+                <a:latin typeface="Times New Roman" panose="02020603050405020304" pitchFamily="18" charset="0"/>
+                <a:cs typeface="Times New Roman" panose="02020603050405020304" pitchFamily="18" charset="0"/>
+              </a:rPr>
+              <a:t>.</a:t>
+            </a:r>
+          </a:p>
+          <a:p>
+            <a:pPr marL="0" indent="0" algn="just">
+              <a:buNone/>
+            </a:pPr>
+            <a:endParaRPr lang="ru-RU" sz="3200" dirty="0">
+              <a:solidFill>
+                <a:schemeClr val="tx1"/>
+              </a:solidFill>
+              <a:latin typeface="Times New Roman" panose="02020603050405020304" pitchFamily="18" charset="0"/>
+              <a:cs typeface="Times New Roman" panose="02020603050405020304" pitchFamily="18" charset="0"/>
+            </a:endParaRPr>
+          </a:p>
+        </p:txBody>
+      </p:sp>
+      <p:graphicFrame>
+        <p:nvGraphicFramePr>
+          <p:cNvPr id="4" name="Таблица 3"/>
+          <p:cNvGraphicFramePr>
+            <a:graphicFrameLocks noGrp="1"/>
+          </p:cNvGraphicFramePr>
+          <p:nvPr>
+            <p:extLst>
+              <p:ext uri="{D42A27DB-BD31-4B8C-83A1-F6EECF244321}">
+                <p14:modId xmlns:p14="http://schemas.microsoft.com/office/powerpoint/2010/main" val="1831763753"/>
+              </p:ext>
+            </p:extLst>
+          </p:nvPr>
+        </p:nvGraphicFramePr>
+        <p:xfrm>
+          <a:off x="4530438" y="872838"/>
+          <a:ext cx="7619998" cy="6012143"/>
+        </p:xfrm>
+        <a:graphic>
+          <a:graphicData uri="http://schemas.openxmlformats.org/drawingml/2006/table">
+            <a:tbl>
+              <a:tblPr firstRow="1" firstCol="1" bandRow="1">
+                <a:tableStyleId>{5C22544A-7EE6-4342-B048-85BDC9FD1C3A}</a:tableStyleId>
+              </a:tblPr>
+              <a:tblGrid>
+                <a:gridCol w="4720592">
+                  <a:extLst>
+                    <a:ext uri="{9D8B030D-6E8A-4147-A177-3AD203B41FA5}">
+                      <a16:colId xmlns:a16="http://schemas.microsoft.com/office/drawing/2014/main" val="3984466210"/>
+                    </a:ext>
+                  </a:extLst>
+                </a:gridCol>
+                <a:gridCol w="2899406">
+                  <a:extLst>
+                    <a:ext uri="{9D8B030D-6E8A-4147-A177-3AD203B41FA5}">
+                      <a16:colId xmlns:a16="http://schemas.microsoft.com/office/drawing/2014/main" val="1297375552"/>
+                    </a:ext>
+                  </a:extLst>
+                </a:gridCol>
+              </a:tblGrid>
+              <a:tr h="1836168">
+                <a:tc>
+                  <a:txBody>
+                    <a:bodyPr/>
+                    <a:lstStyle/>
+                    <a:p>
+                      <a:pPr indent="540385" algn="ctr">
+                        <a:lnSpc>
+                          <a:spcPct val="150000"/>
+                        </a:lnSpc>
+                        <a:spcAft>
+                          <a:spcPts val="0"/>
+                        </a:spcAft>
+                      </a:pPr>
+                      <a:r>
+                        <a:rPr lang="ru-RU" sz="2000" dirty="0" smtClean="0">
+                          <a:solidFill>
+                            <a:schemeClr val="tx1"/>
+                          </a:solidFill>
+                          <a:effectLst/>
+                        </a:rPr>
+                        <a:t>НАИМЕНОВАНИЕ</a:t>
+                      </a:r>
+                      <a:r>
+                        <a:rPr lang="ru-RU" sz="2000" baseline="0" dirty="0" smtClean="0">
+                          <a:solidFill>
+                            <a:schemeClr val="tx1"/>
+                          </a:solidFill>
+                          <a:effectLst/>
+                        </a:rPr>
+                        <a:t> </a:t>
+                      </a:r>
+                      <a:r>
+                        <a:rPr lang="ru-RU" sz="2000" dirty="0" smtClean="0">
+                          <a:solidFill>
+                            <a:schemeClr val="tx1"/>
+                          </a:solidFill>
+                          <a:effectLst/>
+                        </a:rPr>
+                        <a:t>СТРУКТУРНЫХ ПОДРАЗДЕЛЕНИЙ</a:t>
+                      </a:r>
+                      <a:r>
+                        <a:rPr lang="ru-RU" sz="2000" baseline="0" dirty="0" smtClean="0">
+                          <a:solidFill>
+                            <a:schemeClr val="tx1"/>
+                          </a:solidFill>
+                          <a:effectLst/>
+                        </a:rPr>
+                        <a:t> </a:t>
+                      </a:r>
+                      <a:r>
+                        <a:rPr lang="ru-RU" sz="2000" dirty="0" smtClean="0">
+                          <a:solidFill>
+                            <a:schemeClr val="tx1"/>
+                          </a:solidFill>
+                          <a:effectLst/>
+                        </a:rPr>
+                        <a:t>И ДОЛЖНОСТЕЙ(ПРОФЕССИЙ)</a:t>
+                      </a:r>
+                      <a:endParaRPr lang="ru-RU" sz="2000" dirty="0">
+                        <a:solidFill>
+                          <a:schemeClr val="tx1"/>
+                        </a:solidFill>
+                        <a:effectLst/>
+                        <a:latin typeface="Times New Roman" panose="02020603050405020304" pitchFamily="18" charset="0"/>
+                        <a:ea typeface="Calibri" panose="020F0502020204030204" pitchFamily="34" charset="0"/>
+                        <a:cs typeface="Times New Roman" panose="02020603050405020304" pitchFamily="18" charset="0"/>
+                      </a:endParaRPr>
+                    </a:p>
+                  </a:txBody>
+                  <a:tcPr marL="59410" marR="59410" marT="0" marB="0"/>
+                </a:tc>
+                <a:tc>
+                  <a:txBody>
+                    <a:bodyPr/>
+                    <a:lstStyle/>
+                    <a:p>
+                      <a:pPr indent="540385" algn="ctr">
+                        <a:lnSpc>
+                          <a:spcPct val="150000"/>
+                        </a:lnSpc>
+                        <a:spcAft>
+                          <a:spcPts val="0"/>
+                        </a:spcAft>
+                      </a:pPr>
+                      <a:r>
+                        <a:rPr lang="ru-RU" sz="2000" dirty="0" smtClean="0">
+                          <a:solidFill>
+                            <a:schemeClr val="tx1"/>
+                          </a:solidFill>
+                          <a:effectLst/>
+                        </a:rPr>
+                        <a:t>КОЛИЧЕСТВО ШТАТНЫХ ЕДИНИЦ</a:t>
+                      </a:r>
+                      <a:endParaRPr lang="ru-RU" sz="2000" dirty="0">
+                        <a:solidFill>
+                          <a:schemeClr val="tx1"/>
+                        </a:solidFill>
+                        <a:effectLst/>
+                        <a:latin typeface="Times New Roman" panose="02020603050405020304" pitchFamily="18" charset="0"/>
+                        <a:ea typeface="Calibri" panose="020F0502020204030204" pitchFamily="34" charset="0"/>
+                        <a:cs typeface="Times New Roman" panose="02020603050405020304" pitchFamily="18" charset="0"/>
+                      </a:endParaRPr>
+                    </a:p>
+                  </a:txBody>
+                  <a:tcPr marL="59410" marR="59410" marT="0" marB="0"/>
+                </a:tc>
+                <a:extLst>
+                  <a:ext uri="{0D108BD9-81ED-4DB2-BD59-A6C34878D82A}">
+                    <a16:rowId xmlns:a16="http://schemas.microsoft.com/office/drawing/2014/main" val="2916174217"/>
+                  </a:ext>
+                </a:extLst>
+              </a:tr>
+              <a:tr h="401045">
+                <a:tc>
+                  <a:txBody>
+                    <a:bodyPr/>
+                    <a:lstStyle/>
+                    <a:p>
+                      <a:pPr indent="540385" algn="ctr">
+                        <a:lnSpc>
+                          <a:spcPct val="150000"/>
+                        </a:lnSpc>
+                        <a:spcAft>
+                          <a:spcPts val="0"/>
+                        </a:spcAft>
+                      </a:pPr>
+                      <a:r>
+                        <a:rPr lang="ru-RU" sz="2000" dirty="0" smtClean="0">
+                          <a:solidFill>
+                            <a:schemeClr val="tx1"/>
+                          </a:solidFill>
+                          <a:effectLst/>
+                        </a:rPr>
+                        <a:t>ДИРЕКТОР</a:t>
+                      </a:r>
+                      <a:endParaRPr lang="ru-RU" sz="2000" dirty="0">
+                        <a:solidFill>
+                          <a:schemeClr val="tx1"/>
+                        </a:solidFill>
+                        <a:effectLst/>
+                        <a:latin typeface="Times New Roman" panose="02020603050405020304" pitchFamily="18" charset="0"/>
+                        <a:ea typeface="Calibri" panose="020F0502020204030204" pitchFamily="34" charset="0"/>
+                        <a:cs typeface="Times New Roman" panose="02020603050405020304" pitchFamily="18" charset="0"/>
+                      </a:endParaRPr>
+                    </a:p>
+                  </a:txBody>
+                  <a:tcPr marL="59410" marR="59410" marT="0" marB="0"/>
+                </a:tc>
+                <a:tc>
+                  <a:txBody>
+                    <a:bodyPr/>
+                    <a:lstStyle/>
+                    <a:p>
+                      <a:pPr indent="540385" algn="ctr">
+                        <a:lnSpc>
+                          <a:spcPct val="150000"/>
+                        </a:lnSpc>
+                        <a:spcAft>
+                          <a:spcPts val="0"/>
+                        </a:spcAft>
+                      </a:pPr>
+                      <a:r>
+                        <a:rPr lang="en-US" sz="2000" dirty="0" smtClean="0">
+                          <a:solidFill>
+                            <a:schemeClr val="tx1"/>
+                          </a:solidFill>
+                          <a:effectLst/>
+                        </a:rPr>
+                        <a:t>1</a:t>
+                      </a:r>
+                      <a:endParaRPr lang="ru-RU" sz="2000" dirty="0">
+                        <a:solidFill>
+                          <a:schemeClr val="tx1"/>
+                        </a:solidFill>
+                        <a:effectLst/>
+                        <a:latin typeface="Times New Roman" panose="02020603050405020304" pitchFamily="18" charset="0"/>
+                        <a:ea typeface="Calibri" panose="020F0502020204030204" pitchFamily="34" charset="0"/>
+                        <a:cs typeface="Times New Roman" panose="02020603050405020304" pitchFamily="18" charset="0"/>
+                      </a:endParaRPr>
+                    </a:p>
+                  </a:txBody>
+                  <a:tcPr marL="59410" marR="59410" marT="0" marB="0"/>
+                </a:tc>
+                <a:extLst>
+                  <a:ext uri="{0D108BD9-81ED-4DB2-BD59-A6C34878D82A}">
+                    <a16:rowId xmlns:a16="http://schemas.microsoft.com/office/drawing/2014/main" val="1187790175"/>
+                  </a:ext>
+                </a:extLst>
+              </a:tr>
+              <a:tr h="401045">
+                <a:tc>
+                  <a:txBody>
+                    <a:bodyPr/>
+                    <a:lstStyle/>
+                    <a:p>
+                      <a:pPr indent="540385" algn="ctr">
+                        <a:lnSpc>
+                          <a:spcPct val="150000"/>
+                        </a:lnSpc>
+                        <a:spcAft>
+                          <a:spcPts val="0"/>
+                        </a:spcAft>
+                      </a:pPr>
+                      <a:r>
+                        <a:rPr lang="ru-RU" sz="2000" dirty="0" smtClean="0">
+                          <a:solidFill>
+                            <a:schemeClr val="tx1"/>
+                          </a:solidFill>
+                          <a:effectLst/>
+                        </a:rPr>
+                        <a:t>БУХГАЛТЕР</a:t>
+                      </a:r>
+                      <a:endParaRPr lang="ru-RU" sz="2000" dirty="0">
+                        <a:solidFill>
+                          <a:schemeClr val="tx1"/>
+                        </a:solidFill>
+                        <a:effectLst/>
+                        <a:latin typeface="Times New Roman" panose="02020603050405020304" pitchFamily="18" charset="0"/>
+                        <a:ea typeface="Calibri" panose="020F0502020204030204" pitchFamily="34" charset="0"/>
+                        <a:cs typeface="Times New Roman" panose="02020603050405020304" pitchFamily="18" charset="0"/>
+                      </a:endParaRPr>
+                    </a:p>
+                  </a:txBody>
+                  <a:tcPr marL="59410" marR="59410" marT="0" marB="0"/>
+                </a:tc>
+                <a:tc>
+                  <a:txBody>
+                    <a:bodyPr/>
+                    <a:lstStyle/>
+                    <a:p>
+                      <a:pPr indent="540385" algn="ctr">
+                        <a:lnSpc>
+                          <a:spcPct val="150000"/>
+                        </a:lnSpc>
+                        <a:spcAft>
+                          <a:spcPts val="0"/>
+                        </a:spcAft>
+                      </a:pPr>
+                      <a:r>
+                        <a:rPr lang="en-US" sz="2000" dirty="0" smtClean="0">
+                          <a:solidFill>
+                            <a:schemeClr val="tx1"/>
+                          </a:solidFill>
+                          <a:effectLst/>
+                        </a:rPr>
+                        <a:t>1</a:t>
+                      </a:r>
+                      <a:endParaRPr lang="ru-RU" sz="2000" dirty="0">
+                        <a:solidFill>
+                          <a:schemeClr val="tx1"/>
+                        </a:solidFill>
+                        <a:effectLst/>
+                        <a:latin typeface="Times New Roman" panose="02020603050405020304" pitchFamily="18" charset="0"/>
+                        <a:ea typeface="Calibri" panose="020F0502020204030204" pitchFamily="34" charset="0"/>
+                        <a:cs typeface="Times New Roman" panose="02020603050405020304" pitchFamily="18" charset="0"/>
+                      </a:endParaRPr>
+                    </a:p>
+                  </a:txBody>
+                  <a:tcPr marL="59410" marR="59410" marT="0" marB="0"/>
+                </a:tc>
+                <a:extLst>
+                  <a:ext uri="{0D108BD9-81ED-4DB2-BD59-A6C34878D82A}">
+                    <a16:rowId xmlns:a16="http://schemas.microsoft.com/office/drawing/2014/main" val="701929853"/>
+                  </a:ext>
+                </a:extLst>
+              </a:tr>
+              <a:tr h="518375">
+                <a:tc>
+                  <a:txBody>
+                    <a:bodyPr/>
+                    <a:lstStyle/>
+                    <a:p>
+                      <a:pPr indent="540385" algn="ctr">
+                        <a:lnSpc>
+                          <a:spcPct val="150000"/>
+                        </a:lnSpc>
+                        <a:spcAft>
+                          <a:spcPts val="0"/>
+                        </a:spcAft>
+                      </a:pPr>
+                      <a:r>
+                        <a:rPr lang="ru-RU" sz="2000" dirty="0" smtClean="0">
+                          <a:solidFill>
+                            <a:schemeClr val="tx1"/>
+                          </a:solidFill>
+                          <a:effectLst/>
+                        </a:rPr>
+                        <a:t>ЗАВЕДУЮЩИЙ ПРОИЗВОДСТВОМ</a:t>
+                      </a:r>
+                      <a:endParaRPr lang="ru-RU" sz="2000" dirty="0">
+                        <a:solidFill>
+                          <a:schemeClr val="tx1"/>
+                        </a:solidFill>
+                        <a:effectLst/>
+                        <a:latin typeface="Times New Roman" panose="02020603050405020304" pitchFamily="18" charset="0"/>
+                        <a:ea typeface="Calibri" panose="020F0502020204030204" pitchFamily="34" charset="0"/>
+                        <a:cs typeface="Times New Roman" panose="02020603050405020304" pitchFamily="18" charset="0"/>
+                      </a:endParaRPr>
+                    </a:p>
+                  </a:txBody>
+                  <a:tcPr marL="59410" marR="59410" marT="0" marB="0"/>
+                </a:tc>
+                <a:tc>
+                  <a:txBody>
+                    <a:bodyPr/>
+                    <a:lstStyle/>
+                    <a:p>
+                      <a:pPr indent="540385" algn="ctr">
+                        <a:lnSpc>
+                          <a:spcPct val="150000"/>
+                        </a:lnSpc>
+                        <a:spcAft>
+                          <a:spcPts val="0"/>
+                        </a:spcAft>
+                      </a:pPr>
+                      <a:r>
+                        <a:rPr lang="en-US" sz="2000" dirty="0" smtClean="0">
+                          <a:solidFill>
+                            <a:schemeClr val="tx1"/>
+                          </a:solidFill>
+                          <a:effectLst/>
+                        </a:rPr>
+                        <a:t>1</a:t>
+                      </a:r>
+                      <a:endParaRPr lang="ru-RU" sz="2000" dirty="0">
+                        <a:solidFill>
+                          <a:schemeClr val="tx1"/>
+                        </a:solidFill>
+                        <a:effectLst/>
+                        <a:latin typeface="Times New Roman" panose="02020603050405020304" pitchFamily="18" charset="0"/>
+                        <a:ea typeface="Calibri" panose="020F0502020204030204" pitchFamily="34" charset="0"/>
+                        <a:cs typeface="Times New Roman" panose="02020603050405020304" pitchFamily="18" charset="0"/>
+                      </a:endParaRPr>
+                    </a:p>
+                  </a:txBody>
+                  <a:tcPr marL="59410" marR="59410" marT="0" marB="0"/>
+                </a:tc>
+                <a:extLst>
+                  <a:ext uri="{0D108BD9-81ED-4DB2-BD59-A6C34878D82A}">
+                    <a16:rowId xmlns:a16="http://schemas.microsoft.com/office/drawing/2014/main" val="339232326"/>
+                  </a:ext>
+                </a:extLst>
+              </a:tr>
+              <a:tr h="401045">
+                <a:tc>
+                  <a:txBody>
+                    <a:bodyPr/>
+                    <a:lstStyle/>
+                    <a:p>
+                      <a:pPr indent="540385" algn="ctr">
+                        <a:lnSpc>
+                          <a:spcPct val="150000"/>
+                        </a:lnSpc>
+                        <a:spcAft>
+                          <a:spcPts val="0"/>
+                        </a:spcAft>
+                      </a:pPr>
+                      <a:r>
+                        <a:rPr lang="ru-RU" sz="2000" dirty="0" smtClean="0">
+                          <a:solidFill>
+                            <a:schemeClr val="tx1"/>
+                          </a:solidFill>
+                          <a:effectLst/>
+                        </a:rPr>
+                        <a:t>АДМИНИСТРАТОР ЗАЛА</a:t>
+                      </a:r>
+                      <a:endParaRPr lang="ru-RU" sz="2000" dirty="0">
+                        <a:solidFill>
+                          <a:schemeClr val="tx1"/>
+                        </a:solidFill>
+                        <a:effectLst/>
+                        <a:latin typeface="Times New Roman" panose="02020603050405020304" pitchFamily="18" charset="0"/>
+                        <a:ea typeface="Calibri" panose="020F0502020204030204" pitchFamily="34" charset="0"/>
+                        <a:cs typeface="Times New Roman" panose="02020603050405020304" pitchFamily="18" charset="0"/>
+                      </a:endParaRPr>
+                    </a:p>
+                  </a:txBody>
+                  <a:tcPr marL="59410" marR="59410" marT="0" marB="0"/>
+                </a:tc>
+                <a:tc>
+                  <a:txBody>
+                    <a:bodyPr/>
+                    <a:lstStyle/>
+                    <a:p>
+                      <a:pPr indent="540385" algn="ctr">
+                        <a:lnSpc>
+                          <a:spcPct val="150000"/>
+                        </a:lnSpc>
+                        <a:spcAft>
+                          <a:spcPts val="0"/>
+                        </a:spcAft>
+                      </a:pPr>
+                      <a:r>
+                        <a:rPr lang="en-US" sz="2000" dirty="0" smtClean="0">
+                          <a:solidFill>
+                            <a:schemeClr val="tx1"/>
+                          </a:solidFill>
+                          <a:effectLst/>
+                        </a:rPr>
+                        <a:t>2</a:t>
+                      </a:r>
+                      <a:endParaRPr lang="ru-RU" sz="2000" dirty="0">
+                        <a:solidFill>
+                          <a:schemeClr val="tx1"/>
+                        </a:solidFill>
+                        <a:effectLst/>
+                        <a:latin typeface="Times New Roman" panose="02020603050405020304" pitchFamily="18" charset="0"/>
+                        <a:ea typeface="Calibri" panose="020F0502020204030204" pitchFamily="34" charset="0"/>
+                        <a:cs typeface="Times New Roman" panose="02020603050405020304" pitchFamily="18" charset="0"/>
+                      </a:endParaRPr>
+                    </a:p>
+                  </a:txBody>
+                  <a:tcPr marL="59410" marR="59410" marT="0" marB="0"/>
+                </a:tc>
+                <a:extLst>
+                  <a:ext uri="{0D108BD9-81ED-4DB2-BD59-A6C34878D82A}">
+                    <a16:rowId xmlns:a16="http://schemas.microsoft.com/office/drawing/2014/main" val="3183031250"/>
+                  </a:ext>
+                </a:extLst>
+              </a:tr>
+              <a:tr h="401045">
+                <a:tc>
+                  <a:txBody>
+                    <a:bodyPr/>
+                    <a:lstStyle/>
+                    <a:p>
+                      <a:pPr indent="540385" algn="ctr">
+                        <a:lnSpc>
+                          <a:spcPct val="150000"/>
+                        </a:lnSpc>
+                        <a:spcAft>
+                          <a:spcPts val="0"/>
+                        </a:spcAft>
+                      </a:pPr>
+                      <a:r>
+                        <a:rPr lang="ru-RU" sz="2000" dirty="0" smtClean="0">
+                          <a:solidFill>
+                            <a:schemeClr val="tx1"/>
+                          </a:solidFill>
+                          <a:effectLst/>
+                        </a:rPr>
+                        <a:t>ПОВАР</a:t>
+                      </a:r>
+                      <a:endParaRPr lang="ru-RU" sz="2000" dirty="0">
+                        <a:solidFill>
+                          <a:schemeClr val="tx1"/>
+                        </a:solidFill>
+                        <a:effectLst/>
+                        <a:latin typeface="Times New Roman" panose="02020603050405020304" pitchFamily="18" charset="0"/>
+                        <a:ea typeface="Calibri" panose="020F0502020204030204" pitchFamily="34" charset="0"/>
+                        <a:cs typeface="Times New Roman" panose="02020603050405020304" pitchFamily="18" charset="0"/>
+                      </a:endParaRPr>
+                    </a:p>
+                  </a:txBody>
+                  <a:tcPr marL="59410" marR="59410" marT="0" marB="0"/>
+                </a:tc>
+                <a:tc>
+                  <a:txBody>
+                    <a:bodyPr/>
+                    <a:lstStyle/>
+                    <a:p>
+                      <a:pPr indent="540385" algn="ctr">
+                        <a:lnSpc>
+                          <a:spcPct val="150000"/>
+                        </a:lnSpc>
+                        <a:spcAft>
+                          <a:spcPts val="0"/>
+                        </a:spcAft>
+                      </a:pPr>
+                      <a:r>
+                        <a:rPr lang="en-US" sz="2000" dirty="0" smtClean="0">
+                          <a:solidFill>
+                            <a:schemeClr val="tx1"/>
+                          </a:solidFill>
+                          <a:effectLst/>
+                        </a:rPr>
+                        <a:t>6</a:t>
+                      </a:r>
+                      <a:endParaRPr lang="ru-RU" sz="2000" dirty="0">
+                        <a:solidFill>
+                          <a:schemeClr val="tx1"/>
+                        </a:solidFill>
+                        <a:effectLst/>
+                        <a:latin typeface="Times New Roman" panose="02020603050405020304" pitchFamily="18" charset="0"/>
+                        <a:ea typeface="Calibri" panose="020F0502020204030204" pitchFamily="34" charset="0"/>
+                        <a:cs typeface="Times New Roman" panose="02020603050405020304" pitchFamily="18" charset="0"/>
+                      </a:endParaRPr>
+                    </a:p>
+                  </a:txBody>
+                  <a:tcPr marL="59410" marR="59410" marT="0" marB="0"/>
+                </a:tc>
+                <a:extLst>
+                  <a:ext uri="{0D108BD9-81ED-4DB2-BD59-A6C34878D82A}">
+                    <a16:rowId xmlns:a16="http://schemas.microsoft.com/office/drawing/2014/main" val="511148524"/>
+                  </a:ext>
+                </a:extLst>
+              </a:tr>
+              <a:tr h="401045">
+                <a:tc>
+                  <a:txBody>
+                    <a:bodyPr/>
+                    <a:lstStyle/>
+                    <a:p>
+                      <a:pPr indent="540385" algn="ctr">
+                        <a:lnSpc>
+                          <a:spcPct val="150000"/>
+                        </a:lnSpc>
+                        <a:spcAft>
+                          <a:spcPts val="0"/>
+                        </a:spcAft>
+                      </a:pPr>
+                      <a:r>
+                        <a:rPr lang="ru-RU" sz="2000" dirty="0" smtClean="0">
+                          <a:solidFill>
+                            <a:schemeClr val="tx1"/>
+                          </a:solidFill>
+                          <a:effectLst/>
+                        </a:rPr>
+                        <a:t>БАРМЕН</a:t>
+                      </a:r>
+                      <a:endParaRPr lang="ru-RU" sz="2000" dirty="0">
+                        <a:solidFill>
+                          <a:schemeClr val="tx1"/>
+                        </a:solidFill>
+                        <a:effectLst/>
+                        <a:latin typeface="Times New Roman" panose="02020603050405020304" pitchFamily="18" charset="0"/>
+                        <a:ea typeface="Calibri" panose="020F0502020204030204" pitchFamily="34" charset="0"/>
+                        <a:cs typeface="Times New Roman" panose="02020603050405020304" pitchFamily="18" charset="0"/>
+                      </a:endParaRPr>
+                    </a:p>
+                  </a:txBody>
+                  <a:tcPr marL="59410" marR="59410" marT="0" marB="0"/>
+                </a:tc>
+                <a:tc>
+                  <a:txBody>
+                    <a:bodyPr/>
+                    <a:lstStyle/>
+                    <a:p>
+                      <a:pPr indent="540385" algn="ctr">
+                        <a:lnSpc>
+                          <a:spcPct val="150000"/>
+                        </a:lnSpc>
+                        <a:spcAft>
+                          <a:spcPts val="0"/>
+                        </a:spcAft>
+                      </a:pPr>
+                      <a:r>
+                        <a:rPr lang="en-US" sz="2000" dirty="0" smtClean="0">
+                          <a:solidFill>
+                            <a:schemeClr val="tx1"/>
+                          </a:solidFill>
+                          <a:effectLst/>
+                        </a:rPr>
+                        <a:t>2</a:t>
+                      </a:r>
+                      <a:endParaRPr lang="ru-RU" sz="2000" dirty="0">
+                        <a:solidFill>
+                          <a:schemeClr val="tx1"/>
+                        </a:solidFill>
+                        <a:effectLst/>
+                        <a:latin typeface="Times New Roman" panose="02020603050405020304" pitchFamily="18" charset="0"/>
+                        <a:ea typeface="Calibri" panose="020F0502020204030204" pitchFamily="34" charset="0"/>
+                        <a:cs typeface="Times New Roman" panose="02020603050405020304" pitchFamily="18" charset="0"/>
+                      </a:endParaRPr>
+                    </a:p>
+                  </a:txBody>
+                  <a:tcPr marL="59410" marR="59410" marT="0" marB="0"/>
+                </a:tc>
+                <a:extLst>
+                  <a:ext uri="{0D108BD9-81ED-4DB2-BD59-A6C34878D82A}">
+                    <a16:rowId xmlns:a16="http://schemas.microsoft.com/office/drawing/2014/main" val="2563778856"/>
+                  </a:ext>
+                </a:extLst>
+              </a:tr>
+              <a:tr h="401045">
+                <a:tc>
+                  <a:txBody>
+                    <a:bodyPr/>
+                    <a:lstStyle/>
+                    <a:p>
+                      <a:pPr indent="540385" algn="ctr">
+                        <a:lnSpc>
+                          <a:spcPct val="150000"/>
+                        </a:lnSpc>
+                        <a:spcAft>
+                          <a:spcPts val="0"/>
+                        </a:spcAft>
+                      </a:pPr>
+                      <a:r>
+                        <a:rPr lang="ru-RU" sz="2000" dirty="0" smtClean="0">
+                          <a:solidFill>
+                            <a:schemeClr val="tx1"/>
+                          </a:solidFill>
+                          <a:effectLst/>
+                        </a:rPr>
+                        <a:t>ОФИЦИАНТ</a:t>
+                      </a:r>
+                      <a:endParaRPr lang="ru-RU" sz="2000" dirty="0">
+                        <a:solidFill>
+                          <a:schemeClr val="tx1"/>
+                        </a:solidFill>
+                        <a:effectLst/>
+                        <a:latin typeface="Times New Roman" panose="02020603050405020304" pitchFamily="18" charset="0"/>
+                        <a:ea typeface="Calibri" panose="020F0502020204030204" pitchFamily="34" charset="0"/>
+                        <a:cs typeface="Times New Roman" panose="02020603050405020304" pitchFamily="18" charset="0"/>
+                      </a:endParaRPr>
+                    </a:p>
+                  </a:txBody>
+                  <a:tcPr marL="59410" marR="59410" marT="0" marB="0"/>
+                </a:tc>
+                <a:tc>
+                  <a:txBody>
+                    <a:bodyPr/>
+                    <a:lstStyle/>
+                    <a:p>
+                      <a:pPr indent="540385" algn="ctr">
+                        <a:lnSpc>
+                          <a:spcPct val="150000"/>
+                        </a:lnSpc>
+                        <a:spcAft>
+                          <a:spcPts val="0"/>
+                        </a:spcAft>
+                      </a:pPr>
+                      <a:r>
+                        <a:rPr lang="en-US" sz="2000" dirty="0" smtClean="0">
+                          <a:solidFill>
+                            <a:schemeClr val="tx1"/>
+                          </a:solidFill>
+                          <a:effectLst/>
+                        </a:rPr>
+                        <a:t>2</a:t>
+                      </a:r>
+                      <a:endParaRPr lang="ru-RU" sz="2000" dirty="0">
+                        <a:solidFill>
+                          <a:schemeClr val="tx1"/>
+                        </a:solidFill>
+                        <a:effectLst/>
+                        <a:latin typeface="Times New Roman" panose="02020603050405020304" pitchFamily="18" charset="0"/>
+                        <a:ea typeface="Calibri" panose="020F0502020204030204" pitchFamily="34" charset="0"/>
+                        <a:cs typeface="Times New Roman" panose="02020603050405020304" pitchFamily="18" charset="0"/>
+                      </a:endParaRPr>
+                    </a:p>
+                  </a:txBody>
+                  <a:tcPr marL="59410" marR="59410" marT="0" marB="0"/>
+                </a:tc>
+                <a:extLst>
+                  <a:ext uri="{0D108BD9-81ED-4DB2-BD59-A6C34878D82A}">
+                    <a16:rowId xmlns:a16="http://schemas.microsoft.com/office/drawing/2014/main" val="334202226"/>
+                  </a:ext>
+                </a:extLst>
+              </a:tr>
+              <a:tr h="401045">
+                <a:tc>
+                  <a:txBody>
+                    <a:bodyPr/>
+                    <a:lstStyle/>
+                    <a:p>
+                      <a:pPr indent="540385" algn="ctr">
+                        <a:lnSpc>
+                          <a:spcPct val="150000"/>
+                        </a:lnSpc>
+                        <a:spcAft>
+                          <a:spcPts val="0"/>
+                        </a:spcAft>
+                      </a:pPr>
+                      <a:r>
+                        <a:rPr lang="ru-RU" sz="2000" dirty="0" smtClean="0">
+                          <a:solidFill>
+                            <a:schemeClr val="tx1"/>
+                          </a:solidFill>
+                          <a:effectLst/>
+                        </a:rPr>
+                        <a:t>МОЙЩИК ПОСУДЫ</a:t>
+                      </a:r>
+                      <a:endParaRPr lang="ru-RU" sz="2000" dirty="0">
+                        <a:solidFill>
+                          <a:schemeClr val="tx1"/>
+                        </a:solidFill>
+                        <a:effectLst/>
+                        <a:latin typeface="Times New Roman" panose="02020603050405020304" pitchFamily="18" charset="0"/>
+                        <a:ea typeface="Calibri" panose="020F0502020204030204" pitchFamily="34" charset="0"/>
+                        <a:cs typeface="Times New Roman" panose="02020603050405020304" pitchFamily="18" charset="0"/>
+                      </a:endParaRPr>
+                    </a:p>
+                  </a:txBody>
+                  <a:tcPr marL="59410" marR="59410" marT="0" marB="0"/>
+                </a:tc>
+                <a:tc>
+                  <a:txBody>
+                    <a:bodyPr/>
+                    <a:lstStyle/>
+                    <a:p>
+                      <a:pPr indent="540385" algn="ctr">
+                        <a:lnSpc>
+                          <a:spcPct val="150000"/>
+                        </a:lnSpc>
+                        <a:spcAft>
+                          <a:spcPts val="0"/>
+                        </a:spcAft>
+                      </a:pPr>
+                      <a:r>
+                        <a:rPr lang="en-US" sz="2000" dirty="0" smtClean="0">
+                          <a:solidFill>
+                            <a:schemeClr val="tx1"/>
+                          </a:solidFill>
+                          <a:effectLst/>
+                        </a:rPr>
+                        <a:t>2</a:t>
+                      </a:r>
+                      <a:endParaRPr lang="ru-RU" sz="2000" dirty="0">
+                        <a:solidFill>
+                          <a:schemeClr val="tx1"/>
+                        </a:solidFill>
+                        <a:effectLst/>
+                        <a:latin typeface="Times New Roman" panose="02020603050405020304" pitchFamily="18" charset="0"/>
+                        <a:ea typeface="Calibri" panose="020F0502020204030204" pitchFamily="34" charset="0"/>
+                        <a:cs typeface="Times New Roman" panose="02020603050405020304" pitchFamily="18" charset="0"/>
+                      </a:endParaRPr>
+                    </a:p>
+                  </a:txBody>
+                  <a:tcPr marL="59410" marR="59410" marT="0" marB="0"/>
+                </a:tc>
+                <a:extLst>
+                  <a:ext uri="{0D108BD9-81ED-4DB2-BD59-A6C34878D82A}">
+                    <a16:rowId xmlns:a16="http://schemas.microsoft.com/office/drawing/2014/main" val="3666173423"/>
+                  </a:ext>
+                </a:extLst>
+              </a:tr>
+              <a:tr h="401045">
+                <a:tc>
+                  <a:txBody>
+                    <a:bodyPr/>
+                    <a:lstStyle/>
+                    <a:p>
+                      <a:pPr indent="540385" algn="ctr">
+                        <a:lnSpc>
+                          <a:spcPct val="150000"/>
+                        </a:lnSpc>
+                        <a:spcAft>
+                          <a:spcPts val="0"/>
+                        </a:spcAft>
+                      </a:pPr>
+                      <a:r>
+                        <a:rPr lang="ru-RU" sz="2000" dirty="0" smtClean="0">
+                          <a:solidFill>
+                            <a:schemeClr val="tx1"/>
+                          </a:solidFill>
+                          <a:effectLst/>
+                        </a:rPr>
+                        <a:t>ИТОГО</a:t>
+                      </a:r>
+                      <a:r>
+                        <a:rPr lang="en-US" sz="2000" dirty="0" smtClean="0">
+                          <a:solidFill>
+                            <a:schemeClr val="tx1"/>
+                          </a:solidFill>
+                          <a:effectLst/>
+                        </a:rPr>
+                        <a:t>:</a:t>
+                      </a:r>
+                      <a:endParaRPr lang="ru-RU" sz="2000" dirty="0">
+                        <a:solidFill>
+                          <a:schemeClr val="tx1"/>
+                        </a:solidFill>
+                        <a:effectLst/>
+                        <a:latin typeface="Times New Roman" panose="02020603050405020304" pitchFamily="18" charset="0"/>
+                        <a:ea typeface="Calibri" panose="020F0502020204030204" pitchFamily="34" charset="0"/>
+                        <a:cs typeface="Times New Roman" panose="02020603050405020304" pitchFamily="18" charset="0"/>
+                      </a:endParaRPr>
+                    </a:p>
+                  </a:txBody>
+                  <a:tcPr marL="59410" marR="59410" marT="0" marB="0"/>
+                </a:tc>
+                <a:tc>
+                  <a:txBody>
+                    <a:bodyPr/>
+                    <a:lstStyle/>
+                    <a:p>
+                      <a:pPr indent="540385" algn="ctr">
+                        <a:lnSpc>
+                          <a:spcPct val="150000"/>
+                        </a:lnSpc>
+                        <a:spcAft>
+                          <a:spcPts val="0"/>
+                        </a:spcAft>
+                      </a:pPr>
+                      <a:r>
+                        <a:rPr lang="en-US" sz="2000" dirty="0" smtClean="0">
+                          <a:solidFill>
+                            <a:schemeClr val="tx1"/>
+                          </a:solidFill>
+                          <a:effectLst/>
+                        </a:rPr>
+                        <a:t>17</a:t>
+                      </a:r>
+                      <a:endParaRPr lang="ru-RU" sz="2000" dirty="0">
+                        <a:solidFill>
+                          <a:schemeClr val="tx1"/>
+                        </a:solidFill>
+                        <a:effectLst/>
+                        <a:latin typeface="Times New Roman" panose="02020603050405020304" pitchFamily="18" charset="0"/>
+                        <a:ea typeface="Calibri" panose="020F0502020204030204" pitchFamily="34" charset="0"/>
+                        <a:cs typeface="Times New Roman" panose="02020603050405020304" pitchFamily="18" charset="0"/>
+                      </a:endParaRPr>
+                    </a:p>
+                  </a:txBody>
+                  <a:tcPr marL="59410" marR="59410" marT="0" marB="0"/>
+                </a:tc>
+                <a:extLst>
+                  <a:ext uri="{0D108BD9-81ED-4DB2-BD59-A6C34878D82A}">
+                    <a16:rowId xmlns:a16="http://schemas.microsoft.com/office/drawing/2014/main" val="4255611909"/>
+                  </a:ext>
+                </a:extLst>
+              </a:tr>
+            </a:tbl>
+          </a:graphicData>
+        </a:graphic>
+      </p:graphicFrame>
+    </p:spTree>
+    <p:extLst>
+      <p:ext uri="{BB962C8B-B14F-4D97-AF65-F5344CB8AC3E}">
+        <p14:creationId xmlns:p14="http://schemas.microsoft.com/office/powerpoint/2010/main" val="478536582"/>
+      </p:ext>
+    </p:extLst>
+  </p:cSld>
+  <p:clrMapOvr>
+    <a:masterClrMapping/>
+  </p:clrMapOvr>
+</p:sld>
+</file>
+
+<file path=ppt/slides/slide6.xml><?xml version="1.0" encoding="utf-8"?>
+<p:sld xmlns:a="http://schemas.openxmlformats.org/drawingml/2006/main" xmlns:r="http://schemas.openxmlformats.org/officeDocument/2006/relationships" xmlns:p="http://schemas.openxmlformats.org/presentationml/2006/main">
+  <p:cSld>
+    <p:spTree>
+      <p:nvGrpSpPr>
+        <p:cNvPr id="1" name=""/>
+        <p:cNvGrpSpPr/>
+        <p:nvPr/>
+      </p:nvGrpSpPr>
+      <p:grpSpPr>
+        <a:xfrm>
+          <a:off x="0" y="0"/>
+          <a:ext cx="0" cy="0"/>
+          <a:chOff x="0" y="0"/>
+          <a:chExt cx="0" cy="0"/>
+        </a:xfrm>
+      </p:grpSpPr>
+      <p:sp>
+        <p:nvSpPr>
+          <p:cNvPr id="2" name="Заголовок 1"/>
+          <p:cNvSpPr>
+            <a:spLocks noGrp="1"/>
+          </p:cNvSpPr>
+          <p:nvPr>
+            <p:ph type="title"/>
+          </p:nvPr>
+        </p:nvSpPr>
+        <p:spPr>
+          <a:xfrm>
+            <a:off x="677334" y="138545"/>
+            <a:ext cx="9962957" cy="817419"/>
+          </a:xfrm>
+        </p:spPr>
+        <p:txBody>
+          <a:bodyPr/>
+          <a:lstStyle/>
+          <a:p>
+            <a:r>
+              <a:rPr lang="ru-RU" dirty="0" smtClean="0">
+                <a:solidFill>
+                  <a:schemeClr val="tx1"/>
+                </a:solidFill>
+              </a:rPr>
+              <a:t>ДОЛЖНОСТНЫЕ ОБЯЗАННОСТИ РАБОТНИКОВ</a:t>
+            </a:r>
+            <a:endParaRPr lang="ru-RU" dirty="0">
+              <a:solidFill>
+                <a:schemeClr val="tx1"/>
+              </a:solidFill>
+            </a:endParaRPr>
+          </a:p>
+        </p:txBody>
+      </p:sp>
+      <p:sp>
+        <p:nvSpPr>
+          <p:cNvPr id="3" name="Объект 2"/>
+          <p:cNvSpPr>
+            <a:spLocks noGrp="1"/>
+          </p:cNvSpPr>
+          <p:nvPr>
+            <p:ph idx="1"/>
+          </p:nvPr>
+        </p:nvSpPr>
+        <p:spPr>
+          <a:xfrm>
+            <a:off x="568035" y="1302326"/>
+            <a:ext cx="10674927" cy="4682837"/>
+          </a:xfrm>
+        </p:spPr>
+        <p:txBody>
+          <a:bodyPr>
+            <a:noAutofit/>
+          </a:bodyPr>
+          <a:lstStyle/>
+          <a:p>
+            <a:pPr marL="0" indent="0">
+              <a:buNone/>
+            </a:pPr>
+            <a:r>
+              <a:rPr lang="ru-RU" sz="4000" dirty="0">
+                <a:solidFill>
+                  <a:schemeClr val="tx1"/>
+                </a:solidFill>
+                <a:latin typeface="Times New Roman" panose="02020603050405020304" pitchFamily="18" charset="0"/>
+                <a:cs typeface="Times New Roman" panose="02020603050405020304" pitchFamily="18" charset="0"/>
+              </a:rPr>
+              <a:t>Предприятие общественного питания - это организация, которая занимается обслуживанием гостей и предоставлением им различных блюд и напитков. Работники такого предприятия выполняют различные должностные обязанности в соответствии со своей профессией и должностью.</a:t>
+            </a:r>
+            <a:endParaRPr lang="ru-RU" sz="4000" dirty="0">
+              <a:solidFill>
+                <a:schemeClr val="tx1"/>
+              </a:solidFill>
+              <a:latin typeface="Times New Roman" panose="02020603050405020304" pitchFamily="18" charset="0"/>
+              <a:cs typeface="Times New Roman" panose="02020603050405020304" pitchFamily="18" charset="0"/>
+            </a:endParaRPr>
+          </a:p>
+        </p:txBody>
+      </p:sp>
+    </p:spTree>
+    <p:extLst>
+      <p:ext uri="{BB962C8B-B14F-4D97-AF65-F5344CB8AC3E}">
+        <p14:creationId xmlns:p14="http://schemas.microsoft.com/office/powerpoint/2010/main" val="1579378445"/>
+      </p:ext>
+    </p:extLst>
+  </p:cSld>
+  <p:clrMapOvr>
+    <a:masterClrMapping/>
+  </p:clrMapOvr>
+</p:sld>
+</file>
+
+<file path=ppt/slides/slide7.xml><?xml version="1.0" encoding="utf-8"?>
+<p:sld xmlns:a="http://schemas.openxmlformats.org/drawingml/2006/main" xmlns:r="http://schemas.openxmlformats.org/officeDocument/2006/relationships" xmlns:p="http://schemas.openxmlformats.org/presentationml/2006/main">
+  <p:cSld>
+    <p:spTree>
+      <p:nvGrpSpPr>
+        <p:cNvPr id="1" name=""/>
+        <p:cNvGrpSpPr/>
+        <p:nvPr/>
+      </p:nvGrpSpPr>
+      <p:grpSpPr>
+        <a:xfrm>
+          <a:off x="0" y="0"/>
+          <a:ext cx="0" cy="0"/>
+          <a:chOff x="0" y="0"/>
+          <a:chExt cx="0" cy="0"/>
+        </a:xfrm>
+      </p:grpSpPr>
+      <p:sp>
+        <p:nvSpPr>
+          <p:cNvPr id="2" name="Заголовок 1"/>
+          <p:cNvSpPr>
+            <a:spLocks noGrp="1"/>
+          </p:cNvSpPr>
+          <p:nvPr>
+            <p:ph type="title"/>
+          </p:nvPr>
+        </p:nvSpPr>
+        <p:spPr>
+          <a:xfrm>
+            <a:off x="0" y="180109"/>
+            <a:ext cx="12191999" cy="1320800"/>
+          </a:xfrm>
+        </p:spPr>
+        <p:txBody>
+          <a:bodyPr>
+            <a:noAutofit/>
+          </a:bodyPr>
+          <a:lstStyle/>
+          <a:p>
+            <a:r>
+              <a:rPr lang="ru-RU" sz="3200" dirty="0" smtClean="0">
+                <a:solidFill>
+                  <a:schemeClr val="tx1"/>
+                </a:solidFill>
+                <a:latin typeface="Times New Roman" panose="02020603050405020304" pitchFamily="18" charset="0"/>
+                <a:cs typeface="Times New Roman" panose="02020603050405020304" pitchFamily="18" charset="0"/>
+              </a:rPr>
+              <a:t>ТОВАРОВЕДНО-ТЕХНОЛОГИЧЕСКАЯ ХАРАКТЕРИСТИКА ПРОДУКТОВ ДЛЯ ПРИГОТОВЛЕНИЯ ПИЦЦЫ</a:t>
+            </a:r>
+            <a:endParaRPr lang="ru-RU" sz="3200" dirty="0">
+              <a:solidFill>
+                <a:schemeClr val="tx1"/>
+              </a:solidFill>
+              <a:latin typeface="Times New Roman" panose="02020603050405020304" pitchFamily="18" charset="0"/>
+              <a:cs typeface="Times New Roman" panose="02020603050405020304" pitchFamily="18" charset="0"/>
+            </a:endParaRPr>
+          </a:p>
+        </p:txBody>
+      </p:sp>
+      <p:sp>
+        <p:nvSpPr>
+          <p:cNvPr id="3" name="Объект 2"/>
+          <p:cNvSpPr>
+            <a:spLocks noGrp="1"/>
+          </p:cNvSpPr>
+          <p:nvPr>
+            <p:ph idx="1"/>
+          </p:nvPr>
+        </p:nvSpPr>
+        <p:spPr>
+          <a:xfrm>
+            <a:off x="358680" y="1500909"/>
+            <a:ext cx="11417684" cy="5107709"/>
+          </a:xfrm>
+        </p:spPr>
+        <p:txBody>
+          <a:bodyPr>
+            <a:noAutofit/>
+          </a:bodyPr>
+          <a:lstStyle/>
+          <a:p>
+            <a:pPr marL="0" indent="0">
+              <a:buNone/>
+            </a:pPr>
+            <a:r>
+              <a:rPr lang="ru-RU" sz="3200" dirty="0">
+                <a:solidFill>
+                  <a:schemeClr val="tx1"/>
+                </a:solidFill>
+                <a:latin typeface="Times New Roman" panose="02020603050405020304" pitchFamily="18" charset="0"/>
+                <a:cs typeface="Times New Roman" panose="02020603050405020304" pitchFamily="18" charset="0"/>
+              </a:rPr>
+              <a:t>Для производства сложной кулинарной продукции в кафе-пиццерии необходимо использовать высококачественные продукты, которые соответствуют всем требованиям безопасности и качества.</a:t>
+            </a:r>
+          </a:p>
+          <a:p>
+            <a:pPr marL="0" indent="0">
+              <a:buNone/>
+            </a:pPr>
+            <a:r>
+              <a:rPr lang="ru-RU" sz="3200" dirty="0">
+                <a:solidFill>
+                  <a:schemeClr val="tx1"/>
+                </a:solidFill>
+                <a:latin typeface="Times New Roman" panose="02020603050405020304" pitchFamily="18" charset="0"/>
+                <a:cs typeface="Times New Roman" panose="02020603050405020304" pitchFamily="18" charset="0"/>
+              </a:rPr>
+              <a:t>При выборе продуктов для производства сложной кулинарной продукции, кафе-пиццерия должна учитывать сезонность продуктов, сроки годности, происхождение и качество продуктов, а также их стоимость. Также необходимо следить за тем, чтобы все продукты соответствовали требованиям безопасности пищевых продуктов и были сертифицированы</a:t>
+            </a:r>
+            <a:r>
+              <a:rPr lang="ru-RU" sz="1400" dirty="0">
+                <a:latin typeface="Times New Roman" panose="02020603050405020304" pitchFamily="18" charset="0"/>
+                <a:cs typeface="Times New Roman" panose="02020603050405020304" pitchFamily="18" charset="0"/>
+              </a:rPr>
+              <a:t>.</a:t>
+            </a:r>
+            <a:endParaRPr lang="ru-RU" sz="1400" dirty="0">
+              <a:latin typeface="Times New Roman" panose="02020603050405020304" pitchFamily="18" charset="0"/>
+              <a:cs typeface="Times New Roman" panose="02020603050405020304" pitchFamily="18" charset="0"/>
+            </a:endParaRPr>
+          </a:p>
+        </p:txBody>
+      </p:sp>
+    </p:spTree>
+    <p:extLst>
+      <p:ext uri="{BB962C8B-B14F-4D97-AF65-F5344CB8AC3E}">
+        <p14:creationId xmlns:p14="http://schemas.microsoft.com/office/powerpoint/2010/main" val="3643162239"/>
+      </p:ext>
+    </p:extLst>
+  </p:cSld>
+  <p:clrMapOvr>
+    <a:masterClrMapping/>
+  </p:clrMapOvr>
+</p:sld>
+</file>
+
+<file path=ppt/slides/slide8.xml><?xml version="1.0" encoding="utf-8"?>
+<p:sld xmlns:a="http://schemas.openxmlformats.org/drawingml/2006/main" xmlns:r="http://schemas.openxmlformats.org/officeDocument/2006/relationships" xmlns:p="http://schemas.openxmlformats.org/presentationml/2006/main">
+  <p:cSld>
+    <p:spTree>
+      <p:nvGrpSpPr>
+        <p:cNvPr id="1" name=""/>
+        <p:cNvGrpSpPr/>
+        <p:nvPr/>
+      </p:nvGrpSpPr>
+      <p:grpSpPr>
+        <a:xfrm>
+          <a:off x="0" y="0"/>
+          <a:ext cx="0" cy="0"/>
+          <a:chOff x="0" y="0"/>
+          <a:chExt cx="0" cy="0"/>
+        </a:xfrm>
+      </p:grpSpPr>
+      <p:sp>
+        <p:nvSpPr>
+          <p:cNvPr id="2" name="Заголовок 1"/>
+          <p:cNvSpPr>
+            <a:spLocks noGrp="1"/>
+          </p:cNvSpPr>
+          <p:nvPr>
+            <p:ph type="title"/>
+          </p:nvPr>
+        </p:nvSpPr>
+        <p:spPr>
+          <a:xfrm>
+            <a:off x="0" y="180109"/>
+            <a:ext cx="12192000" cy="678873"/>
           </a:xfrm>
         </p:spPr>
         <p:txBody>
@@ -7246,30 +13727,161 @@
           </a:bodyPr>
           <a:lstStyle/>
           <a:p>
-            <a:r>
-              <a:rPr lang="ru-RU" sz="4000" dirty="0">
+            <a:pPr algn="ctr"/>
+            <a:r>
+              <a:rPr lang="ru-RU" dirty="0" smtClean="0">
                 <a:solidFill>
                   <a:schemeClr val="tx1"/>
                 </a:solidFill>
                 <a:latin typeface="Times New Roman" panose="02020603050405020304" pitchFamily="18" charset="0"/>
                 <a:cs typeface="Times New Roman" panose="02020603050405020304" pitchFamily="18" charset="0"/>
               </a:rPr>
-              <a:t>НОВЫЕ ВИДА ОБОРУДОВАНИЯ И ИХ ТЕХНИКА </a:t>
-            </a:r>
-            <a:r>
-              <a:rPr lang="ru-RU" sz="4000" dirty="0" smtClean="0">
+              <a:t>ОРГАНИЗАЦИЯ РАБОТЫ ЦЕХА И РАБОЧИЕ МЕСТА</a:t>
+            </a:r>
+            <a:endParaRPr lang="ru-RU" dirty="0">
+              <a:solidFill>
+                <a:schemeClr val="tx1"/>
+              </a:solidFill>
+              <a:latin typeface="Times New Roman" panose="02020603050405020304" pitchFamily="18" charset="0"/>
+              <a:cs typeface="Times New Roman" panose="02020603050405020304" pitchFamily="18" charset="0"/>
+            </a:endParaRPr>
+          </a:p>
+        </p:txBody>
+      </p:sp>
+      <p:sp>
+        <p:nvSpPr>
+          <p:cNvPr id="3" name="Объект 2"/>
+          <p:cNvSpPr>
+            <a:spLocks noGrp="1"/>
+          </p:cNvSpPr>
+          <p:nvPr>
+            <p:ph idx="1"/>
+          </p:nvPr>
+        </p:nvSpPr>
+        <p:spPr>
+          <a:xfrm>
+            <a:off x="109297" y="1025236"/>
+            <a:ext cx="11944157" cy="5652655"/>
+          </a:xfrm>
+        </p:spPr>
+        <p:txBody>
+          <a:bodyPr>
+            <a:noAutofit/>
+          </a:bodyPr>
+          <a:lstStyle/>
+          <a:p>
+            <a:pPr marL="0" indent="0">
+              <a:buNone/>
+            </a:pPr>
+            <a:r>
+              <a:rPr lang="ru-RU" sz="3200" dirty="0">
                 <a:solidFill>
                   <a:schemeClr val="tx1"/>
                 </a:solidFill>
                 <a:latin typeface="Times New Roman" panose="02020603050405020304" pitchFamily="18" charset="0"/>
                 <a:cs typeface="Times New Roman" panose="02020603050405020304" pitchFamily="18" charset="0"/>
               </a:rPr>
-              <a:t>БЕЗОПАСНОСТИ</a:t>
-            </a:r>
-            <a:endParaRPr lang="ru-RU" sz="4000" dirty="0">
+              <a:t>Личная гигиена - это ряд санитарных правил, которые должны соблюдать работники предприятий общественного питания. Выполнение правил личной гигиены имеет важное, значение в предупреждении загрязнения пищи микробами, которые могут стать причиной возникновения заразных заболеваний и пищевых отравлений.</a:t>
+            </a:r>
+          </a:p>
+          <a:p>
+            <a:pPr marL="0" indent="0">
+              <a:buNone/>
+            </a:pPr>
+            <a:r>
+              <a:rPr lang="ru-RU" sz="3200" dirty="0">
+                <a:solidFill>
+                  <a:schemeClr val="tx1"/>
+                </a:solidFill>
+                <a:latin typeface="Times New Roman" panose="02020603050405020304" pitchFamily="18" charset="0"/>
+                <a:cs typeface="Times New Roman" panose="02020603050405020304" pitchFamily="18" charset="0"/>
+              </a:rPr>
+              <a:t>Правилами личной гигиены предусмотрен ряд гигиенических требований к содержанию тела, рук и полости рта, к санитарной одежде, к санитарному режиму предприятия, медицинскому освидетельствованию работников общественного питания.</a:t>
+            </a:r>
+          </a:p>
+          <a:p>
+            <a:pPr marL="0" indent="0">
+              <a:buNone/>
+            </a:pPr>
+            <a:endParaRPr lang="ru-RU" sz="1400" dirty="0">
               <a:solidFill>
                 <a:schemeClr val="tx1"/>
               </a:solidFill>
+              <a:latin typeface="Times New Roman" panose="02020603050405020304" pitchFamily="18" charset="0"/>
+              <a:cs typeface="Times New Roman" panose="02020603050405020304" pitchFamily="18" charset="0"/>
+            </a:endParaRPr>
+          </a:p>
+        </p:txBody>
+      </p:sp>
+    </p:spTree>
+    <p:extLst>
+      <p:ext uri="{BB962C8B-B14F-4D97-AF65-F5344CB8AC3E}">
+        <p14:creationId xmlns:p14="http://schemas.microsoft.com/office/powerpoint/2010/main" val="3600294339"/>
+      </p:ext>
+    </p:extLst>
+  </p:cSld>
+  <p:clrMapOvr>
+    <a:masterClrMapping/>
+  </p:clrMapOvr>
+</p:sld>
+</file>
+
+<file path=ppt/slides/slide9.xml><?xml version="1.0" encoding="utf-8"?>
+<p:sld xmlns:a="http://schemas.openxmlformats.org/drawingml/2006/main" xmlns:r="http://schemas.openxmlformats.org/officeDocument/2006/relationships" xmlns:p="http://schemas.openxmlformats.org/presentationml/2006/main">
+  <p:cSld>
+    <p:spTree>
+      <p:nvGrpSpPr>
+        <p:cNvPr id="1" name=""/>
+        <p:cNvGrpSpPr/>
+        <p:nvPr/>
+      </p:nvGrpSpPr>
+      <p:grpSpPr>
+        <a:xfrm>
+          <a:off x="0" y="0"/>
+          <a:ext cx="0" cy="0"/>
+          <a:chOff x="0" y="0"/>
+          <a:chExt cx="0" cy="0"/>
+        </a:xfrm>
+      </p:grpSpPr>
+      <p:sp>
+        <p:nvSpPr>
+          <p:cNvPr id="2" name="Заголовок 1"/>
+          <p:cNvSpPr>
+            <a:spLocks noGrp="1"/>
+          </p:cNvSpPr>
+          <p:nvPr>
+            <p:ph type="title"/>
+          </p:nvPr>
+        </p:nvSpPr>
+        <p:spPr>
+          <a:xfrm>
+            <a:off x="0" y="263236"/>
+            <a:ext cx="11956473" cy="1510146"/>
+          </a:xfrm>
+        </p:spPr>
+        <p:txBody>
+          <a:bodyPr>
+            <a:normAutofit/>
+          </a:bodyPr>
+          <a:lstStyle/>
+          <a:p>
+            <a:pPr algn="ctr"/>
+            <a:r>
+              <a:rPr lang="ru-RU" dirty="0" smtClean="0">
+                <a:solidFill>
+                  <a:schemeClr val="tx1"/>
+                </a:solidFill>
+                <a:latin typeface="Times New Roman" panose="02020603050405020304" pitchFamily="18" charset="0"/>
+                <a:cs typeface="Times New Roman" panose="02020603050405020304" pitchFamily="18" charset="0"/>
+              </a:rPr>
+              <a:t>ПОДБОР ТЕХНОЛОГИЧЕСКОГО ОБОРУДОВАНИЯ И ИНВЕНТАРЯ </a:t>
+            </a:r>
+            <a:endParaRPr lang="ru-RU" dirty="0">
+              <a:solidFill>
+                <a:schemeClr val="tx1"/>
+              </a:solidFill>
+              <a:latin typeface="Times New Roman" panose="02020603050405020304" pitchFamily="18" charset="0"/>
+              <a:cs typeface="Times New Roman" panose="02020603050405020304" pitchFamily="18" charset="0"/>
             </a:endParaRPr>
           </a:p>
         </p:txBody>
@@ -7377,458 +13989,6 @@
     <p:extLst>
       <p:ext uri="{BB962C8B-B14F-4D97-AF65-F5344CB8AC3E}">
         <p14:creationId xmlns:p14="http://schemas.microsoft.com/office/powerpoint/2010/main" val="872786132"/>
-      </p:ext>
-    </p:extLst>
-  </p:cSld>
-  <p:clrMapOvr>
-    <a:masterClrMapping/>
-  </p:clrMapOvr>
-</p:sld>
-</file>
-
-<file path=ppt/slides/slide5.xml><?xml version="1.0" encoding="utf-8"?>
-<p:sld xmlns:a="http://schemas.openxmlformats.org/drawingml/2006/main" xmlns:r="http://schemas.openxmlformats.org/officeDocument/2006/relationships" xmlns:p="http://schemas.openxmlformats.org/presentationml/2006/main">
-  <p:cSld>
-    <p:spTree>
-      <p:nvGrpSpPr>
-        <p:cNvPr id="1" name=""/>
-        <p:cNvGrpSpPr/>
-        <p:nvPr/>
-      </p:nvGrpSpPr>
-      <p:grpSpPr>
-        <a:xfrm>
-          <a:off x="0" y="0"/>
-          <a:ext cx="0" cy="0"/>
-          <a:chOff x="0" y="0"/>
-          <a:chExt cx="0" cy="0"/>
-        </a:xfrm>
-      </p:grpSpPr>
-      <p:sp>
-        <p:nvSpPr>
-          <p:cNvPr id="2" name="Заголовок 1"/>
-          <p:cNvSpPr>
-            <a:spLocks noGrp="1"/>
-          </p:cNvSpPr>
-          <p:nvPr>
-            <p:ph type="title"/>
-          </p:nvPr>
-        </p:nvSpPr>
-        <p:spPr>
-          <a:xfrm>
-            <a:off x="756154" y="299864"/>
-            <a:ext cx="10676514" cy="988609"/>
-          </a:xfrm>
-        </p:spPr>
-        <p:txBody>
-          <a:bodyPr>
-            <a:normAutofit/>
-          </a:bodyPr>
-          <a:lstStyle/>
-          <a:p>
-            <a:r>
-              <a:rPr lang="ru-RU" sz="4400" dirty="0">
-                <a:solidFill>
-                  <a:schemeClr val="tx1"/>
-                </a:solidFill>
-                <a:latin typeface="Times New Roman" panose="02020603050405020304" pitchFamily="18" charset="0"/>
-                <a:cs typeface="Times New Roman" panose="02020603050405020304" pitchFamily="18" charset="0"/>
-              </a:rPr>
-              <a:t>ХАРАКТЕРИСТИКА ОСНОВНЫХ </a:t>
-            </a:r>
-            <a:r>
-              <a:rPr lang="ru-RU" sz="4400" dirty="0" smtClean="0">
-                <a:solidFill>
-                  <a:schemeClr val="tx1"/>
-                </a:solidFill>
-                <a:latin typeface="Times New Roman" panose="02020603050405020304" pitchFamily="18" charset="0"/>
-                <a:cs typeface="Times New Roman" panose="02020603050405020304" pitchFamily="18" charset="0"/>
-              </a:rPr>
-              <a:t>БЛЮД</a:t>
-            </a:r>
-            <a:endParaRPr lang="ru-RU" sz="4400" dirty="0">
-              <a:solidFill>
-                <a:schemeClr val="tx1"/>
-              </a:solidFill>
-            </a:endParaRPr>
-          </a:p>
-        </p:txBody>
-      </p:sp>
-      <p:pic>
-        <p:nvPicPr>
-          <p:cNvPr id="2050" name="Picture 2" descr="https://lh3.googleusercontent.com/YImPpq575ulvsdkchCW0knf68xj5WlJl-prdUBInbmJ_L6ykuU635DrDJdYQLVVYYvvDojre7bjoooyhiBNefSvsACS7Z9EBDdVVDYg"/>
-          <p:cNvPicPr>
-            <a:picLocks noGrp="1" noChangeAspect="1" noChangeArrowheads="1"/>
-          </p:cNvPicPr>
-          <p:nvPr>
-            <p:ph idx="1"/>
-          </p:nvPr>
-        </p:nvPicPr>
-        <p:blipFill>
-          <a:blip r:embed="rId2">
-            <a:extLst>
-              <a:ext uri="{28A0092B-C50C-407E-A947-70E740481C1C}">
-                <a14:useLocalDpi xmlns:a14="http://schemas.microsoft.com/office/drawing/2010/main" val="0"/>
-              </a:ext>
-            </a:extLst>
-          </a:blip>
-          <a:srcRect/>
-          <a:stretch>
-            <a:fillRect/>
-          </a:stretch>
-        </p:blipFill>
-        <p:spPr bwMode="auto">
-          <a:xfrm>
-            <a:off x="756154" y="1288473"/>
-            <a:ext cx="4228162" cy="5252284"/>
-          </a:xfrm>
-          <a:prstGeom prst="rect">
-            <a:avLst/>
-          </a:prstGeom>
-          <a:noFill/>
-          <a:extLst>
-            <a:ext uri="{909E8E84-426E-40DD-AFC4-6F175D3DCCD1}">
-              <a14:hiddenFill xmlns:a14="http://schemas.microsoft.com/office/drawing/2010/main">
-                <a:solidFill>
-                  <a:srgbClr val="FFFFFF"/>
-                </a:solidFill>
-              </a14:hiddenFill>
-            </a:ext>
-          </a:extLst>
-        </p:spPr>
-      </p:pic>
-      <p:pic>
-        <p:nvPicPr>
-          <p:cNvPr id="2052" name="Picture 4" descr="https://lh3.googleusercontent.com/S-CIIJUtPH80g6Apk6L_XQ-_7mz-yM13VIbyJGMNaENtcPfIzhBgTAx1ZMCxkZkrFaoBwY3Luw1pPhzzjq8tXdUMv42F4AgbyYRFUmYS"/>
-          <p:cNvPicPr>
-            <a:picLocks noChangeAspect="1" noChangeArrowheads="1"/>
-          </p:cNvPicPr>
-          <p:nvPr/>
-        </p:nvPicPr>
-        <p:blipFill>
-          <a:blip r:embed="rId3">
-            <a:extLst>
-              <a:ext uri="{28A0092B-C50C-407E-A947-70E740481C1C}">
-                <a14:useLocalDpi xmlns:a14="http://schemas.microsoft.com/office/drawing/2010/main" val="0"/>
-              </a:ext>
-            </a:extLst>
-          </a:blip>
-          <a:srcRect/>
-          <a:stretch>
-            <a:fillRect/>
-          </a:stretch>
-        </p:blipFill>
-        <p:spPr bwMode="auto">
-          <a:xfrm>
-            <a:off x="7041284" y="1288473"/>
-            <a:ext cx="4214794" cy="5252284"/>
-          </a:xfrm>
-          <a:prstGeom prst="rect">
-            <a:avLst/>
-          </a:prstGeom>
-          <a:noFill/>
-          <a:extLst>
-            <a:ext uri="{909E8E84-426E-40DD-AFC4-6F175D3DCCD1}">
-              <a14:hiddenFill xmlns:a14="http://schemas.microsoft.com/office/drawing/2010/main">
-                <a:solidFill>
-                  <a:srgbClr val="FFFFFF"/>
-                </a:solidFill>
-              </a14:hiddenFill>
-            </a:ext>
-          </a:extLst>
-        </p:spPr>
-      </p:pic>
-    </p:spTree>
-    <p:extLst>
-      <p:ext uri="{BB962C8B-B14F-4D97-AF65-F5344CB8AC3E}">
-        <p14:creationId xmlns:p14="http://schemas.microsoft.com/office/powerpoint/2010/main" val="1986027248"/>
-      </p:ext>
-    </p:extLst>
-  </p:cSld>
-  <p:clrMapOvr>
-    <a:masterClrMapping/>
-  </p:clrMapOvr>
-</p:sld>
-</file>
-
-<file path=ppt/slides/slide6.xml><?xml version="1.0" encoding="utf-8"?>
-<p:sld xmlns:a="http://schemas.openxmlformats.org/drawingml/2006/main" xmlns:r="http://schemas.openxmlformats.org/officeDocument/2006/relationships" xmlns:p="http://schemas.openxmlformats.org/presentationml/2006/main">
-  <p:cSld>
-    <p:spTree>
-      <p:nvGrpSpPr>
-        <p:cNvPr id="1" name=""/>
-        <p:cNvGrpSpPr/>
-        <p:nvPr/>
-      </p:nvGrpSpPr>
-      <p:grpSpPr>
-        <a:xfrm>
-          <a:off x="0" y="0"/>
-          <a:ext cx="0" cy="0"/>
-          <a:chOff x="0" y="0"/>
-          <a:chExt cx="0" cy="0"/>
-        </a:xfrm>
-      </p:grpSpPr>
-      <p:sp>
-        <p:nvSpPr>
-          <p:cNvPr id="2" name="Заголовок 1"/>
-          <p:cNvSpPr>
-            <a:spLocks noGrp="1"/>
-          </p:cNvSpPr>
-          <p:nvPr>
-            <p:ph type="title"/>
-          </p:nvPr>
-        </p:nvSpPr>
-        <p:spPr>
-          <a:xfrm>
-            <a:off x="1272042" y="88973"/>
-            <a:ext cx="9905998" cy="1246341"/>
-          </a:xfrm>
-        </p:spPr>
-        <p:txBody>
-          <a:bodyPr>
-            <a:normAutofit/>
-          </a:bodyPr>
-          <a:lstStyle/>
-          <a:p>
-            <a:r>
-              <a:rPr lang="ru-RU" sz="4400" dirty="0">
-                <a:solidFill>
-                  <a:schemeClr val="tx1"/>
-                </a:solidFill>
-                <a:latin typeface="Times New Roman" panose="02020603050405020304" pitchFamily="18" charset="0"/>
-                <a:cs typeface="Times New Roman" panose="02020603050405020304" pitchFamily="18" charset="0"/>
-              </a:rPr>
-              <a:t>РАСЧЕТ КАЛЬКУЛЯЦИИ </a:t>
-            </a:r>
-            <a:r>
-              <a:rPr lang="ru-RU" sz="4400" dirty="0" smtClean="0">
-                <a:solidFill>
-                  <a:schemeClr val="tx1"/>
-                </a:solidFill>
-                <a:latin typeface="Times New Roman" panose="02020603050405020304" pitchFamily="18" charset="0"/>
-                <a:cs typeface="Times New Roman" panose="02020603050405020304" pitchFamily="18" charset="0"/>
-              </a:rPr>
-              <a:t>БЛЮД</a:t>
-            </a:r>
-            <a:endParaRPr lang="ru-RU" sz="4400" dirty="0">
-              <a:solidFill>
-                <a:schemeClr val="tx1"/>
-              </a:solidFill>
-            </a:endParaRPr>
-          </a:p>
-        </p:txBody>
-      </p:sp>
-      <p:graphicFrame>
-        <p:nvGraphicFramePr>
-          <p:cNvPr id="6" name="Объект 5"/>
-          <p:cNvGraphicFramePr>
-            <a:graphicFrameLocks noGrp="1"/>
-          </p:cNvGraphicFramePr>
-          <p:nvPr>
-            <p:ph idx="1"/>
-            <p:extLst>
-              <p:ext uri="{D42A27DB-BD31-4B8C-83A1-F6EECF244321}">
-                <p14:modId xmlns:p14="http://schemas.microsoft.com/office/powerpoint/2010/main" val="1753594348"/>
-              </p:ext>
-            </p:extLst>
-          </p:nvPr>
-        </p:nvGraphicFramePr>
-        <p:xfrm>
-          <a:off x="1141411" y="1045028"/>
-          <a:ext cx="9906000" cy="5675085"/>
-        </p:xfrm>
-        <a:graphic>
-          <a:graphicData uri="http://schemas.openxmlformats.org/drawingml/2006/chart">
-            <c:chart xmlns:c="http://schemas.openxmlformats.org/drawingml/2006/chart" xmlns:r="http://schemas.openxmlformats.org/officeDocument/2006/relationships" r:id="rId2"/>
-          </a:graphicData>
-        </a:graphic>
-      </p:graphicFrame>
-    </p:spTree>
-    <p:extLst>
-      <p:ext uri="{BB962C8B-B14F-4D97-AF65-F5344CB8AC3E}">
-        <p14:creationId xmlns:p14="http://schemas.microsoft.com/office/powerpoint/2010/main" val="552458654"/>
-      </p:ext>
-    </p:extLst>
-  </p:cSld>
-  <p:clrMapOvr>
-    <a:masterClrMapping/>
-  </p:clrMapOvr>
-</p:sld>
-</file>
-
-<file path=ppt/slides/slide7.xml><?xml version="1.0" encoding="utf-8"?>
-<p:sld xmlns:a="http://schemas.openxmlformats.org/drawingml/2006/main" xmlns:r="http://schemas.openxmlformats.org/officeDocument/2006/relationships" xmlns:p="http://schemas.openxmlformats.org/presentationml/2006/main">
-  <p:cSld>
-    <p:spTree>
-      <p:nvGrpSpPr>
-        <p:cNvPr id="1" name=""/>
-        <p:cNvGrpSpPr/>
-        <p:nvPr/>
-      </p:nvGrpSpPr>
-      <p:grpSpPr>
-        <a:xfrm>
-          <a:off x="0" y="0"/>
-          <a:ext cx="0" cy="0"/>
-          <a:chOff x="0" y="0"/>
-          <a:chExt cx="0" cy="0"/>
-        </a:xfrm>
-      </p:grpSpPr>
-      <p:sp>
-        <p:nvSpPr>
-          <p:cNvPr id="2" name="Заголовок 1"/>
-          <p:cNvSpPr>
-            <a:spLocks noGrp="1"/>
-          </p:cNvSpPr>
-          <p:nvPr>
-            <p:ph type="title"/>
-          </p:nvPr>
-        </p:nvSpPr>
-        <p:spPr>
-          <a:xfrm>
-            <a:off x="125771" y="216736"/>
-            <a:ext cx="11761429" cy="766937"/>
-          </a:xfrm>
-        </p:spPr>
-        <p:txBody>
-          <a:bodyPr>
-            <a:normAutofit/>
-          </a:bodyPr>
-          <a:lstStyle/>
-          <a:p>
-            <a:r>
-              <a:rPr lang="ru-RU" dirty="0">
-                <a:solidFill>
-                  <a:schemeClr val="tx1"/>
-                </a:solidFill>
-                <a:latin typeface="Times New Roman" panose="02020603050405020304" pitchFamily="18" charset="0"/>
-                <a:cs typeface="Times New Roman" panose="02020603050405020304" pitchFamily="18" charset="0"/>
-              </a:rPr>
-              <a:t>ТЕХНОЛОГИЧЕСКИХ СХЕМ ПРИГОТОВЛЕНИЯ </a:t>
-            </a:r>
-            <a:r>
-              <a:rPr lang="ru-RU" dirty="0" smtClean="0">
-                <a:solidFill>
-                  <a:schemeClr val="tx1"/>
-                </a:solidFill>
-                <a:latin typeface="Times New Roman" panose="02020603050405020304" pitchFamily="18" charset="0"/>
-                <a:cs typeface="Times New Roman" panose="02020603050405020304" pitchFamily="18" charset="0"/>
-              </a:rPr>
-              <a:t>БЛЮД</a:t>
-            </a:r>
-            <a:endParaRPr lang="ru-RU" dirty="0">
-              <a:solidFill>
-                <a:schemeClr val="tx1"/>
-              </a:solidFill>
-            </a:endParaRPr>
-          </a:p>
-        </p:txBody>
-      </p:sp>
-      <p:pic>
-        <p:nvPicPr>
-          <p:cNvPr id="5" name="Рисунок 4" descr="https://lh3.googleusercontent.com/zENhrvW7rtsLZeBncK5ICzKAkIDzPKY2CUqcbPFGHEtxwkOXv3Z4Ouy9oy_3iC27T2FfPPiwz6u5p7k4lXpUWplHlE-EqfTPCYQa2qNnWw"/>
-          <p:cNvPicPr/>
-          <p:nvPr/>
-        </p:nvPicPr>
-        <p:blipFill>
-          <a:blip r:embed="rId2">
-            <a:extLst>
-              <a:ext uri="{28A0092B-C50C-407E-A947-70E740481C1C}">
-                <a14:useLocalDpi xmlns:a14="http://schemas.microsoft.com/office/drawing/2010/main" val="0"/>
-              </a:ext>
-            </a:extLst>
-          </a:blip>
-          <a:srcRect/>
-          <a:stretch>
-            <a:fillRect/>
-          </a:stretch>
-        </p:blipFill>
-        <p:spPr bwMode="auto">
-          <a:xfrm>
-            <a:off x="2519468" y="1149984"/>
-            <a:ext cx="6264313" cy="5500198"/>
-          </a:xfrm>
-          <a:prstGeom prst="rect">
-            <a:avLst/>
-          </a:prstGeom>
-          <a:noFill/>
-          <a:ln>
-            <a:noFill/>
-          </a:ln>
-        </p:spPr>
-      </p:pic>
-    </p:spTree>
-    <p:extLst>
-      <p:ext uri="{BB962C8B-B14F-4D97-AF65-F5344CB8AC3E}">
-        <p14:creationId xmlns:p14="http://schemas.microsoft.com/office/powerpoint/2010/main" val="2268914516"/>
-      </p:ext>
-    </p:extLst>
-  </p:cSld>
-  <p:clrMapOvr>
-    <a:masterClrMapping/>
-  </p:clrMapOvr>
-</p:sld>
-</file>
-
-<file path=ppt/slides/slide8.xml><?xml version="1.0" encoding="utf-8"?>
-<p:sld xmlns:a="http://schemas.openxmlformats.org/drawingml/2006/main" xmlns:r="http://schemas.openxmlformats.org/officeDocument/2006/relationships" xmlns:p="http://schemas.openxmlformats.org/presentationml/2006/main">
-  <p:cSld>
-    <p:spTree>
-      <p:nvGrpSpPr>
-        <p:cNvPr id="1" name=""/>
-        <p:cNvGrpSpPr/>
-        <p:nvPr/>
-      </p:nvGrpSpPr>
-      <p:grpSpPr>
-        <a:xfrm>
-          <a:off x="0" y="0"/>
-          <a:ext cx="0" cy="0"/>
-          <a:chOff x="0" y="0"/>
-          <a:chExt cx="0" cy="0"/>
-        </a:xfrm>
-      </p:grpSpPr>
-      <p:sp>
-        <p:nvSpPr>
-          <p:cNvPr id="2" name="Заголовок 1"/>
-          <p:cNvSpPr>
-            <a:spLocks noGrp="1"/>
-          </p:cNvSpPr>
-          <p:nvPr>
-            <p:ph type="title"/>
-          </p:nvPr>
-        </p:nvSpPr>
-        <p:spPr>
-          <a:xfrm>
-            <a:off x="282429" y="1967346"/>
-            <a:ext cx="11909571" cy="1681162"/>
-          </a:xfrm>
-        </p:spPr>
-        <p:txBody>
-          <a:bodyPr>
-            <a:normAutofit/>
-          </a:bodyPr>
-          <a:lstStyle/>
-          <a:p>
-            <a:r>
-              <a:rPr lang="ru-RU" sz="7200" dirty="0">
-                <a:solidFill>
-                  <a:schemeClr val="tx1"/>
-                </a:solidFill>
-                <a:latin typeface="Times New Roman" panose="02020603050405020304" pitchFamily="18" charset="0"/>
-                <a:cs typeface="Times New Roman" panose="02020603050405020304" pitchFamily="18" charset="0"/>
-              </a:rPr>
-              <a:t>СПАСИБО ЗА ПРОСМОТР!</a:t>
-            </a:r>
-            <a:endParaRPr lang="ru-RU" sz="7200" dirty="0">
-              <a:solidFill>
-                <a:schemeClr val="tx1"/>
-              </a:solidFill>
-            </a:endParaRPr>
-          </a:p>
-        </p:txBody>
-      </p:sp>
-    </p:spTree>
-    <p:extLst>
-      <p:ext uri="{BB962C8B-B14F-4D97-AF65-F5344CB8AC3E}">
-        <p14:creationId xmlns:p14="http://schemas.microsoft.com/office/powerpoint/2010/main" val="3590306646"/>
       </p:ext>
     </p:extLst>
   </p:cSld>
@@ -8093,4 +14253,265 @@
     </a:ext>
   </a:extLst>
 </a:theme>
+</file>
+
+<file path=ppt/theme/theme2.xml><?xml version="1.0" encoding="utf-8"?>
+<a:theme xmlns:a="http://schemas.openxmlformats.org/drawingml/2006/main" name="Тема Office">
+  <a:themeElements>
+    <a:clrScheme name="Стандартная">
+      <a:dk1>
+        <a:sysClr val="windowText" lastClr="000000"/>
+      </a:dk1>
+      <a:lt1>
+        <a:sysClr val="window" lastClr="FFFFFF"/>
+      </a:lt1>
+      <a:dk2>
+        <a:srgbClr val="44546A"/>
+      </a:dk2>
+      <a:lt2>
+        <a:srgbClr val="E7E6E6"/>
+      </a:lt2>
+      <a:accent1>
+        <a:srgbClr val="5B9BD5"/>
+      </a:accent1>
+      <a:accent2>
+        <a:srgbClr val="ED7D31"/>
+      </a:accent2>
+      <a:accent3>
+        <a:srgbClr val="A5A5A5"/>
+      </a:accent3>
+      <a:accent4>
+        <a:srgbClr val="FFC000"/>
+      </a:accent4>
+      <a:accent5>
+        <a:srgbClr val="4472C4"/>
+      </a:accent5>
+      <a:accent6>
+        <a:srgbClr val="70AD47"/>
+      </a:accent6>
+      <a:hlink>
+        <a:srgbClr val="0563C1"/>
+      </a:hlink>
+      <a:folHlink>
+        <a:srgbClr val="954F72"/>
+      </a:folHlink>
+    </a:clrScheme>
+    <a:fontScheme name="Стандартная">
+      <a:majorFont>
+        <a:latin typeface="Calibri Light" panose="020F0302020204030204"/>
+        <a:ea typeface=""/>
+        <a:cs typeface=""/>
+        <a:font script="Jpan" typeface="游ゴシック Light"/>
+        <a:font script="Hang" typeface="맑은 고딕"/>
+        <a:font script="Hans" typeface="等线 Light"/>
+        <a:font script="Hant" typeface="新細明體"/>
+        <a:font script="Arab" typeface="Times New Roman"/>
+        <a:font script="Hebr" typeface="Times New Roman"/>
+        <a:font script="Thai" typeface="Angsana New"/>
+        <a:font script="Ethi" typeface="Nyala"/>
+        <a:font script="Beng" typeface="Vrinda"/>
+        <a:font script="Gujr" typeface="Shruti"/>
+        <a:font script="Khmr" typeface="MoolBoran"/>
+        <a:font script="Knda" typeface="Tunga"/>
+        <a:font script="Guru" typeface="Raavi"/>
+        <a:font script="Cans" typeface="Euphemia"/>
+        <a:font script="Cher" typeface="Plantagenet Cherokee"/>
+        <a:font script="Yiii" typeface="Microsoft Yi Baiti"/>
+        <a:font script="Tibt" typeface="Microsoft Himalaya"/>
+        <a:font script="Thaa" typeface="MV Boli"/>
+        <a:font script="Deva" typeface="Mangal"/>
+        <a:font script="Telu" typeface="Gautami"/>
+        <a:font script="Taml" typeface="Latha"/>
+        <a:font script="Syrc" typeface="Estrangelo Edessa"/>
+        <a:font script="Orya" typeface="Kalinga"/>
+        <a:font script="Mlym" typeface="Kartika"/>
+        <a:font script="Laoo" typeface="DokChampa"/>
+        <a:font script="Sinh" typeface="Iskoola Pota"/>
+        <a:font script="Mong" typeface="Mongolian Baiti"/>
+        <a:font script="Viet" typeface="Times New Roman"/>
+        <a:font script="Uigh" typeface="Microsoft Uighur"/>
+        <a:font script="Geor" typeface="Sylfaen"/>
+      </a:majorFont>
+      <a:minorFont>
+        <a:latin typeface="Calibri" panose="020F0502020204030204"/>
+        <a:ea typeface=""/>
+        <a:cs typeface=""/>
+        <a:font script="Jpan" typeface="游ゴシック"/>
+        <a:font script="Hang" typeface="맑은 고딕"/>
+        <a:font script="Hans" typeface="等线"/>
+        <a:font script="Hant" typeface="新細明體"/>
+        <a:font script="Arab" typeface="Arial"/>
+        <a:font script="Hebr" typeface="Arial"/>
+        <a:font script="Thai" typeface="Cordia New"/>
+        <a:font script="Ethi" typeface="Nyala"/>
+        <a:font script="Beng" typeface="Vrinda"/>
+        <a:font script="Gujr" typeface="Shruti"/>
+        <a:font script="Khmr" typeface="DaunPenh"/>
+        <a:font script="Knda" typeface="Tunga"/>
+        <a:font script="Guru" typeface="Raavi"/>
+        <a:font script="Cans" typeface="Euphemia"/>
+        <a:font script="Cher" typeface="Plantagenet Cherokee"/>
+        <a:font script="Yiii" typeface="Microsoft Yi Baiti"/>
+        <a:font script="Tibt" typeface="Microsoft Himalaya"/>
+        <a:font script="Thaa" typeface="MV Boli"/>
+        <a:font script="Deva" typeface="Mangal"/>
+        <a:font script="Telu" typeface="Gautami"/>
+        <a:font script="Taml" typeface="Latha"/>
+        <a:font script="Syrc" typeface="Estrangelo Edessa"/>
+        <a:font script="Orya" typeface="Kalinga"/>
+        <a:font script="Mlym" typeface="Kartika"/>
+        <a:font script="Laoo" typeface="DokChampa"/>
+        <a:font script="Sinh" typeface="Iskoola Pota"/>
+        <a:font script="Mong" typeface="Mongolian Baiti"/>
+        <a:font script="Viet" typeface="Arial"/>
+        <a:font script="Uigh" typeface="Microsoft Uighur"/>
+        <a:font script="Geor" typeface="Sylfaen"/>
+      </a:minorFont>
+    </a:fontScheme>
+    <a:fmtScheme name="Стандартная">
+      <a:fillStyleLst>
+        <a:solidFill>
+          <a:schemeClr val="phClr"/>
+        </a:solidFill>
+        <a:gradFill rotWithShape="1">
+          <a:gsLst>
+            <a:gs pos="0">
+              <a:schemeClr val="phClr">
+                <a:lumMod val="110000"/>
+                <a:satMod val="105000"/>
+                <a:tint val="67000"/>
+              </a:schemeClr>
+            </a:gs>
+            <a:gs pos="50000">
+              <a:schemeClr val="phClr">
+                <a:lumMod val="105000"/>
+                <a:satMod val="103000"/>
+                <a:tint val="73000"/>
+              </a:schemeClr>
+            </a:gs>
+            <a:gs pos="100000">
+              <a:schemeClr val="phClr">
+                <a:lumMod val="105000"/>
+                <a:satMod val="109000"/>
+                <a:tint val="81000"/>
+              </a:schemeClr>
+            </a:gs>
+          </a:gsLst>
+          <a:lin ang="5400000" scaled="0"/>
+        </a:gradFill>
+        <a:gradFill rotWithShape="1">
+          <a:gsLst>
+            <a:gs pos="0">
+              <a:schemeClr val="phClr">
+                <a:satMod val="103000"/>
+                <a:lumMod val="102000"/>
+                <a:tint val="94000"/>
+              </a:schemeClr>
+            </a:gs>
+            <a:gs pos="50000">
+              <a:schemeClr val="phClr">
+                <a:satMod val="110000"/>
+                <a:lumMod val="100000"/>
+                <a:shade val="100000"/>
+              </a:schemeClr>
+            </a:gs>
+            <a:gs pos="100000">
+              <a:schemeClr val="phClr">
+                <a:lumMod val="99000"/>
+                <a:satMod val="120000"/>
+                <a:shade val="78000"/>
+              </a:schemeClr>
+            </a:gs>
+          </a:gsLst>
+          <a:lin ang="5400000" scaled="0"/>
+        </a:gradFill>
+      </a:fillStyleLst>
+      <a:lnStyleLst>
+        <a:ln w="6350" cap="flat" cmpd="sng" algn="ctr">
+          <a:solidFill>
+            <a:schemeClr val="phClr"/>
+          </a:solidFill>
+          <a:prstDash val="solid"/>
+          <a:miter lim="800000"/>
+        </a:ln>
+        <a:ln w="12700" cap="flat" cmpd="sng" algn="ctr">
+          <a:solidFill>
+            <a:schemeClr val="phClr"/>
+          </a:solidFill>
+          <a:prstDash val="solid"/>
+          <a:miter lim="800000"/>
+        </a:ln>
+        <a:ln w="19050" cap="flat" cmpd="sng" algn="ctr">
+          <a:solidFill>
+            <a:schemeClr val="phClr"/>
+          </a:solidFill>
+          <a:prstDash val="solid"/>
+          <a:miter lim="800000"/>
+        </a:ln>
+      </a:lnStyleLst>
+      <a:effectStyleLst>
+        <a:effectStyle>
+          <a:effectLst/>
+        </a:effectStyle>
+        <a:effectStyle>
+          <a:effectLst/>
+        </a:effectStyle>
+        <a:effectStyle>
+          <a:effectLst>
+            <a:outerShdw blurRad="57150" dist="19050" dir="5400000" algn="ctr" rotWithShape="0">
+              <a:srgbClr val="000000">
+                <a:alpha val="63000"/>
+              </a:srgbClr>
+            </a:outerShdw>
+          </a:effectLst>
+        </a:effectStyle>
+      </a:effectStyleLst>
+      <a:bgFillStyleLst>
+        <a:solidFill>
+          <a:schemeClr val="phClr"/>
+        </a:solidFill>
+        <a:solidFill>
+          <a:schemeClr val="phClr">
+            <a:tint val="95000"/>
+            <a:satMod val="170000"/>
+          </a:schemeClr>
+        </a:solidFill>
+        <a:gradFill rotWithShape="1">
+          <a:gsLst>
+            <a:gs pos="0">
+              <a:schemeClr val="phClr">
+                <a:tint val="93000"/>
+                <a:satMod val="150000"/>
+                <a:shade val="98000"/>
+                <a:lumMod val="102000"/>
+              </a:schemeClr>
+            </a:gs>
+            <a:gs pos="50000">
+              <a:schemeClr val="phClr">
+                <a:tint val="98000"/>
+                <a:satMod val="130000"/>
+                <a:shade val="90000"/>
+                <a:lumMod val="103000"/>
+              </a:schemeClr>
+            </a:gs>
+            <a:gs pos="100000">
+              <a:schemeClr val="phClr">
+                <a:shade val="63000"/>
+                <a:satMod val="120000"/>
+              </a:schemeClr>
+            </a:gs>
+          </a:gsLst>
+          <a:lin ang="5400000" scaled="0"/>
+        </a:gradFill>
+      </a:bgFillStyleLst>
+    </a:fmtScheme>
+  </a:themeElements>
+  <a:objectDefaults/>
+  <a:extraClrSchemeLst/>
+  <a:extLst>
+    <a:ext uri="{05A4C25C-085E-4340-85A3-A5531E510DB2}">
+      <thm15:themeFamily xmlns:thm15="http://schemas.microsoft.com/office/thememl/2012/main" name="Office Theme" id="{62F939B6-93AF-4DB8-9C6B-D6C7DFDC589F}" vid="{4A3C46E8-61CC-4603-A589-7422A47A8E4A}"/>
+    </a:ext>
+  </a:extLst>
+</a:theme>
 </file>